--- a/Storyboard.pptx
+++ b/Storyboard.pptx
@@ -197,7 +197,7 @@
           <a:p>
             <a:fld id="{EBBC5091-0236-457B-A40E-F3FEAB024243}" type="datetimeFigureOut">
               <a:rPr lang="en-US" smtClean="0"/>
-              <a:t>2/12/2018</a:t>
+              <a:t>2/13/2018</a:t>
             </a:fld>
             <a:endParaRPr lang="en-US"/>
           </a:p>
@@ -678,7 +678,7 @@
           <a:p>
             <a:fld id="{B49214F2-79A4-4F5D-80CF-7CDFA110A4E0}" type="datetimeFigureOut">
               <a:rPr lang="en-US" smtClean="0"/>
-              <a:t>2/12/2018</a:t>
+              <a:t>2/13/2018</a:t>
             </a:fld>
             <a:endParaRPr lang="en-US"/>
           </a:p>
@@ -846,7 +846,7 @@
           <a:p>
             <a:fld id="{B49214F2-79A4-4F5D-80CF-7CDFA110A4E0}" type="datetimeFigureOut">
               <a:rPr lang="en-US" smtClean="0"/>
-              <a:t>2/12/2018</a:t>
+              <a:t>2/13/2018</a:t>
             </a:fld>
             <a:endParaRPr lang="en-US"/>
           </a:p>
@@ -1024,7 +1024,7 @@
           <a:p>
             <a:fld id="{B49214F2-79A4-4F5D-80CF-7CDFA110A4E0}" type="datetimeFigureOut">
               <a:rPr lang="en-US" smtClean="0"/>
-              <a:t>2/12/2018</a:t>
+              <a:t>2/13/2018</a:t>
             </a:fld>
             <a:endParaRPr lang="en-US"/>
           </a:p>
@@ -1192,7 +1192,7 @@
           <a:p>
             <a:fld id="{B49214F2-79A4-4F5D-80CF-7CDFA110A4E0}" type="datetimeFigureOut">
               <a:rPr lang="en-US" smtClean="0"/>
-              <a:t>2/12/2018</a:t>
+              <a:t>2/13/2018</a:t>
             </a:fld>
             <a:endParaRPr lang="en-US"/>
           </a:p>
@@ -1437,7 +1437,7 @@
           <a:p>
             <a:fld id="{B49214F2-79A4-4F5D-80CF-7CDFA110A4E0}" type="datetimeFigureOut">
               <a:rPr lang="en-US" smtClean="0"/>
-              <a:t>2/12/2018</a:t>
+              <a:t>2/13/2018</a:t>
             </a:fld>
             <a:endParaRPr lang="en-US"/>
           </a:p>
@@ -1666,7 +1666,7 @@
           <a:p>
             <a:fld id="{B49214F2-79A4-4F5D-80CF-7CDFA110A4E0}" type="datetimeFigureOut">
               <a:rPr lang="en-US" smtClean="0"/>
-              <a:t>2/12/2018</a:t>
+              <a:t>2/13/2018</a:t>
             </a:fld>
             <a:endParaRPr lang="en-US"/>
           </a:p>
@@ -2030,7 +2030,7 @@
           <a:p>
             <a:fld id="{B49214F2-79A4-4F5D-80CF-7CDFA110A4E0}" type="datetimeFigureOut">
               <a:rPr lang="en-US" smtClean="0"/>
-              <a:t>2/12/2018</a:t>
+              <a:t>2/13/2018</a:t>
             </a:fld>
             <a:endParaRPr lang="en-US"/>
           </a:p>
@@ -2147,7 +2147,7 @@
           <a:p>
             <a:fld id="{B49214F2-79A4-4F5D-80CF-7CDFA110A4E0}" type="datetimeFigureOut">
               <a:rPr lang="en-US" smtClean="0"/>
-              <a:t>2/12/2018</a:t>
+              <a:t>2/13/2018</a:t>
             </a:fld>
             <a:endParaRPr lang="en-US"/>
           </a:p>
@@ -2242,7 +2242,7 @@
           <a:p>
             <a:fld id="{B49214F2-79A4-4F5D-80CF-7CDFA110A4E0}" type="datetimeFigureOut">
               <a:rPr lang="en-US" smtClean="0"/>
-              <a:t>2/12/2018</a:t>
+              <a:t>2/13/2018</a:t>
             </a:fld>
             <a:endParaRPr lang="en-US"/>
           </a:p>
@@ -2517,7 +2517,7 @@
           <a:p>
             <a:fld id="{B49214F2-79A4-4F5D-80CF-7CDFA110A4E0}" type="datetimeFigureOut">
               <a:rPr lang="en-US" smtClean="0"/>
-              <a:t>2/12/2018</a:t>
+              <a:t>2/13/2018</a:t>
             </a:fld>
             <a:endParaRPr lang="en-US"/>
           </a:p>
@@ -2769,7 +2769,7 @@
           <a:p>
             <a:fld id="{B49214F2-79A4-4F5D-80CF-7CDFA110A4E0}" type="datetimeFigureOut">
               <a:rPr lang="en-US" smtClean="0"/>
-              <a:t>2/12/2018</a:t>
+              <a:t>2/13/2018</a:t>
             </a:fld>
             <a:endParaRPr lang="en-US"/>
           </a:p>
@@ -2980,7 +2980,7 @@
           <a:p>
             <a:fld id="{B49214F2-79A4-4F5D-80CF-7CDFA110A4E0}" type="datetimeFigureOut">
               <a:rPr lang="en-US" smtClean="0"/>
-              <a:t>2/12/2018</a:t>
+              <a:t>2/13/2018</a:t>
             </a:fld>
             <a:endParaRPr lang="en-US"/>
           </a:p>
@@ -3393,7 +3393,7 @@
         </p:nvSpPr>
         <p:spPr>
           <a:xfrm>
-            <a:off x="5601642" y="327352"/>
+            <a:off x="5434002" y="56573"/>
             <a:ext cx="818148" cy="1195137"/>
           </a:xfrm>
           <a:prstGeom prst="rect">
@@ -3436,7 +3436,7 @@
         </p:nvSpPr>
         <p:spPr>
           <a:xfrm>
-            <a:off x="5729081" y="483314"/>
+            <a:off x="5561441" y="212535"/>
             <a:ext cx="574011" cy="292894"/>
           </a:xfrm>
           <a:prstGeom prst="rect">
@@ -3491,7 +3491,7 @@
         </p:nvSpPr>
         <p:spPr>
           <a:xfrm>
-            <a:off x="5804425" y="815008"/>
+            <a:off x="5636785" y="544229"/>
             <a:ext cx="435768" cy="169277"/>
           </a:xfrm>
           <a:prstGeom prst="rect">
@@ -3520,7 +3520,7 @@
         </p:nvSpPr>
         <p:spPr>
           <a:xfrm>
-            <a:off x="4904604" y="1850871"/>
+            <a:off x="4736964" y="1580092"/>
             <a:ext cx="818148" cy="1195137"/>
           </a:xfrm>
           <a:prstGeom prst="rect">
@@ -3563,7 +3563,7 @@
         </p:nvSpPr>
         <p:spPr>
           <a:xfrm>
-            <a:off x="5010347" y="1852735"/>
+            <a:off x="4842707" y="1581956"/>
             <a:ext cx="619249" cy="169277"/>
           </a:xfrm>
           <a:prstGeom prst="rect">
@@ -3592,7 +3592,7 @@
         </p:nvSpPr>
         <p:spPr>
           <a:xfrm>
-            <a:off x="6216381" y="1853413"/>
+            <a:off x="6048741" y="1582634"/>
             <a:ext cx="818148" cy="1195137"/>
           </a:xfrm>
           <a:prstGeom prst="rect">
@@ -3635,7 +3635,7 @@
         </p:nvSpPr>
         <p:spPr>
           <a:xfrm>
-            <a:off x="6347207" y="1845697"/>
+            <a:off x="6179567" y="1574918"/>
             <a:ext cx="619249" cy="169277"/>
           </a:xfrm>
           <a:prstGeom prst="rect">
@@ -3664,7 +3664,7 @@
         </p:nvSpPr>
         <p:spPr>
           <a:xfrm>
-            <a:off x="3590924" y="620044"/>
+            <a:off x="3423284" y="349265"/>
             <a:ext cx="818148" cy="1195137"/>
           </a:xfrm>
           <a:prstGeom prst="rect">
@@ -3707,7 +3707,7 @@
         </p:nvSpPr>
         <p:spPr>
           <a:xfrm>
-            <a:off x="3632278" y="616732"/>
+            <a:off x="3464638" y="345953"/>
             <a:ext cx="818148" cy="169277"/>
           </a:xfrm>
           <a:prstGeom prst="rect">
@@ -3741,7 +3741,7 @@
         </p:nvSpPr>
         <p:spPr>
           <a:xfrm>
-            <a:off x="7528158" y="620044"/>
+            <a:off x="7360518" y="349265"/>
             <a:ext cx="818148" cy="1195137"/>
           </a:xfrm>
           <a:prstGeom prst="rect">
@@ -3784,7 +3784,7 @@
         </p:nvSpPr>
         <p:spPr>
           <a:xfrm>
-            <a:off x="7554852" y="621918"/>
+            <a:off x="7387212" y="351139"/>
             <a:ext cx="818148" cy="169277"/>
           </a:xfrm>
           <a:prstGeom prst="rect">
@@ -3824,7 +3824,7 @@
         </p:nvSpPr>
         <p:spPr>
           <a:xfrm>
-            <a:off x="4897732" y="3359095"/>
+            <a:off x="4725669" y="2879826"/>
             <a:ext cx="818148" cy="1195137"/>
           </a:xfrm>
           <a:prstGeom prst="rect">
@@ -3873,7 +3873,7 @@
         </p:nvSpPr>
         <p:spPr>
           <a:xfrm>
-            <a:off x="4941597" y="3342931"/>
+            <a:off x="4769534" y="2863662"/>
             <a:ext cx="753789" cy="169277"/>
           </a:xfrm>
           <a:prstGeom prst="rect">
@@ -3912,7 +3912,7 @@
         </p:nvCxnSpPr>
         <p:spPr>
           <a:xfrm rot="10800000" flipV="1">
-            <a:off x="5313678" y="1066501"/>
+            <a:off x="5146038" y="795722"/>
             <a:ext cx="462704" cy="784369"/>
           </a:xfrm>
           <a:prstGeom prst="curvedConnector2">
@@ -3955,7 +3955,7 @@
         </p:nvCxnSpPr>
         <p:spPr>
           <a:xfrm>
-            <a:off x="6254471" y="1313266"/>
+            <a:off x="6086831" y="1042487"/>
             <a:ext cx="370984" cy="540147"/>
           </a:xfrm>
           <a:prstGeom prst="curvedConnector2">
@@ -3997,7 +3997,7 @@
         </p:nvCxnSpPr>
         <p:spPr>
           <a:xfrm rot="10800000">
-            <a:off x="4409073" y="1217613"/>
+            <a:off x="4241433" y="946834"/>
             <a:ext cx="590601" cy="1601002"/>
           </a:xfrm>
           <a:prstGeom prst="curvedConnector3">
@@ -4042,7 +4042,7 @@
         </p:nvCxnSpPr>
         <p:spPr>
           <a:xfrm flipV="1">
-            <a:off x="6955610" y="1217613"/>
+            <a:off x="6787970" y="946834"/>
             <a:ext cx="572548" cy="1590887"/>
           </a:xfrm>
           <a:prstGeom prst="curvedConnector3">
@@ -4080,18 +4080,19 @@
           </p:cNvPr>
           <p:cNvCxnSpPr>
             <a:stCxn id="36" idx="0"/>
-            <a:endCxn id="4" idx="0"/>
+            <a:endCxn id="4" idx="3"/>
           </p:cNvCxnSpPr>
           <p:nvPr/>
         </p:nvCxnSpPr>
         <p:spPr>
-          <a:xfrm rot="16200000" flipV="1">
-            <a:off x="6827628" y="-489560"/>
-            <a:ext cx="292692" cy="1926516"/>
-          </a:xfrm>
-          <a:prstGeom prst="curvedConnector3">
+          <a:xfrm rot="16200000" flipH="1" flipV="1">
+            <a:off x="6858432" y="-257018"/>
+            <a:ext cx="304877" cy="1517442"/>
+          </a:xfrm>
+          <a:prstGeom prst="curvedConnector4">
             <a:avLst>
-              <a:gd name="adj1" fmla="val 178103"/>
+              <a:gd name="adj1" fmla="val -74981"/>
+              <a:gd name="adj2" fmla="val 63479"/>
             </a:avLst>
           </a:prstGeom>
           <a:ln>
@@ -4124,18 +4125,19 @@
           </p:cNvPr>
           <p:cNvCxnSpPr>
             <a:stCxn id="28" idx="0"/>
-            <a:endCxn id="4" idx="0"/>
+            <a:endCxn id="4" idx="1"/>
           </p:cNvCxnSpPr>
           <p:nvPr/>
         </p:nvCxnSpPr>
         <p:spPr>
-          <a:xfrm rot="5400000" flipH="1" flipV="1">
-            <a:off x="4859011" y="-531661"/>
-            <a:ext cx="292692" cy="2010718"/>
-          </a:xfrm>
-          <a:prstGeom prst="curvedConnector3">
+          <a:xfrm rot="16200000" flipH="1">
+            <a:off x="4480741" y="-299119"/>
+            <a:ext cx="304877" cy="1601644"/>
+          </a:xfrm>
+          <a:prstGeom prst="curvedConnector4">
             <a:avLst>
-              <a:gd name="adj1" fmla="val 178103"/>
+              <a:gd name="adj1" fmla="val -74981"/>
+              <a:gd name="adj2" fmla="val 62770"/>
             </a:avLst>
           </a:prstGeom>
           <a:ln>
@@ -4165,7 +4167,7 @@
         </p:nvSpPr>
         <p:spPr>
           <a:xfrm>
-            <a:off x="5005696" y="3547567"/>
+            <a:off x="4833633" y="3068298"/>
             <a:ext cx="602217" cy="758122"/>
           </a:xfrm>
           <a:prstGeom prst="rect">
@@ -4213,7 +4215,7 @@
         </p:nvSpPr>
         <p:spPr>
           <a:xfrm>
-            <a:off x="4958055" y="3512208"/>
+            <a:off x="4785992" y="3032939"/>
             <a:ext cx="647934" cy="169277"/>
           </a:xfrm>
           <a:prstGeom prst="rect">
@@ -4243,7 +4245,7 @@
         </p:nvSpPr>
         <p:spPr>
           <a:xfrm>
-            <a:off x="4958055" y="3811177"/>
+            <a:off x="4785992" y="3331908"/>
             <a:ext cx="644728" cy="169277"/>
           </a:xfrm>
           <a:prstGeom prst="rect">
@@ -4279,7 +4281,7 @@
         </p:nvSpPr>
         <p:spPr>
           <a:xfrm>
-            <a:off x="6220804" y="3362580"/>
+            <a:off x="6048741" y="2883311"/>
             <a:ext cx="818148" cy="1195137"/>
           </a:xfrm>
           <a:prstGeom prst="rect">
@@ -4328,7 +4330,7 @@
         </p:nvSpPr>
         <p:spPr>
           <a:xfrm>
-            <a:off x="6266756" y="3346607"/>
+            <a:off x="6094693" y="2867338"/>
             <a:ext cx="753789" cy="169277"/>
           </a:xfrm>
           <a:prstGeom prst="rect">
@@ -4362,7 +4364,7 @@
         </p:nvSpPr>
         <p:spPr>
           <a:xfrm>
-            <a:off x="6331267" y="3547567"/>
+            <a:off x="6159204" y="3068298"/>
             <a:ext cx="602217" cy="754637"/>
           </a:xfrm>
           <a:prstGeom prst="rect">
@@ -4410,7 +4412,7 @@
         </p:nvSpPr>
         <p:spPr>
           <a:xfrm>
-            <a:off x="6281127" y="3515693"/>
+            <a:off x="6109064" y="3036424"/>
             <a:ext cx="647934" cy="169277"/>
           </a:xfrm>
           <a:prstGeom prst="rect">
@@ -4440,7 +4442,7 @@
         </p:nvSpPr>
         <p:spPr>
           <a:xfrm>
-            <a:off x="6281127" y="3814662"/>
+            <a:off x="6109064" y="3335393"/>
             <a:ext cx="644728" cy="169277"/>
           </a:xfrm>
           <a:prstGeom prst="rect">
@@ -4470,7 +4472,7 @@
         </p:nvSpPr>
         <p:spPr>
           <a:xfrm>
-            <a:off x="1604419" y="242713"/>
+            <a:off x="1438563" y="81847"/>
             <a:ext cx="574381" cy="169277"/>
           </a:xfrm>
           <a:prstGeom prst="rect">
@@ -4513,7 +4515,7 @@
         </p:nvSpPr>
         <p:spPr>
           <a:xfrm>
-            <a:off x="5079448" y="2059336"/>
+            <a:off x="4911808" y="1788557"/>
             <a:ext cx="478089" cy="169277"/>
           </a:xfrm>
           <a:prstGeom prst="rect">
@@ -4556,7 +4558,7 @@
         </p:nvSpPr>
         <p:spPr>
           <a:xfrm>
-            <a:off x="6409435" y="2057336"/>
+            <a:off x="6241795" y="1786557"/>
             <a:ext cx="478089" cy="169277"/>
           </a:xfrm>
           <a:prstGeom prst="rect">
@@ -4599,7 +4601,7 @@
         </p:nvSpPr>
         <p:spPr>
           <a:xfrm>
-            <a:off x="5079448" y="2281548"/>
+            <a:off x="4911808" y="2010769"/>
             <a:ext cx="478089" cy="169277"/>
           </a:xfrm>
           <a:prstGeom prst="rect">
@@ -4642,7 +4644,7 @@
         </p:nvSpPr>
         <p:spPr>
           <a:xfrm>
-            <a:off x="6409434" y="2279163"/>
+            <a:off x="6241794" y="2008384"/>
             <a:ext cx="478089" cy="169277"/>
           </a:xfrm>
           <a:prstGeom prst="rect">
@@ -4685,7 +4687,7 @@
         </p:nvSpPr>
         <p:spPr>
           <a:xfrm>
-            <a:off x="5079448" y="2511152"/>
+            <a:off x="4911808" y="2240373"/>
             <a:ext cx="478089" cy="169277"/>
           </a:xfrm>
           <a:prstGeom prst="rect">
@@ -4728,7 +4730,7 @@
         </p:nvSpPr>
         <p:spPr>
           <a:xfrm>
-            <a:off x="4999673" y="2741671"/>
+            <a:off x="4832033" y="2470892"/>
             <a:ext cx="614265" cy="153888"/>
           </a:xfrm>
           <a:prstGeom prst="rect">
@@ -4771,7 +4773,7 @@
         </p:nvSpPr>
         <p:spPr>
           <a:xfrm>
-            <a:off x="6341345" y="2731556"/>
+            <a:off x="6173705" y="2460777"/>
             <a:ext cx="614265" cy="153888"/>
           </a:xfrm>
           <a:prstGeom prst="rect">
@@ -4814,7 +4816,7 @@
         </p:nvSpPr>
         <p:spPr>
           <a:xfrm>
-            <a:off x="3778499" y="838821"/>
+            <a:off x="3610859" y="568042"/>
             <a:ext cx="478089" cy="169277"/>
           </a:xfrm>
           <a:prstGeom prst="rect">
@@ -4857,7 +4859,7 @@
         </p:nvSpPr>
         <p:spPr>
           <a:xfrm>
-            <a:off x="3778499" y="1080693"/>
+            <a:off x="3610859" y="809914"/>
             <a:ext cx="478089" cy="169277"/>
           </a:xfrm>
           <a:prstGeom prst="rect">
@@ -4900,7 +4902,7 @@
         </p:nvSpPr>
         <p:spPr>
           <a:xfrm>
-            <a:off x="3775095" y="1338168"/>
+            <a:off x="3607455" y="1067389"/>
             <a:ext cx="478089" cy="169277"/>
           </a:xfrm>
           <a:prstGeom prst="rect">
@@ -4943,7 +4945,7 @@
         </p:nvSpPr>
         <p:spPr>
           <a:xfrm>
-            <a:off x="7720765" y="837158"/>
+            <a:off x="7553125" y="566379"/>
             <a:ext cx="478089" cy="169277"/>
           </a:xfrm>
           <a:prstGeom prst="rect">
@@ -4986,7 +4988,7 @@
         </p:nvSpPr>
         <p:spPr>
           <a:xfrm>
-            <a:off x="7720766" y="1045280"/>
+            <a:off x="7553126" y="774501"/>
             <a:ext cx="478089" cy="169277"/>
           </a:xfrm>
           <a:prstGeom prst="rect">
@@ -5029,7 +5031,7 @@
         </p:nvSpPr>
         <p:spPr>
           <a:xfrm>
-            <a:off x="7720765" y="1254264"/>
+            <a:off x="7553125" y="983485"/>
             <a:ext cx="478089" cy="169277"/>
           </a:xfrm>
           <a:prstGeom prst="rect">
@@ -5072,7 +5074,7 @@
         </p:nvSpPr>
         <p:spPr>
           <a:xfrm>
-            <a:off x="7720764" y="1469563"/>
+            <a:off x="7553124" y="1198784"/>
             <a:ext cx="478089" cy="169277"/>
           </a:xfrm>
           <a:prstGeom prst="rect">
@@ -5118,13 +5120,13 @@
         </p:nvCxnSpPr>
         <p:spPr>
           <a:xfrm flipH="1">
-            <a:off x="5306806" y="2595791"/>
-            <a:ext cx="250731" cy="763304"/>
+            <a:off x="5134743" y="2325012"/>
+            <a:ext cx="255154" cy="554814"/>
           </a:xfrm>
           <a:prstGeom prst="curvedConnector4">
             <a:avLst>
-              <a:gd name="adj1" fmla="val -123464"/>
-              <a:gd name="adj2" fmla="val 72390"/>
+              <a:gd name="adj1" fmla="val -143349"/>
+              <a:gd name="adj2" fmla="val 89217"/>
             </a:avLst>
           </a:prstGeom>
           <a:ln>
@@ -5154,7 +5156,7 @@
         </p:nvSpPr>
         <p:spPr>
           <a:xfrm>
-            <a:off x="6409432" y="2504113"/>
+            <a:off x="6241792" y="2233334"/>
             <a:ext cx="478089" cy="169277"/>
           </a:xfrm>
           <a:prstGeom prst="rect">
@@ -5200,13 +5202,13 @@
         </p:nvCxnSpPr>
         <p:spPr>
           <a:xfrm rot="10800000" flipH="1" flipV="1">
-            <a:off x="6409432" y="2588752"/>
-            <a:ext cx="220446" cy="773828"/>
+            <a:off x="6241791" y="2317973"/>
+            <a:ext cx="216023" cy="565338"/>
           </a:xfrm>
           <a:prstGeom prst="curvedConnector4">
             <a:avLst>
-              <a:gd name="adj1" fmla="val -157708"/>
-              <a:gd name="adj2" fmla="val 75779"/>
+              <a:gd name="adj1" fmla="val -215172"/>
+              <a:gd name="adj2" fmla="val 87139"/>
             </a:avLst>
           </a:prstGeom>
           <a:ln>
@@ -5236,7 +5238,7 @@
         </p:nvSpPr>
         <p:spPr>
           <a:xfrm>
-            <a:off x="5776382" y="981863"/>
+            <a:off x="5608742" y="711084"/>
             <a:ext cx="478089" cy="169277"/>
           </a:xfrm>
           <a:prstGeom prst="rect">
@@ -5280,7 +5282,7 @@
         </p:nvSpPr>
         <p:spPr>
           <a:xfrm>
-            <a:off x="5776382" y="1228627"/>
+            <a:off x="5608742" y="957848"/>
             <a:ext cx="478089" cy="169277"/>
           </a:xfrm>
           <a:prstGeom prst="rect">
@@ -5324,7 +5326,7 @@
         </p:nvSpPr>
         <p:spPr>
           <a:xfrm>
-            <a:off x="5003294" y="4341048"/>
+            <a:off x="4831231" y="3861779"/>
             <a:ext cx="607020" cy="161583"/>
           </a:xfrm>
           <a:prstGeom prst="rect">
@@ -5367,7 +5369,7 @@
         </p:nvSpPr>
         <p:spPr>
           <a:xfrm>
-            <a:off x="6328253" y="4351632"/>
+            <a:off x="6156190" y="3872363"/>
             <a:ext cx="608244" cy="153888"/>
           </a:xfrm>
           <a:prstGeom prst="rect">
@@ -5412,7 +5414,7 @@
         </p:nvCxnSpPr>
         <p:spPr>
           <a:xfrm>
-            <a:off x="1891609" y="680180"/>
+            <a:off x="1725753" y="519314"/>
             <a:ext cx="54864" cy="0"/>
           </a:xfrm>
           <a:prstGeom prst="line">
@@ -5443,7 +5445,7 @@
         </p:nvCxnSpPr>
         <p:spPr>
           <a:xfrm>
-            <a:off x="1891609" y="701882"/>
+            <a:off x="1725753" y="541016"/>
             <a:ext cx="54864" cy="0"/>
           </a:xfrm>
           <a:prstGeom prst="line">
@@ -5474,7 +5476,7 @@
         </p:nvCxnSpPr>
         <p:spPr>
           <a:xfrm>
-            <a:off x="1891609" y="658749"/>
+            <a:off x="1725753" y="497883"/>
             <a:ext cx="54864" cy="0"/>
           </a:xfrm>
           <a:prstGeom prst="line">
@@ -5505,7 +5507,7 @@
         </p:nvCxnSpPr>
         <p:spPr>
           <a:xfrm>
-            <a:off x="4897732" y="3490777"/>
+            <a:off x="4725669" y="3011508"/>
             <a:ext cx="818148" cy="0"/>
           </a:xfrm>
           <a:prstGeom prst="line">
@@ -5535,7 +5537,7 @@
         </p:nvCxnSpPr>
         <p:spPr>
           <a:xfrm>
-            <a:off x="6216381" y="3490777"/>
+            <a:off x="6044318" y="3011508"/>
             <a:ext cx="818148" cy="0"/>
           </a:xfrm>
           <a:prstGeom prst="line">
@@ -5565,7 +5567,7 @@
         </p:nvCxnSpPr>
         <p:spPr>
           <a:xfrm>
-            <a:off x="4930623" y="3428864"/>
+            <a:off x="4758560" y="2949595"/>
             <a:ext cx="54864" cy="0"/>
           </a:xfrm>
           <a:prstGeom prst="line">
@@ -5596,7 +5598,7 @@
         </p:nvCxnSpPr>
         <p:spPr>
           <a:xfrm>
-            <a:off x="4930623" y="3450566"/>
+            <a:off x="4758560" y="2971297"/>
             <a:ext cx="54864" cy="0"/>
           </a:xfrm>
           <a:prstGeom prst="line">
@@ -5627,7 +5629,7 @@
         </p:nvCxnSpPr>
         <p:spPr>
           <a:xfrm>
-            <a:off x="4930623" y="3407433"/>
+            <a:off x="4758560" y="2928164"/>
             <a:ext cx="54864" cy="0"/>
           </a:xfrm>
           <a:prstGeom prst="line">
@@ -5658,7 +5660,7 @@
         </p:nvCxnSpPr>
         <p:spPr>
           <a:xfrm>
-            <a:off x="6254471" y="3429294"/>
+            <a:off x="6082408" y="2950025"/>
             <a:ext cx="54864" cy="0"/>
           </a:xfrm>
           <a:prstGeom prst="line">
@@ -5689,7 +5691,7 @@
         </p:nvCxnSpPr>
         <p:spPr>
           <a:xfrm>
-            <a:off x="6254471" y="3450996"/>
+            <a:off x="6082408" y="2971727"/>
             <a:ext cx="54864" cy="0"/>
           </a:xfrm>
           <a:prstGeom prst="line">
@@ -5720,7 +5722,7 @@
         </p:nvCxnSpPr>
         <p:spPr>
           <a:xfrm>
-            <a:off x="6254471" y="3407863"/>
+            <a:off x="6082408" y="2928594"/>
             <a:ext cx="54864" cy="0"/>
           </a:xfrm>
           <a:prstGeom prst="line">
@@ -5751,7 +5753,7 @@
         </p:nvSpPr>
         <p:spPr>
           <a:xfrm>
-            <a:off x="3747520" y="1492036"/>
+            <a:off x="3579880" y="1221257"/>
             <a:ext cx="533237" cy="338554"/>
           </a:xfrm>
           <a:prstGeom prst="rect">
@@ -5781,7 +5783,7 @@
         </p:nvSpPr>
         <p:spPr>
           <a:xfrm>
-            <a:off x="4985487" y="3608781"/>
+            <a:off x="4813424" y="3129512"/>
             <a:ext cx="509329" cy="153888"/>
           </a:xfrm>
           <a:prstGeom prst="rect">
@@ -5811,7 +5813,7 @@
         </p:nvSpPr>
         <p:spPr>
           <a:xfrm>
-            <a:off x="4987868" y="3912239"/>
+            <a:off x="4815805" y="3432970"/>
             <a:ext cx="509329" cy="153888"/>
           </a:xfrm>
           <a:prstGeom prst="rect">
@@ -5841,7 +5843,7 @@
         </p:nvSpPr>
         <p:spPr>
           <a:xfrm>
-            <a:off x="6315623" y="3608781"/>
+            <a:off x="6143560" y="3129512"/>
             <a:ext cx="509329" cy="153888"/>
           </a:xfrm>
           <a:prstGeom prst="rect">
@@ -5871,7 +5873,7 @@
         </p:nvSpPr>
         <p:spPr>
           <a:xfrm>
-            <a:off x="6311564" y="3916643"/>
+            <a:off x="6139501" y="3437374"/>
             <a:ext cx="509329" cy="153888"/>
           </a:xfrm>
           <a:prstGeom prst="rect">
@@ -5901,7 +5903,7 @@
         </p:nvSpPr>
         <p:spPr>
           <a:xfrm>
-            <a:off x="4491534" y="4914826"/>
+            <a:off x="4319471" y="4435557"/>
             <a:ext cx="818148" cy="1195137"/>
           </a:xfrm>
           <a:prstGeom prst="rect">
@@ -5944,7 +5946,7 @@
         </p:nvSpPr>
         <p:spPr>
           <a:xfrm>
-            <a:off x="4595211" y="4914826"/>
+            <a:off x="4423148" y="4435557"/>
             <a:ext cx="619249" cy="169277"/>
           </a:xfrm>
           <a:prstGeom prst="rect">
@@ -5974,7 +5976,7 @@
         </p:nvCxnSpPr>
         <p:spPr>
           <a:xfrm>
-            <a:off x="1509967" y="533265"/>
+            <a:off x="1344111" y="372399"/>
             <a:ext cx="818148" cy="0"/>
           </a:xfrm>
           <a:prstGeom prst="line">
@@ -6004,7 +6006,7 @@
         </p:nvSpPr>
         <p:spPr>
           <a:xfrm>
-            <a:off x="426628" y="217439"/>
+            <a:off x="260772" y="56573"/>
             <a:ext cx="818148" cy="1195137"/>
           </a:xfrm>
           <a:prstGeom prst="rect">
@@ -6047,7 +6049,7 @@
         </p:nvCxnSpPr>
         <p:spPr>
           <a:xfrm>
-            <a:off x="4495530" y="5064918"/>
+            <a:off x="4323467" y="4585649"/>
             <a:ext cx="818148" cy="0"/>
           </a:xfrm>
           <a:prstGeom prst="line">
@@ -6077,7 +6079,7 @@
         </p:nvCxnSpPr>
         <p:spPr>
           <a:xfrm>
-            <a:off x="3575307" y="786009"/>
+            <a:off x="3407667" y="515230"/>
             <a:ext cx="818148" cy="0"/>
           </a:xfrm>
           <a:prstGeom prst="line">
@@ -6107,7 +6109,7 @@
         </p:nvCxnSpPr>
         <p:spPr>
           <a:xfrm>
-            <a:off x="7528158" y="786009"/>
+            <a:off x="7360518" y="515230"/>
             <a:ext cx="818148" cy="0"/>
           </a:xfrm>
           <a:prstGeom prst="line">
@@ -6137,7 +6139,7 @@
         </p:nvCxnSpPr>
         <p:spPr>
           <a:xfrm>
-            <a:off x="4904604" y="2004855"/>
+            <a:off x="4736964" y="1734076"/>
             <a:ext cx="818148" cy="0"/>
           </a:xfrm>
           <a:prstGeom prst="line">
@@ -6167,7 +6169,7 @@
         </p:nvCxnSpPr>
         <p:spPr>
           <a:xfrm>
-            <a:off x="6216381" y="2004855"/>
+            <a:off x="6048741" y="1734076"/>
             <a:ext cx="818148" cy="0"/>
           </a:xfrm>
           <a:prstGeom prst="line">
@@ -6197,7 +6199,7 @@
         </p:nvSpPr>
         <p:spPr>
           <a:xfrm>
-            <a:off x="3415369" y="4914826"/>
+            <a:off x="3243306" y="4435557"/>
             <a:ext cx="818148" cy="1195137"/>
           </a:xfrm>
           <a:prstGeom prst="rect">
@@ -6240,7 +6242,7 @@
         </p:nvSpPr>
         <p:spPr>
           <a:xfrm>
-            <a:off x="3540062" y="4914826"/>
+            <a:off x="3367999" y="4435557"/>
             <a:ext cx="560770" cy="169277"/>
           </a:xfrm>
           <a:prstGeom prst="rect">
@@ -6270,7 +6272,7 @@
         </p:nvCxnSpPr>
         <p:spPr>
           <a:xfrm>
-            <a:off x="3415369" y="5064918"/>
+            <a:off x="3243306" y="4585649"/>
             <a:ext cx="818148" cy="0"/>
           </a:xfrm>
           <a:prstGeom prst="line">
@@ -6300,7 +6302,7 @@
         </p:nvSpPr>
         <p:spPr>
           <a:xfrm>
-            <a:off x="4610541" y="5134529"/>
+            <a:off x="4438477" y="4611956"/>
             <a:ext cx="574381" cy="169277"/>
           </a:xfrm>
           <a:prstGeom prst="rect">
@@ -6343,7 +6345,7 @@
         </p:nvSpPr>
         <p:spPr>
           <a:xfrm>
-            <a:off x="4610540" y="5354232"/>
+            <a:off x="4438477" y="4813193"/>
             <a:ext cx="574381" cy="169277"/>
           </a:xfrm>
           <a:prstGeom prst="rect">
@@ -6386,7 +6388,7 @@
         </p:nvSpPr>
         <p:spPr>
           <a:xfrm>
-            <a:off x="4553783" y="5579761"/>
+            <a:off x="4367842" y="5014851"/>
             <a:ext cx="726636" cy="169277"/>
           </a:xfrm>
           <a:prstGeom prst="rect">
@@ -6423,18 +6425,49 @@
       </p:sp>
       <p:sp>
         <p:nvSpPr>
-          <p:cNvPr id="210" name="TextBox 209"/>
+          <p:cNvPr id="212" name="TextBox 211"/>
           <p:cNvSpPr txBox="1"/>
           <p:nvPr/>
         </p:nvSpPr>
         <p:spPr>
           <a:xfrm>
-            <a:off x="4610540" y="5884103"/>
-            <a:ext cx="574381" cy="169277"/>
-          </a:xfrm>
-          <a:prstGeom prst="rect">
-            <a:avLst/>
-          </a:prstGeom>
+            <a:off x="3193038" y="4578316"/>
+            <a:ext cx="420412" cy="153888"/>
+          </a:xfrm>
+          <a:prstGeom prst="rect">
+            <a:avLst/>
+          </a:prstGeom>
+          <a:noFill/>
+        </p:spPr>
+        <p:txBody>
+          <a:bodyPr wrap="square" rtlCol="0">
+            <a:spAutoFit/>
+          </a:bodyPr>
+          <a:lstStyle/>
+          <a:p>
+            <a:r>
+              <a:rPr lang="en-US" sz="400" u="sng" dirty="0" smtClean="0"/>
+              <a:t>Question 1</a:t>
+            </a:r>
+            <a:endParaRPr lang="en-US" sz="400" u="sng" dirty="0"/>
+          </a:p>
+        </p:txBody>
+      </p:sp>
+      <p:sp>
+        <p:nvSpPr>
+          <p:cNvPr id="215" name="TextBox 214"/>
+          <p:cNvSpPr txBox="1"/>
+          <p:nvPr/>
+        </p:nvSpPr>
+        <p:spPr>
+          <a:xfrm>
+            <a:off x="3321441" y="4721075"/>
+            <a:ext cx="629624" cy="153888"/>
+          </a:xfrm>
+          <a:prstGeom prst="rect">
+            <a:avLst/>
+          </a:prstGeom>
+          <a:ln w="3175"/>
         </p:spPr>
         <p:style>
           <a:lnRef idx="2">
@@ -6457,80 +6490,6 @@
           <a:lstStyle/>
           <a:p>
             <a:r>
-              <a:rPr lang="en-US" sz="500" dirty="0" smtClean="0"/>
-              <a:t>Add Questions</a:t>
-            </a:r>
-            <a:endParaRPr lang="en-US" sz="500" dirty="0"/>
-          </a:p>
-        </p:txBody>
-      </p:sp>
-      <p:sp>
-        <p:nvSpPr>
-          <p:cNvPr id="212" name="TextBox 211"/>
-          <p:cNvSpPr txBox="1"/>
-          <p:nvPr/>
-        </p:nvSpPr>
-        <p:spPr>
-          <a:xfrm>
-            <a:off x="3365101" y="5057585"/>
-            <a:ext cx="420412" cy="153888"/>
-          </a:xfrm>
-          <a:prstGeom prst="rect">
-            <a:avLst/>
-          </a:prstGeom>
-          <a:noFill/>
-        </p:spPr>
-        <p:txBody>
-          <a:bodyPr wrap="square" rtlCol="0">
-            <a:spAutoFit/>
-          </a:bodyPr>
-          <a:lstStyle/>
-          <a:p>
-            <a:r>
-              <a:rPr lang="en-US" sz="400" u="sng" dirty="0" smtClean="0"/>
-              <a:t>Question 1</a:t>
-            </a:r>
-            <a:endParaRPr lang="en-US" sz="400" u="sng" dirty="0"/>
-          </a:p>
-        </p:txBody>
-      </p:sp>
-      <p:sp>
-        <p:nvSpPr>
-          <p:cNvPr id="215" name="TextBox 214"/>
-          <p:cNvSpPr txBox="1"/>
-          <p:nvPr/>
-        </p:nvSpPr>
-        <p:spPr>
-          <a:xfrm>
-            <a:off x="3493504" y="5200344"/>
-            <a:ext cx="629624" cy="153888"/>
-          </a:xfrm>
-          <a:prstGeom prst="rect">
-            <a:avLst/>
-          </a:prstGeom>
-          <a:ln w="3175"/>
-        </p:spPr>
-        <p:style>
-          <a:lnRef idx="2">
-            <a:schemeClr val="accent1"/>
-          </a:lnRef>
-          <a:fillRef idx="1">
-            <a:schemeClr val="lt1"/>
-          </a:fillRef>
-          <a:effectRef idx="0">
-            <a:schemeClr val="accent1"/>
-          </a:effectRef>
-          <a:fontRef idx="minor">
-            <a:schemeClr val="dk1"/>
-          </a:fontRef>
-        </p:style>
-        <p:txBody>
-          <a:bodyPr wrap="square" rtlCol="0">
-            <a:spAutoFit/>
-          </a:bodyPr>
-          <a:lstStyle/>
-          <a:p>
-            <a:r>
               <a:rPr lang="en-US" sz="400" dirty="0" smtClean="0"/>
               <a:t>Enter question text…</a:t>
             </a:r>
@@ -6546,7 +6505,7 @@
         </p:nvSpPr>
         <p:spPr>
           <a:xfrm>
-            <a:off x="3540062" y="6584950"/>
+            <a:off x="3367999" y="6105681"/>
             <a:ext cx="362600" cy="153888"/>
           </a:xfrm>
           <a:prstGeom prst="rect">
@@ -6577,7 +6536,7 @@
         </p:nvSpPr>
         <p:spPr>
           <a:xfrm>
-            <a:off x="3620187" y="6620313"/>
+            <a:off x="3448124" y="6141044"/>
             <a:ext cx="307225" cy="76944"/>
           </a:xfrm>
           <a:prstGeom prst="rect">
@@ -6618,7 +6577,7 @@
         </p:nvSpPr>
         <p:spPr>
           <a:xfrm>
-            <a:off x="3459937" y="5418274"/>
+            <a:off x="3287874" y="4939005"/>
             <a:ext cx="362600" cy="153888"/>
           </a:xfrm>
           <a:prstGeom prst="rect">
@@ -6648,7 +6607,7 @@
         </p:nvSpPr>
         <p:spPr>
           <a:xfrm>
-            <a:off x="3540062" y="5453637"/>
+            <a:off x="3367999" y="4974368"/>
             <a:ext cx="307225" cy="76944"/>
           </a:xfrm>
           <a:prstGeom prst="rect">
@@ -6690,7 +6649,7 @@
         </p:nvSpPr>
         <p:spPr>
           <a:xfrm>
-            <a:off x="3459937" y="5529130"/>
+            <a:off x="3287874" y="5049861"/>
             <a:ext cx="362600" cy="153888"/>
           </a:xfrm>
           <a:prstGeom prst="rect">
@@ -6720,7 +6679,7 @@
         </p:nvSpPr>
         <p:spPr>
           <a:xfrm>
-            <a:off x="3540062" y="5564493"/>
+            <a:off x="3367999" y="5085224"/>
             <a:ext cx="307225" cy="76944"/>
           </a:xfrm>
           <a:prstGeom prst="rect">
@@ -6762,7 +6721,7 @@
         </p:nvSpPr>
         <p:spPr>
           <a:xfrm>
-            <a:off x="3459937" y="5641235"/>
+            <a:off x="3287874" y="5161966"/>
             <a:ext cx="362600" cy="153888"/>
           </a:xfrm>
           <a:prstGeom prst="rect">
@@ -6792,7 +6751,7 @@
         </p:nvSpPr>
         <p:spPr>
           <a:xfrm>
-            <a:off x="3540062" y="5676598"/>
+            <a:off x="3367999" y="5197329"/>
             <a:ext cx="307225" cy="76944"/>
           </a:xfrm>
           <a:prstGeom prst="rect">
@@ -6834,7 +6793,7 @@
         </p:nvSpPr>
         <p:spPr>
           <a:xfrm>
-            <a:off x="3459937" y="5750640"/>
+            <a:off x="3287874" y="5271371"/>
             <a:ext cx="362600" cy="153888"/>
           </a:xfrm>
           <a:prstGeom prst="rect">
@@ -6864,7 +6823,7 @@
         </p:nvSpPr>
         <p:spPr>
           <a:xfrm>
-            <a:off x="3540062" y="5786003"/>
+            <a:off x="3367999" y="5306734"/>
             <a:ext cx="307225" cy="76944"/>
           </a:xfrm>
           <a:prstGeom prst="rect">
@@ -6906,7 +6865,7 @@
         </p:nvSpPr>
         <p:spPr>
           <a:xfrm>
-            <a:off x="3549718" y="6635925"/>
+            <a:off x="3377655" y="6156656"/>
             <a:ext cx="45719" cy="45719"/>
           </a:xfrm>
           <a:prstGeom prst="ellipse">
@@ -6948,7 +6907,7 @@
         </p:nvSpPr>
         <p:spPr>
           <a:xfrm>
-            <a:off x="3468734" y="5467780"/>
+            <a:off x="3296671" y="4988511"/>
             <a:ext cx="45719" cy="45719"/>
           </a:xfrm>
           <a:prstGeom prst="ellipse">
@@ -6990,7 +6949,7 @@
         </p:nvSpPr>
         <p:spPr>
           <a:xfrm>
-            <a:off x="3468734" y="5578760"/>
+            <a:off x="3296671" y="5099491"/>
             <a:ext cx="45719" cy="45719"/>
           </a:xfrm>
           <a:prstGeom prst="ellipse">
@@ -7032,7 +6991,7 @@
         </p:nvSpPr>
         <p:spPr>
           <a:xfrm>
-            <a:off x="3468734" y="5689638"/>
+            <a:off x="3296671" y="5210369"/>
             <a:ext cx="45719" cy="45719"/>
           </a:xfrm>
           <a:prstGeom prst="ellipse">
@@ -7074,7 +7033,7 @@
         </p:nvSpPr>
         <p:spPr>
           <a:xfrm>
-            <a:off x="3468733" y="5802173"/>
+            <a:off x="3296670" y="5322904"/>
             <a:ext cx="45719" cy="45719"/>
           </a:xfrm>
           <a:prstGeom prst="ellipse">
@@ -7116,7 +7075,7 @@
         </p:nvSpPr>
         <p:spPr>
           <a:xfrm>
-            <a:off x="3966932" y="6635925"/>
+            <a:off x="3794869" y="6156656"/>
             <a:ext cx="45719" cy="45719"/>
           </a:xfrm>
           <a:prstGeom prst="rect">
@@ -7158,7 +7117,7 @@
         </p:nvSpPr>
         <p:spPr>
           <a:xfrm>
-            <a:off x="3863948" y="5468210"/>
+            <a:off x="3691885" y="4988941"/>
             <a:ext cx="45719" cy="45719"/>
           </a:xfrm>
           <a:prstGeom prst="rect">
@@ -7200,7 +7159,7 @@
         </p:nvSpPr>
         <p:spPr>
           <a:xfrm>
-            <a:off x="3863817" y="5578759"/>
+            <a:off x="3691754" y="5099490"/>
             <a:ext cx="45719" cy="45719"/>
           </a:xfrm>
           <a:prstGeom prst="rect">
@@ -7242,7 +7201,7 @@
         </p:nvSpPr>
         <p:spPr>
           <a:xfrm>
-            <a:off x="3863817" y="5688093"/>
+            <a:off x="3691754" y="5208824"/>
             <a:ext cx="45719" cy="45719"/>
           </a:xfrm>
           <a:prstGeom prst="rect">
@@ -7284,7 +7243,7 @@
         </p:nvSpPr>
         <p:spPr>
           <a:xfrm>
-            <a:off x="3863816" y="5801615"/>
+            <a:off x="3691753" y="5322346"/>
             <a:ext cx="45719" cy="45719"/>
           </a:xfrm>
           <a:prstGeom prst="rect">
@@ -7326,7 +7285,7 @@
         </p:nvSpPr>
         <p:spPr>
           <a:xfrm>
-            <a:off x="3772250" y="5343623"/>
+            <a:off x="3600187" y="4864354"/>
             <a:ext cx="469597" cy="138499"/>
           </a:xfrm>
           <a:prstGeom prst="rect">
@@ -7356,7 +7315,7 @@
         </p:nvCxnSpPr>
         <p:spPr>
           <a:xfrm>
-            <a:off x="4075050" y="6665119"/>
+            <a:off x="3902987" y="6185850"/>
             <a:ext cx="8875" cy="16525"/>
           </a:xfrm>
           <a:prstGeom prst="line">
@@ -7391,7 +7350,7 @@
         </p:nvCxnSpPr>
         <p:spPr>
           <a:xfrm flipH="1">
-            <a:off x="4083925" y="6643688"/>
+            <a:off x="3911862" y="6164419"/>
             <a:ext cx="19700" cy="37956"/>
           </a:xfrm>
           <a:prstGeom prst="line">
@@ -7426,7 +7385,7 @@
         </p:nvCxnSpPr>
         <p:spPr>
           <a:xfrm>
-            <a:off x="3874087" y="5493765"/>
+            <a:off x="3702024" y="5014496"/>
             <a:ext cx="8875" cy="16525"/>
           </a:xfrm>
           <a:prstGeom prst="line">
@@ -7461,7 +7420,7 @@
         </p:nvCxnSpPr>
         <p:spPr>
           <a:xfrm flipH="1">
-            <a:off x="3882962" y="5472334"/>
+            <a:off x="3710899" y="4993065"/>
             <a:ext cx="19700" cy="37956"/>
           </a:xfrm>
           <a:prstGeom prst="line">
@@ -7496,7 +7455,7 @@
         </p:nvSpPr>
         <p:spPr>
           <a:xfrm>
-            <a:off x="3761626" y="5947754"/>
+            <a:off x="3589563" y="5468485"/>
             <a:ext cx="551563" cy="153888"/>
           </a:xfrm>
           <a:prstGeom prst="rect">
@@ -7526,7 +7485,7 @@
         </p:nvSpPr>
         <p:spPr>
           <a:xfrm>
-            <a:off x="3833827" y="5973035"/>
+            <a:off x="3661764" y="5493766"/>
             <a:ext cx="365938" cy="95509"/>
           </a:xfrm>
           <a:prstGeom prst="rect">
@@ -7567,7 +7526,7 @@
         </p:nvSpPr>
         <p:spPr>
           <a:xfrm>
-            <a:off x="3415368" y="5947015"/>
+            <a:off x="3243305" y="5467746"/>
             <a:ext cx="551563" cy="153888"/>
           </a:xfrm>
           <a:prstGeom prst="rect">
@@ -7597,7 +7556,7 @@
         </p:nvSpPr>
         <p:spPr>
           <a:xfrm>
-            <a:off x="3445320" y="5972885"/>
+            <a:off x="3273257" y="5493616"/>
             <a:ext cx="365938" cy="95509"/>
           </a:xfrm>
           <a:prstGeom prst="rect">
@@ -7638,7 +7597,7 @@
         </p:nvSpPr>
         <p:spPr>
           <a:xfrm>
-            <a:off x="2300781" y="4914826"/>
+            <a:off x="2128718" y="4435557"/>
             <a:ext cx="818148" cy="1195137"/>
           </a:xfrm>
           <a:prstGeom prst="rect">
@@ -7681,7 +7640,7 @@
         </p:nvSpPr>
         <p:spPr>
           <a:xfrm>
-            <a:off x="2371247" y="4908668"/>
+            <a:off x="2199184" y="4429399"/>
             <a:ext cx="685208" cy="169277"/>
           </a:xfrm>
           <a:prstGeom prst="rect">
@@ -7711,7 +7670,7 @@
         </p:nvCxnSpPr>
         <p:spPr>
           <a:xfrm>
-            <a:off x="2304777" y="5064918"/>
+            <a:off x="2132714" y="4585649"/>
             <a:ext cx="818148" cy="0"/>
           </a:xfrm>
           <a:prstGeom prst="line">
@@ -7741,7 +7700,7 @@
         </p:nvSpPr>
         <p:spPr>
           <a:xfrm>
-            <a:off x="2341072" y="5826304"/>
+            <a:off x="2169009" y="5347035"/>
             <a:ext cx="737565" cy="169277"/>
           </a:xfrm>
           <a:prstGeom prst="rect">
@@ -7784,7 +7743,7 @@
         </p:nvSpPr>
         <p:spPr>
           <a:xfrm>
-            <a:off x="2238193" y="5223075"/>
+            <a:off x="2066130" y="4743806"/>
             <a:ext cx="931809" cy="446276"/>
           </a:xfrm>
           <a:prstGeom prst="rect">
@@ -7856,7 +7815,7 @@
         </p:nvCxnSpPr>
         <p:spPr>
           <a:xfrm rot="10800000">
-            <a:off x="3118930" y="5512396"/>
+            <a:off x="2946867" y="5033127"/>
             <a:ext cx="326391" cy="508245"/>
           </a:xfrm>
           <a:prstGeom prst="curvedConnector3">
@@ -7894,7 +7853,7 @@
         </p:nvCxnSpPr>
         <p:spPr>
           <a:xfrm rot="5400000">
-            <a:off x="3899911" y="5993077"/>
+            <a:off x="3727848" y="5513808"/>
             <a:ext cx="41419" cy="192353"/>
           </a:xfrm>
           <a:prstGeom prst="curvedConnector3">
@@ -7925,18 +7884,20 @@
         <p:nvCxnSpPr>
           <p:cNvPr id="291" name="Curved Connector 290"/>
           <p:cNvCxnSpPr>
-            <a:stCxn id="210" idx="1"/>
+            <a:stCxn id="424" idx="1"/>
             <a:endCxn id="202" idx="3"/>
           </p:cNvCxnSpPr>
           <p:nvPr/>
         </p:nvCxnSpPr>
         <p:spPr>
           <a:xfrm rot="10800000">
-            <a:off x="4233518" y="5512396"/>
-            <a:ext cx="377023" cy="456347"/>
+            <a:off x="4061455" y="5033127"/>
+            <a:ext cx="492541" cy="524185"/>
           </a:xfrm>
           <a:prstGeom prst="curvedConnector3">
-            <a:avLst/>
+            <a:avLst>
+              <a:gd name="adj1" fmla="val 57091"/>
+            </a:avLst>
           </a:prstGeom>
           <a:ln>
             <a:tailEnd type="triangle"/>
@@ -7968,7 +7929,7 @@
         </p:nvCxnSpPr>
         <p:spPr>
           <a:xfrm rot="10800000" flipH="1">
-            <a:off x="2300780" y="4554233"/>
+            <a:off x="2128717" y="4074964"/>
             <a:ext cx="3006025" cy="958163"/>
           </a:xfrm>
           <a:prstGeom prst="curvedConnector4">
@@ -8004,7 +7965,7 @@
         </p:nvSpPr>
         <p:spPr>
           <a:xfrm>
-            <a:off x="3553461" y="3358498"/>
+            <a:off x="3381398" y="2879229"/>
             <a:ext cx="818148" cy="1195137"/>
           </a:xfrm>
           <a:prstGeom prst="rect">
@@ -8047,7 +8008,7 @@
         </p:nvSpPr>
         <p:spPr>
           <a:xfrm>
-            <a:off x="3658134" y="3363036"/>
+            <a:off x="3486071" y="2883767"/>
             <a:ext cx="630002" cy="169277"/>
           </a:xfrm>
           <a:prstGeom prst="rect">
@@ -8077,7 +8038,7 @@
         </p:nvCxnSpPr>
         <p:spPr>
           <a:xfrm>
-            <a:off x="3557457" y="3508590"/>
+            <a:off x="3385394" y="3029321"/>
             <a:ext cx="818148" cy="0"/>
           </a:xfrm>
           <a:prstGeom prst="line">
@@ -8107,7 +8068,7 @@
         </p:nvSpPr>
         <p:spPr>
           <a:xfrm>
-            <a:off x="3722237" y="4315483"/>
+            <a:off x="3550174" y="3836214"/>
             <a:ext cx="496173" cy="169277"/>
           </a:xfrm>
           <a:prstGeom prst="rect">
@@ -8150,7 +8111,7 @@
         </p:nvSpPr>
         <p:spPr>
           <a:xfrm>
-            <a:off x="3549127" y="3538974"/>
+            <a:off x="3377064" y="3059705"/>
             <a:ext cx="574001" cy="153888"/>
           </a:xfrm>
           <a:prstGeom prst="rect">
@@ -8180,7 +8141,7 @@
         </p:nvSpPr>
         <p:spPr>
           <a:xfrm>
-            <a:off x="3641236" y="3633158"/>
+            <a:off x="3469173" y="3153889"/>
             <a:ext cx="744743" cy="276999"/>
           </a:xfrm>
           <a:prstGeom prst="rect">
@@ -8221,7 +8182,7 @@
         </p:nvSpPr>
         <p:spPr>
           <a:xfrm>
-            <a:off x="2572892" y="3357739"/>
+            <a:off x="2400829" y="2878470"/>
             <a:ext cx="818148" cy="1195137"/>
           </a:xfrm>
           <a:prstGeom prst="rect">
@@ -8264,7 +8225,7 @@
         </p:nvSpPr>
         <p:spPr>
           <a:xfrm>
-            <a:off x="2738646" y="3357993"/>
+            <a:off x="2566583" y="2878724"/>
             <a:ext cx="498378" cy="169277"/>
           </a:xfrm>
           <a:prstGeom prst="rect">
@@ -8294,7 +8255,7 @@
         </p:nvCxnSpPr>
         <p:spPr>
           <a:xfrm>
-            <a:off x="2576888" y="3507831"/>
+            <a:off x="2404825" y="3028562"/>
             <a:ext cx="818148" cy="0"/>
           </a:xfrm>
           <a:prstGeom prst="line">
@@ -8324,7 +8285,7 @@
         </p:nvSpPr>
         <p:spPr>
           <a:xfrm>
-            <a:off x="2691899" y="3577442"/>
+            <a:off x="2517033" y="3047647"/>
             <a:ext cx="574381" cy="169277"/>
           </a:xfrm>
           <a:prstGeom prst="rect">
@@ -8367,7 +8328,7 @@
         </p:nvSpPr>
         <p:spPr>
           <a:xfrm>
-            <a:off x="2691898" y="3797145"/>
+            <a:off x="2516626" y="3254503"/>
             <a:ext cx="574381" cy="169277"/>
           </a:xfrm>
           <a:prstGeom prst="rect">
@@ -8410,7 +8371,7 @@
         </p:nvSpPr>
         <p:spPr>
           <a:xfrm>
-            <a:off x="2635141" y="4022674"/>
+            <a:off x="2452279" y="3454609"/>
             <a:ext cx="726636" cy="169277"/>
           </a:xfrm>
           <a:prstGeom prst="rect">
@@ -8453,7 +8414,7 @@
         </p:nvSpPr>
         <p:spPr>
           <a:xfrm>
-            <a:off x="2938074" y="4382591"/>
+            <a:off x="2766011" y="3903322"/>
             <a:ext cx="551563" cy="146194"/>
           </a:xfrm>
           <a:prstGeom prst="rect">
@@ -8483,7 +8444,7 @@
         </p:nvSpPr>
         <p:spPr>
           <a:xfrm>
-            <a:off x="2991194" y="4411294"/>
+            <a:off x="2819131" y="3932025"/>
             <a:ext cx="365938" cy="95509"/>
           </a:xfrm>
           <a:prstGeom prst="rect">
@@ -8524,7 +8485,7 @@
         </p:nvSpPr>
         <p:spPr>
           <a:xfrm>
-            <a:off x="2531365" y="4393854"/>
+            <a:off x="2359302" y="3914585"/>
             <a:ext cx="551563" cy="138499"/>
           </a:xfrm>
           <a:prstGeom prst="rect">
@@ -8554,7 +8515,7 @@
         </p:nvSpPr>
         <p:spPr>
           <a:xfrm>
-            <a:off x="2597667" y="4411892"/>
+            <a:off x="2425604" y="3932623"/>
             <a:ext cx="365938" cy="95509"/>
           </a:xfrm>
           <a:prstGeom prst="rect">
@@ -8595,7 +8556,7 @@
         </p:nvSpPr>
         <p:spPr>
           <a:xfrm>
-            <a:off x="1572925" y="3357739"/>
+            <a:off x="1400862" y="2878470"/>
             <a:ext cx="818148" cy="1195137"/>
           </a:xfrm>
           <a:prstGeom prst="rect">
@@ -8638,7 +8599,7 @@
         </p:nvSpPr>
         <p:spPr>
           <a:xfrm>
-            <a:off x="1663683" y="3357867"/>
+            <a:off x="1491620" y="2878598"/>
             <a:ext cx="643454" cy="169277"/>
           </a:xfrm>
           <a:prstGeom prst="rect">
@@ -8668,7 +8629,7 @@
         </p:nvCxnSpPr>
         <p:spPr>
           <a:xfrm>
-            <a:off x="1572925" y="3507831"/>
+            <a:off x="1400862" y="3028562"/>
             <a:ext cx="818148" cy="0"/>
           </a:xfrm>
           <a:prstGeom prst="line">
@@ -8698,7 +8659,7 @@
         </p:nvSpPr>
         <p:spPr>
           <a:xfrm>
-            <a:off x="1522657" y="3500498"/>
+            <a:off x="1350594" y="3021229"/>
             <a:ext cx="420412" cy="153888"/>
           </a:xfrm>
           <a:prstGeom prst="rect">
@@ -8728,7 +8689,7 @@
         </p:nvSpPr>
         <p:spPr>
           <a:xfrm>
-            <a:off x="1651060" y="3643257"/>
+            <a:off x="1478997" y="3163988"/>
             <a:ext cx="629624" cy="153888"/>
           </a:xfrm>
           <a:prstGeom prst="rect">
@@ -8772,7 +8733,7 @@
         </p:nvSpPr>
         <p:spPr>
           <a:xfrm>
-            <a:off x="1617493" y="3861187"/>
+            <a:off x="1445430" y="3381918"/>
             <a:ext cx="362600" cy="153888"/>
           </a:xfrm>
           <a:prstGeom prst="rect">
@@ -8802,7 +8763,7 @@
         </p:nvSpPr>
         <p:spPr>
           <a:xfrm>
-            <a:off x="1697618" y="3896550"/>
+            <a:off x="1525555" y="3417281"/>
             <a:ext cx="307225" cy="76944"/>
           </a:xfrm>
           <a:prstGeom prst="rect">
@@ -8844,7 +8805,7 @@
         </p:nvSpPr>
         <p:spPr>
           <a:xfrm>
-            <a:off x="1617493" y="3972043"/>
+            <a:off x="1445430" y="3492774"/>
             <a:ext cx="362600" cy="153888"/>
           </a:xfrm>
           <a:prstGeom prst="rect">
@@ -8874,7 +8835,7 @@
         </p:nvSpPr>
         <p:spPr>
           <a:xfrm>
-            <a:off x="1697618" y="4007406"/>
+            <a:off x="1525555" y="3528137"/>
             <a:ext cx="307225" cy="76944"/>
           </a:xfrm>
           <a:prstGeom prst="rect">
@@ -8916,7 +8877,7 @@
         </p:nvSpPr>
         <p:spPr>
           <a:xfrm>
-            <a:off x="1617493" y="4084148"/>
+            <a:off x="1445430" y="3604879"/>
             <a:ext cx="362600" cy="153888"/>
           </a:xfrm>
           <a:prstGeom prst="rect">
@@ -8946,7 +8907,7 @@
         </p:nvSpPr>
         <p:spPr>
           <a:xfrm>
-            <a:off x="1697618" y="4119511"/>
+            <a:off x="1525555" y="3640242"/>
             <a:ext cx="307225" cy="76944"/>
           </a:xfrm>
           <a:prstGeom prst="rect">
@@ -8988,7 +8949,7 @@
         </p:nvSpPr>
         <p:spPr>
           <a:xfrm>
-            <a:off x="1617493" y="4193553"/>
+            <a:off x="1445430" y="3714284"/>
             <a:ext cx="362600" cy="153888"/>
           </a:xfrm>
           <a:prstGeom prst="rect">
@@ -9018,7 +8979,7 @@
         </p:nvSpPr>
         <p:spPr>
           <a:xfrm>
-            <a:off x="1697618" y="4228916"/>
+            <a:off x="1525555" y="3749647"/>
             <a:ext cx="307225" cy="76944"/>
           </a:xfrm>
           <a:prstGeom prst="rect">
@@ -9060,7 +9021,7 @@
         </p:nvSpPr>
         <p:spPr>
           <a:xfrm>
-            <a:off x="1626290" y="3910693"/>
+            <a:off x="1454227" y="3431424"/>
             <a:ext cx="45719" cy="45719"/>
           </a:xfrm>
           <a:prstGeom prst="ellipse">
@@ -9102,7 +9063,7 @@
         </p:nvSpPr>
         <p:spPr>
           <a:xfrm>
-            <a:off x="1626290" y="4021673"/>
+            <a:off x="1454227" y="3542404"/>
             <a:ext cx="45719" cy="45719"/>
           </a:xfrm>
           <a:prstGeom prst="ellipse">
@@ -9144,7 +9105,7 @@
         </p:nvSpPr>
         <p:spPr>
           <a:xfrm>
-            <a:off x="1626290" y="4132551"/>
+            <a:off x="1454227" y="3653282"/>
             <a:ext cx="45719" cy="45719"/>
           </a:xfrm>
           <a:prstGeom prst="ellipse">
@@ -9186,7 +9147,7 @@
         </p:nvSpPr>
         <p:spPr>
           <a:xfrm>
-            <a:off x="1626289" y="4245086"/>
+            <a:off x="1454226" y="3765817"/>
             <a:ext cx="45719" cy="45719"/>
           </a:xfrm>
           <a:prstGeom prst="ellipse">
@@ -9228,7 +9189,7 @@
         </p:nvSpPr>
         <p:spPr>
           <a:xfrm>
-            <a:off x="2021504" y="3911123"/>
+            <a:off x="1849441" y="3431854"/>
             <a:ext cx="45719" cy="45719"/>
           </a:xfrm>
           <a:prstGeom prst="rect">
@@ -9270,7 +9231,7 @@
         </p:nvSpPr>
         <p:spPr>
           <a:xfrm>
-            <a:off x="2021373" y="4021672"/>
+            <a:off x="1849310" y="3542403"/>
             <a:ext cx="45719" cy="45719"/>
           </a:xfrm>
           <a:prstGeom prst="rect">
@@ -9312,7 +9273,7 @@
         </p:nvSpPr>
         <p:spPr>
           <a:xfrm>
-            <a:off x="2021373" y="4131006"/>
+            <a:off x="1849310" y="3651737"/>
             <a:ext cx="45719" cy="45719"/>
           </a:xfrm>
           <a:prstGeom prst="rect">
@@ -9354,7 +9315,7 @@
         </p:nvSpPr>
         <p:spPr>
           <a:xfrm>
-            <a:off x="2021372" y="4244528"/>
+            <a:off x="1849309" y="3765259"/>
             <a:ext cx="45719" cy="45719"/>
           </a:xfrm>
           <a:prstGeom prst="rect">
@@ -9396,7 +9357,7 @@
         </p:nvSpPr>
         <p:spPr>
           <a:xfrm>
-            <a:off x="1929806" y="3786536"/>
+            <a:off x="1757743" y="3307267"/>
             <a:ext cx="469597" cy="138499"/>
           </a:xfrm>
           <a:prstGeom prst="rect">
@@ -9426,7 +9387,7 @@
         </p:nvCxnSpPr>
         <p:spPr>
           <a:xfrm>
-            <a:off x="2031643" y="3936678"/>
+            <a:off x="1859580" y="3457409"/>
             <a:ext cx="8875" cy="16525"/>
           </a:xfrm>
           <a:prstGeom prst="line">
@@ -9461,7 +9422,7 @@
         </p:nvCxnSpPr>
         <p:spPr>
           <a:xfrm flipH="1">
-            <a:off x="2040518" y="3915247"/>
+            <a:off x="1868455" y="3435978"/>
             <a:ext cx="19700" cy="37956"/>
           </a:xfrm>
           <a:prstGeom prst="line">
@@ -9496,7 +9457,7 @@
         </p:nvSpPr>
         <p:spPr>
           <a:xfrm>
-            <a:off x="1991383" y="4415948"/>
+            <a:off x="1819320" y="3936679"/>
             <a:ext cx="365938" cy="95509"/>
           </a:xfrm>
           <a:prstGeom prst="rect">
@@ -9537,7 +9498,7 @@
         </p:nvSpPr>
         <p:spPr>
           <a:xfrm>
-            <a:off x="1602876" y="4415798"/>
+            <a:off x="1430813" y="3936529"/>
             <a:ext cx="365938" cy="95509"/>
           </a:xfrm>
           <a:prstGeom prst="rect">
@@ -9581,7 +9542,7 @@
         </p:nvCxnSpPr>
         <p:spPr>
           <a:xfrm rot="5400000">
-            <a:off x="2057467" y="4435990"/>
+            <a:off x="1885404" y="3956721"/>
             <a:ext cx="41419" cy="192353"/>
           </a:xfrm>
           <a:prstGeom prst="curvedConnector3">
@@ -9616,7 +9577,7 @@
         </p:nvSpPr>
         <p:spPr>
           <a:xfrm>
-            <a:off x="1920159" y="4389928"/>
+            <a:off x="1748096" y="3910659"/>
             <a:ext cx="551563" cy="153888"/>
           </a:xfrm>
           <a:prstGeom prst="rect">
@@ -9646,7 +9607,7 @@
         </p:nvSpPr>
         <p:spPr>
           <a:xfrm>
-            <a:off x="1539017" y="4388288"/>
+            <a:off x="1366954" y="3909019"/>
             <a:ext cx="572536" cy="146194"/>
           </a:xfrm>
           <a:prstGeom prst="rect">
@@ -9679,13 +9640,13 @@
         </p:nvCxnSpPr>
         <p:spPr>
           <a:xfrm rot="10800000" flipH="1">
-            <a:off x="1602876" y="3342931"/>
+            <a:off x="1430813" y="2863662"/>
             <a:ext cx="3715616" cy="1120622"/>
           </a:xfrm>
-          <a:prstGeom prst="curvedConnector4">
+          <a:prstGeom prst="bentConnector4">
             <a:avLst>
-              <a:gd name="adj1" fmla="val -8117"/>
-              <a:gd name="adj2" fmla="val 150431"/>
+              <a:gd name="adj1" fmla="val -4511"/>
+              <a:gd name="adj2" fmla="val 105439"/>
             </a:avLst>
           </a:prstGeom>
           <a:ln>
@@ -9717,7 +9678,7 @@
         </p:nvCxnSpPr>
         <p:spPr>
           <a:xfrm rot="10800000" flipV="1">
-            <a:off x="4371609" y="3690937"/>
+            <a:off x="4199546" y="3211668"/>
             <a:ext cx="686166" cy="265129"/>
           </a:xfrm>
           <a:prstGeom prst="curvedConnector3">
@@ -9752,7 +9713,7 @@
         </p:nvCxnSpPr>
         <p:spPr>
           <a:xfrm rot="10800000">
-            <a:off x="4371609" y="3956068"/>
+            <a:off x="4199546" y="3476799"/>
             <a:ext cx="686166" cy="39671"/>
           </a:xfrm>
           <a:prstGeom prst="curvedConnector3">
@@ -9787,7 +9748,7 @@
         </p:nvSpPr>
         <p:spPr>
           <a:xfrm>
-            <a:off x="7564434" y="4746054"/>
+            <a:off x="7392371" y="4266785"/>
             <a:ext cx="818148" cy="1195137"/>
           </a:xfrm>
           <a:prstGeom prst="rect">
@@ -9830,7 +9791,7 @@
         </p:nvSpPr>
         <p:spPr>
           <a:xfrm>
-            <a:off x="7669107" y="4750592"/>
+            <a:off x="7497044" y="4271323"/>
             <a:ext cx="630002" cy="169277"/>
           </a:xfrm>
           <a:prstGeom prst="rect">
@@ -9860,7 +9821,7 @@
         </p:nvCxnSpPr>
         <p:spPr>
           <a:xfrm>
-            <a:off x="7568430" y="4896146"/>
+            <a:off x="7396367" y="4416877"/>
             <a:ext cx="818148" cy="0"/>
           </a:xfrm>
           <a:prstGeom prst="line">
@@ -9890,7 +9851,7 @@
         </p:nvSpPr>
         <p:spPr>
           <a:xfrm>
-            <a:off x="7560100" y="4926530"/>
+            <a:off x="7388037" y="4447261"/>
             <a:ext cx="574001" cy="153888"/>
           </a:xfrm>
           <a:prstGeom prst="rect">
@@ -9920,7 +9881,7 @@
         </p:nvSpPr>
         <p:spPr>
           <a:xfrm>
-            <a:off x="7652209" y="5020714"/>
+            <a:off x="7480146" y="4541445"/>
             <a:ext cx="744743" cy="338554"/>
           </a:xfrm>
           <a:prstGeom prst="rect">
@@ -9970,7 +9931,7 @@
         </p:nvCxnSpPr>
         <p:spPr>
           <a:xfrm flipH="1">
-            <a:off x="5309682" y="4421840"/>
+            <a:off x="5137619" y="3942571"/>
             <a:ext cx="300632" cy="1090555"/>
           </a:xfrm>
           <a:prstGeom prst="curvedConnector3">
@@ -10005,7 +9966,7 @@
         </p:nvSpPr>
         <p:spPr>
           <a:xfrm>
-            <a:off x="7567671" y="3368967"/>
+            <a:off x="7395608" y="2889698"/>
             <a:ext cx="818148" cy="1195137"/>
           </a:xfrm>
           <a:prstGeom prst="rect">
@@ -10048,7 +10009,7 @@
         </p:nvSpPr>
         <p:spPr>
           <a:xfrm>
-            <a:off x="7672344" y="3373505"/>
+            <a:off x="7500281" y="2894236"/>
             <a:ext cx="630002" cy="169277"/>
           </a:xfrm>
           <a:prstGeom prst="rect">
@@ -10078,7 +10039,7 @@
         </p:nvCxnSpPr>
         <p:spPr>
           <a:xfrm>
-            <a:off x="7571667" y="3519059"/>
+            <a:off x="7399604" y="3039790"/>
             <a:ext cx="818148" cy="0"/>
           </a:xfrm>
           <a:prstGeom prst="line">
@@ -10108,7 +10069,7 @@
         </p:nvSpPr>
         <p:spPr>
           <a:xfrm>
-            <a:off x="7736447" y="4325952"/>
+            <a:off x="7564384" y="3846683"/>
             <a:ext cx="496173" cy="169277"/>
           </a:xfrm>
           <a:prstGeom prst="rect">
@@ -10152,7 +10113,7 @@
         </p:nvSpPr>
         <p:spPr>
           <a:xfrm>
-            <a:off x="7563337" y="3549443"/>
+            <a:off x="7391274" y="3070174"/>
             <a:ext cx="574001" cy="153888"/>
           </a:xfrm>
           <a:prstGeom prst="rect">
@@ -10182,7 +10143,7 @@
         </p:nvSpPr>
         <p:spPr>
           <a:xfrm>
-            <a:off x="7655446" y="3643627"/>
+            <a:off x="7483383" y="3164358"/>
             <a:ext cx="744743" cy="276999"/>
           </a:xfrm>
           <a:prstGeom prst="rect">
@@ -10223,7 +10184,7 @@
         </p:nvSpPr>
         <p:spPr>
           <a:xfrm>
-            <a:off x="8650318" y="3368968"/>
+            <a:off x="8478255" y="2889699"/>
             <a:ext cx="818148" cy="1195137"/>
           </a:xfrm>
           <a:prstGeom prst="rect">
@@ -10266,7 +10227,7 @@
         </p:nvSpPr>
         <p:spPr>
           <a:xfrm>
-            <a:off x="8785275" y="3368967"/>
+            <a:off x="8613212" y="2889698"/>
             <a:ext cx="560770" cy="169277"/>
           </a:xfrm>
           <a:prstGeom prst="rect">
@@ -10296,7 +10257,7 @@
         </p:nvCxnSpPr>
         <p:spPr>
           <a:xfrm>
-            <a:off x="8650318" y="3519060"/>
+            <a:off x="8478255" y="3039791"/>
             <a:ext cx="818148" cy="0"/>
           </a:xfrm>
           <a:prstGeom prst="line">
@@ -10326,7 +10287,7 @@
         </p:nvSpPr>
         <p:spPr>
           <a:xfrm>
-            <a:off x="8600050" y="3511727"/>
+            <a:off x="8427987" y="3032458"/>
             <a:ext cx="420412" cy="153888"/>
           </a:xfrm>
           <a:prstGeom prst="rect">
@@ -10356,7 +10317,7 @@
         </p:nvSpPr>
         <p:spPr>
           <a:xfrm>
-            <a:off x="8728453" y="3654486"/>
+            <a:off x="8556390" y="3175217"/>
             <a:ext cx="629624" cy="153888"/>
           </a:xfrm>
           <a:prstGeom prst="rect">
@@ -10400,7 +10361,7 @@
         </p:nvSpPr>
         <p:spPr>
           <a:xfrm>
-            <a:off x="8694886" y="3872416"/>
+            <a:off x="8522823" y="3393147"/>
             <a:ext cx="362600" cy="153888"/>
           </a:xfrm>
           <a:prstGeom prst="rect">
@@ -10430,7 +10391,7 @@
         </p:nvSpPr>
         <p:spPr>
           <a:xfrm>
-            <a:off x="8775011" y="3907779"/>
+            <a:off x="8602948" y="3428510"/>
             <a:ext cx="307225" cy="76944"/>
           </a:xfrm>
           <a:prstGeom prst="rect">
@@ -10472,7 +10433,7 @@
         </p:nvSpPr>
         <p:spPr>
           <a:xfrm>
-            <a:off x="8694886" y="3983272"/>
+            <a:off x="8522823" y="3504003"/>
             <a:ext cx="362600" cy="153888"/>
           </a:xfrm>
           <a:prstGeom prst="rect">
@@ -10502,7 +10463,7 @@
         </p:nvSpPr>
         <p:spPr>
           <a:xfrm>
-            <a:off x="8775011" y="4018635"/>
+            <a:off x="8602948" y="3539366"/>
             <a:ext cx="307225" cy="76944"/>
           </a:xfrm>
           <a:prstGeom prst="rect">
@@ -10544,7 +10505,7 @@
         </p:nvSpPr>
         <p:spPr>
           <a:xfrm>
-            <a:off x="8694886" y="4095377"/>
+            <a:off x="8522823" y="3616108"/>
             <a:ext cx="362600" cy="153888"/>
           </a:xfrm>
           <a:prstGeom prst="rect">
@@ -10574,7 +10535,7 @@
         </p:nvSpPr>
         <p:spPr>
           <a:xfrm>
-            <a:off x="8775011" y="4130740"/>
+            <a:off x="8602948" y="3651471"/>
             <a:ext cx="307225" cy="76944"/>
           </a:xfrm>
           <a:prstGeom prst="rect">
@@ -10616,7 +10577,7 @@
         </p:nvSpPr>
         <p:spPr>
           <a:xfrm>
-            <a:off x="8694886" y="4204782"/>
+            <a:off x="8522823" y="3725513"/>
             <a:ext cx="362600" cy="153888"/>
           </a:xfrm>
           <a:prstGeom prst="rect">
@@ -10646,7 +10607,7 @@
         </p:nvSpPr>
         <p:spPr>
           <a:xfrm>
-            <a:off x="8775011" y="4240145"/>
+            <a:off x="8602948" y="3760876"/>
             <a:ext cx="307225" cy="76944"/>
           </a:xfrm>
           <a:prstGeom prst="rect">
@@ -10688,7 +10649,7 @@
         </p:nvSpPr>
         <p:spPr>
           <a:xfrm>
-            <a:off x="8703683" y="3921922"/>
+            <a:off x="8531620" y="3442653"/>
             <a:ext cx="45719" cy="45719"/>
           </a:xfrm>
           <a:prstGeom prst="ellipse">
@@ -10730,7 +10691,7 @@
         </p:nvSpPr>
         <p:spPr>
           <a:xfrm>
-            <a:off x="8703683" y="4032902"/>
+            <a:off x="8531620" y="3553633"/>
             <a:ext cx="45719" cy="45719"/>
           </a:xfrm>
           <a:prstGeom prst="ellipse">
@@ -10772,7 +10733,7 @@
         </p:nvSpPr>
         <p:spPr>
           <a:xfrm>
-            <a:off x="8703683" y="4143780"/>
+            <a:off x="8531620" y="3664511"/>
             <a:ext cx="45719" cy="45719"/>
           </a:xfrm>
           <a:prstGeom prst="ellipse">
@@ -10814,7 +10775,7 @@
         </p:nvSpPr>
         <p:spPr>
           <a:xfrm>
-            <a:off x="8703682" y="4256315"/>
+            <a:off x="8531619" y="3777046"/>
             <a:ext cx="45719" cy="45719"/>
           </a:xfrm>
           <a:prstGeom prst="ellipse">
@@ -10856,7 +10817,7 @@
         </p:nvSpPr>
         <p:spPr>
           <a:xfrm>
-            <a:off x="8606523" y="4401010"/>
+            <a:off x="8434460" y="3921741"/>
             <a:ext cx="551563" cy="153888"/>
           </a:xfrm>
           <a:prstGeom prst="rect">
@@ -10886,7 +10847,7 @@
         </p:nvSpPr>
         <p:spPr>
           <a:xfrm>
-            <a:off x="8678724" y="4426291"/>
+            <a:off x="8506661" y="3947022"/>
             <a:ext cx="365938" cy="95509"/>
           </a:xfrm>
           <a:prstGeom prst="rect">
@@ -10927,7 +10888,7 @@
         </p:nvSpPr>
         <p:spPr>
           <a:xfrm>
-            <a:off x="9044662" y="4400421"/>
+            <a:off x="8872599" y="3921152"/>
             <a:ext cx="551563" cy="153888"/>
           </a:xfrm>
           <a:prstGeom prst="rect">
@@ -10957,7 +10918,7 @@
         </p:nvSpPr>
         <p:spPr>
           <a:xfrm>
-            <a:off x="9074614" y="4426291"/>
+            <a:off x="8902551" y="3947022"/>
             <a:ext cx="365938" cy="95509"/>
           </a:xfrm>
           <a:prstGeom prst="rect">
@@ -11001,12 +10962,12 @@
         </p:nvCxnSpPr>
         <p:spPr>
           <a:xfrm rot="16200000" flipH="1">
-            <a:off x="8939390" y="4444102"/>
+            <a:off x="8767327" y="3964833"/>
             <a:ext cx="42305" cy="197699"/>
           </a:xfrm>
           <a:prstGeom prst="curvedConnector3">
             <a:avLst>
-              <a:gd name="adj1" fmla="val 651618"/>
+              <a:gd name="adj1" fmla="val 283458"/>
             </a:avLst>
           </a:prstGeom>
           <a:ln>
@@ -11036,7 +10997,7 @@
         </p:nvSpPr>
         <p:spPr>
           <a:xfrm>
-            <a:off x="9755560" y="3368967"/>
+            <a:off x="9583497" y="2889698"/>
             <a:ext cx="818148" cy="1195137"/>
           </a:xfrm>
           <a:prstGeom prst="rect">
@@ -11079,7 +11040,7 @@
         </p:nvSpPr>
         <p:spPr>
           <a:xfrm>
-            <a:off x="9907908" y="3368966"/>
+            <a:off x="9735845" y="2889697"/>
             <a:ext cx="631421" cy="169277"/>
           </a:xfrm>
           <a:prstGeom prst="rect">
@@ -11109,7 +11070,7 @@
         </p:nvCxnSpPr>
         <p:spPr>
           <a:xfrm>
-            <a:off x="9759556" y="3519059"/>
+            <a:off x="9587493" y="3039790"/>
             <a:ext cx="818148" cy="0"/>
           </a:xfrm>
           <a:prstGeom prst="line">
@@ -11139,7 +11100,7 @@
         </p:nvSpPr>
         <p:spPr>
           <a:xfrm>
-            <a:off x="9987766" y="3627410"/>
+            <a:off x="9815703" y="3148141"/>
             <a:ext cx="551563" cy="153888"/>
           </a:xfrm>
           <a:prstGeom prst="rect">
@@ -11169,7 +11130,7 @@
         </p:nvSpPr>
         <p:spPr>
           <a:xfrm>
-            <a:off x="10034536" y="3654386"/>
+            <a:off x="9862473" y="3175117"/>
             <a:ext cx="365938" cy="95509"/>
           </a:xfrm>
           <a:prstGeom prst="rect">
@@ -11210,7 +11171,7 @@
         </p:nvSpPr>
         <p:spPr>
           <a:xfrm>
-            <a:off x="9987766" y="3756512"/>
+            <a:off x="9815703" y="3277243"/>
             <a:ext cx="551563" cy="153888"/>
           </a:xfrm>
           <a:prstGeom prst="rect">
@@ -11240,7 +11201,7 @@
         </p:nvSpPr>
         <p:spPr>
           <a:xfrm>
-            <a:off x="10034536" y="3783488"/>
+            <a:off x="9862473" y="3304219"/>
             <a:ext cx="365938" cy="95509"/>
           </a:xfrm>
           <a:prstGeom prst="rect">
@@ -11281,7 +11242,7 @@
         </p:nvSpPr>
         <p:spPr>
           <a:xfrm>
-            <a:off x="9987766" y="3884816"/>
+            <a:off x="9815703" y="3405547"/>
             <a:ext cx="551563" cy="153888"/>
           </a:xfrm>
           <a:prstGeom prst="rect">
@@ -11311,7 +11272,7 @@
         </p:nvSpPr>
         <p:spPr>
           <a:xfrm>
-            <a:off x="10034536" y="3911792"/>
+            <a:off x="9862473" y="3432523"/>
             <a:ext cx="365938" cy="95509"/>
           </a:xfrm>
           <a:prstGeom prst="rect">
@@ -11352,7 +11313,7 @@
         </p:nvSpPr>
         <p:spPr>
           <a:xfrm>
-            <a:off x="9987766" y="4019737"/>
+            <a:off x="9815703" y="3540468"/>
             <a:ext cx="551563" cy="153888"/>
           </a:xfrm>
           <a:prstGeom prst="rect">
@@ -11382,7 +11343,7 @@
         </p:nvSpPr>
         <p:spPr>
           <a:xfrm>
-            <a:off x="10034536" y="4046713"/>
+            <a:off x="9862473" y="3567444"/>
             <a:ext cx="365938" cy="95509"/>
           </a:xfrm>
           <a:prstGeom prst="rect">
@@ -11423,7 +11384,7 @@
         </p:nvSpPr>
         <p:spPr>
           <a:xfrm>
-            <a:off x="9699489" y="3473834"/>
+            <a:off x="9527426" y="2994565"/>
             <a:ext cx="390339" cy="215444"/>
           </a:xfrm>
           <a:prstGeom prst="rect">
@@ -11453,7 +11414,7 @@
         </p:nvSpPr>
         <p:spPr>
           <a:xfrm>
-            <a:off x="9773825" y="3618216"/>
+            <a:off x="9601762" y="3138947"/>
             <a:ext cx="232676" cy="169277"/>
           </a:xfrm>
           <a:prstGeom prst="rect">
@@ -11483,7 +11444,7 @@
         </p:nvSpPr>
         <p:spPr>
           <a:xfrm>
-            <a:off x="9774651" y="3746719"/>
+            <a:off x="9602588" y="3267450"/>
             <a:ext cx="232676" cy="169277"/>
           </a:xfrm>
           <a:prstGeom prst="rect">
@@ -11513,7 +11474,7 @@
         </p:nvSpPr>
         <p:spPr>
           <a:xfrm>
-            <a:off x="9773825" y="3881896"/>
+            <a:off x="9601762" y="3402627"/>
             <a:ext cx="232676" cy="169277"/>
           </a:xfrm>
           <a:prstGeom prst="rect">
@@ -11543,7 +11504,7 @@
         </p:nvSpPr>
         <p:spPr>
           <a:xfrm>
-            <a:off x="9774651" y="4017491"/>
+            <a:off x="9602588" y="3538222"/>
             <a:ext cx="232676" cy="169277"/>
           </a:xfrm>
           <a:prstGeom prst="rect">
@@ -11573,7 +11534,7 @@
         </p:nvSpPr>
         <p:spPr>
           <a:xfrm>
-            <a:off x="9718595" y="4170387"/>
+            <a:off x="9546532" y="3691118"/>
             <a:ext cx="870223" cy="169277"/>
           </a:xfrm>
           <a:prstGeom prst="rect">
@@ -11611,7 +11572,7 @@
         </p:nvSpPr>
         <p:spPr>
           <a:xfrm>
-            <a:off x="10145520" y="4348664"/>
+            <a:off x="9973457" y="3869395"/>
             <a:ext cx="551563" cy="215444"/>
           </a:xfrm>
           <a:prstGeom prst="rect">
@@ -11641,7 +11602,7 @@
         </p:nvSpPr>
         <p:spPr>
           <a:xfrm>
-            <a:off x="10175472" y="4389928"/>
+            <a:off x="10003409" y="3910659"/>
             <a:ext cx="365938" cy="138857"/>
           </a:xfrm>
           <a:prstGeom prst="rect">
@@ -11682,7 +11643,7 @@
         </p:nvSpPr>
         <p:spPr>
           <a:xfrm>
-            <a:off x="9730215" y="4389928"/>
+            <a:off x="9558152" y="3910659"/>
             <a:ext cx="551563" cy="153888"/>
           </a:xfrm>
           <a:prstGeom prst="rect">
@@ -11712,7 +11673,7 @@
         </p:nvSpPr>
         <p:spPr>
           <a:xfrm>
-            <a:off x="9786724" y="4415631"/>
+            <a:off x="9614661" y="3936362"/>
             <a:ext cx="365938" cy="95509"/>
           </a:xfrm>
           <a:prstGeom prst="rect">
@@ -11753,7 +11714,7 @@
         </p:nvSpPr>
         <p:spPr>
           <a:xfrm>
-            <a:off x="10849697" y="3367478"/>
+            <a:off x="10677634" y="2888209"/>
             <a:ext cx="818148" cy="1195137"/>
           </a:xfrm>
           <a:prstGeom prst="rect">
@@ -11796,7 +11757,7 @@
         </p:nvSpPr>
         <p:spPr>
           <a:xfrm>
-            <a:off x="10920163" y="3361320"/>
+            <a:off x="10748100" y="2882051"/>
             <a:ext cx="685208" cy="169277"/>
           </a:xfrm>
           <a:prstGeom prst="rect">
@@ -11826,7 +11787,7 @@
         </p:nvCxnSpPr>
         <p:spPr>
           <a:xfrm>
-            <a:off x="10853693" y="3517570"/>
+            <a:off x="10681630" y="3038301"/>
             <a:ext cx="818148" cy="0"/>
           </a:xfrm>
           <a:prstGeom prst="line">
@@ -11856,7 +11817,7 @@
         </p:nvSpPr>
         <p:spPr>
           <a:xfrm>
-            <a:off x="10889988" y="4278956"/>
+            <a:off x="10717925" y="3799687"/>
             <a:ext cx="737565" cy="169277"/>
           </a:xfrm>
           <a:prstGeom prst="rect">
@@ -11899,7 +11860,7 @@
         </p:nvSpPr>
         <p:spPr>
           <a:xfrm>
-            <a:off x="10801739" y="3685850"/>
+            <a:off x="10625239" y="3241968"/>
             <a:ext cx="922935" cy="446276"/>
           </a:xfrm>
           <a:prstGeom prst="rect">
@@ -11971,7 +11932,7 @@
         </p:nvCxnSpPr>
         <p:spPr>
           <a:xfrm>
-            <a:off x="6820893" y="3993587"/>
+            <a:off x="6648830" y="3514318"/>
             <a:ext cx="743541" cy="1350036"/>
           </a:xfrm>
           <a:prstGeom prst="curvedConnector3">
@@ -12009,7 +11970,7 @@
         </p:nvCxnSpPr>
         <p:spPr>
           <a:xfrm>
-            <a:off x="6824952" y="3685725"/>
+            <a:off x="6652889" y="3206456"/>
             <a:ext cx="742719" cy="280811"/>
           </a:xfrm>
           <a:prstGeom prst="curvedConnector3">
@@ -12045,7 +12006,7 @@
         </p:nvCxnSpPr>
         <p:spPr>
           <a:xfrm flipV="1">
-            <a:off x="8232620" y="3966537"/>
+            <a:off x="8060557" y="3487268"/>
             <a:ext cx="417698" cy="444054"/>
           </a:xfrm>
           <a:prstGeom prst="curvedConnector3">
@@ -12081,7 +12042,7 @@
         </p:nvCxnSpPr>
         <p:spPr>
           <a:xfrm flipV="1">
-            <a:off x="9440552" y="3966536"/>
+            <a:off x="9268489" y="3487267"/>
             <a:ext cx="315008" cy="507510"/>
           </a:xfrm>
           <a:prstGeom prst="curvedConnector3">
@@ -12117,12 +12078,12 @@
         </p:nvCxnSpPr>
         <p:spPr>
           <a:xfrm rot="5400000">
-            <a:off x="9488061" y="4082472"/>
+            <a:off x="9315998" y="3603203"/>
             <a:ext cx="52965" cy="910301"/>
           </a:xfrm>
           <a:prstGeom prst="curvedConnector3">
             <a:avLst>
-              <a:gd name="adj1" fmla="val 693458"/>
+              <a:gd name="adj1" fmla="val 408883"/>
             </a:avLst>
           </a:prstGeom>
           <a:ln>
@@ -12155,7 +12116,7 @@
         </p:nvCxnSpPr>
         <p:spPr>
           <a:xfrm flipV="1">
-            <a:off x="10541410" y="3965047"/>
+            <a:off x="10369347" y="3485778"/>
             <a:ext cx="308287" cy="494310"/>
           </a:xfrm>
           <a:prstGeom prst="curvedConnector3">
@@ -12193,13 +12154,13 @@
         </p:nvCxnSpPr>
         <p:spPr>
           <a:xfrm flipH="1" flipV="1">
-            <a:off x="6643651" y="3346607"/>
+            <a:off x="6471588" y="2867338"/>
             <a:ext cx="4983902" cy="1016988"/>
           </a:xfrm>
-          <a:prstGeom prst="curvedConnector4">
+          <a:prstGeom prst="bentConnector4">
             <a:avLst>
-              <a:gd name="adj1" fmla="val -4587"/>
-              <a:gd name="adj2" fmla="val 156195"/>
+              <a:gd name="adj1" fmla="val -2599"/>
+              <a:gd name="adj2" fmla="val 105245"/>
             </a:avLst>
           </a:prstGeom>
           <a:ln>
@@ -12232,7 +12193,7 @@
         </p:nvCxnSpPr>
         <p:spPr>
           <a:xfrm rot="10800000">
-            <a:off x="3391041" y="3955308"/>
+            <a:off x="3218978" y="3476039"/>
             <a:ext cx="331197" cy="444814"/>
           </a:xfrm>
           <a:prstGeom prst="curvedConnector3">
@@ -12270,7 +12231,7 @@
         </p:nvCxnSpPr>
         <p:spPr>
           <a:xfrm rot="5400000" flipH="1">
-            <a:off x="2309808" y="4036574"/>
+            <a:off x="2137745" y="3557305"/>
             <a:ext cx="552093" cy="389563"/>
           </a:xfrm>
           <a:prstGeom prst="curvedConnector4">
@@ -12309,7 +12270,7 @@
         </p:nvCxnSpPr>
         <p:spPr>
           <a:xfrm rot="5400000" flipH="1" flipV="1">
-            <a:off x="3760877" y="3369949"/>
+            <a:off x="3588814" y="2890680"/>
             <a:ext cx="550139" cy="1723569"/>
           </a:xfrm>
           <a:prstGeom prst="curvedConnector4">
@@ -12317,6 +12278,3794 @@
               <a:gd name="adj1" fmla="val -31165"/>
               <a:gd name="adj2" fmla="val 83676"/>
             </a:avLst>
+          </a:prstGeom>
+          <a:ln>
+            <a:tailEnd type="triangle"/>
+          </a:ln>
+        </p:spPr>
+        <p:style>
+          <a:lnRef idx="1">
+            <a:schemeClr val="accent1"/>
+          </a:lnRef>
+          <a:fillRef idx="0">
+            <a:schemeClr val="accent1"/>
+          </a:fillRef>
+          <a:effectRef idx="0">
+            <a:schemeClr val="accent1"/>
+          </a:effectRef>
+          <a:fontRef idx="minor">
+            <a:schemeClr val="tx1"/>
+          </a:fontRef>
+        </p:style>
+      </p:cxnSp>
+      <p:sp>
+        <p:nvSpPr>
+          <p:cNvPr id="243" name="Rectangle 242"/>
+          <p:cNvSpPr/>
+          <p:nvPr/>
+        </p:nvSpPr>
+        <p:spPr>
+          <a:xfrm>
+            <a:off x="8479014" y="4266786"/>
+            <a:ext cx="818148" cy="1195137"/>
+          </a:xfrm>
+          <a:prstGeom prst="rect">
+            <a:avLst/>
+          </a:prstGeom>
+          <a:solidFill>
+            <a:schemeClr val="bg1"/>
+          </a:solidFill>
+        </p:spPr>
+        <p:style>
+          <a:lnRef idx="2">
+            <a:schemeClr val="accent1">
+              <a:shade val="50000"/>
+            </a:schemeClr>
+          </a:lnRef>
+          <a:fillRef idx="1">
+            <a:schemeClr val="accent1"/>
+          </a:fillRef>
+          <a:effectRef idx="0">
+            <a:schemeClr val="accent1"/>
+          </a:effectRef>
+          <a:fontRef idx="minor">
+            <a:schemeClr val="lt1"/>
+          </a:fontRef>
+        </p:style>
+        <p:txBody>
+          <a:bodyPr rtlCol="0" anchor="ctr"/>
+          <a:lstStyle/>
+          <a:p>
+            <a:pPr algn="ctr"/>
+            <a:endParaRPr lang="en-US" dirty="0"/>
+          </a:p>
+        </p:txBody>
+      </p:sp>
+      <p:sp>
+        <p:nvSpPr>
+          <p:cNvPr id="245" name="TextBox 244"/>
+          <p:cNvSpPr txBox="1"/>
+          <p:nvPr/>
+        </p:nvSpPr>
+        <p:spPr>
+          <a:xfrm>
+            <a:off x="8631362" y="4266785"/>
+            <a:ext cx="631421" cy="169277"/>
+          </a:xfrm>
+          <a:prstGeom prst="rect">
+            <a:avLst/>
+          </a:prstGeom>
+          <a:noFill/>
+        </p:spPr>
+        <p:txBody>
+          <a:bodyPr wrap="square" rtlCol="0">
+            <a:spAutoFit/>
+          </a:bodyPr>
+          <a:lstStyle/>
+          <a:p>
+            <a:r>
+              <a:rPr lang="en-US" sz="500" dirty="0" smtClean="0"/>
+              <a:t>Submit Quiz</a:t>
+            </a:r>
+            <a:endParaRPr lang="en-US" sz="500" dirty="0"/>
+          </a:p>
+        </p:txBody>
+      </p:sp>
+      <p:cxnSp>
+        <p:nvCxnSpPr>
+          <p:cNvPr id="247" name="Straight Connector 246"/>
+          <p:cNvCxnSpPr/>
+          <p:nvPr/>
+        </p:nvCxnSpPr>
+        <p:spPr>
+          <a:xfrm>
+            <a:off x="8483010" y="4416878"/>
+            <a:ext cx="818148" cy="0"/>
+          </a:xfrm>
+          <a:prstGeom prst="line">
+            <a:avLst/>
+          </a:prstGeom>
+        </p:spPr>
+        <p:style>
+          <a:lnRef idx="1">
+            <a:schemeClr val="accent1"/>
+          </a:lnRef>
+          <a:fillRef idx="0">
+            <a:schemeClr val="accent1"/>
+          </a:fillRef>
+          <a:effectRef idx="0">
+            <a:schemeClr val="accent1"/>
+          </a:effectRef>
+          <a:fontRef idx="minor">
+            <a:schemeClr val="tx1"/>
+          </a:fontRef>
+        </p:style>
+      </p:cxnSp>
+      <p:sp>
+        <p:nvSpPr>
+          <p:cNvPr id="248" name="TextBox 247"/>
+          <p:cNvSpPr txBox="1"/>
+          <p:nvPr/>
+        </p:nvSpPr>
+        <p:spPr>
+          <a:xfrm>
+            <a:off x="8711220" y="4525229"/>
+            <a:ext cx="551563" cy="153888"/>
+          </a:xfrm>
+          <a:prstGeom prst="rect">
+            <a:avLst/>
+          </a:prstGeom>
+          <a:noFill/>
+        </p:spPr>
+        <p:txBody>
+          <a:bodyPr wrap="square" rtlCol="0">
+            <a:spAutoFit/>
+          </a:bodyPr>
+          <a:lstStyle/>
+          <a:p>
+            <a:r>
+              <a:rPr lang="en-US" sz="400" dirty="0" smtClean="0"/>
+              <a:t>Question 1</a:t>
+            </a:r>
+            <a:endParaRPr lang="en-US" sz="400" dirty="0"/>
+          </a:p>
+        </p:txBody>
+      </p:sp>
+      <p:sp>
+        <p:nvSpPr>
+          <p:cNvPr id="249" name="Rectangle 248"/>
+          <p:cNvSpPr/>
+          <p:nvPr/>
+        </p:nvSpPr>
+        <p:spPr>
+          <a:xfrm>
+            <a:off x="8757990" y="4552205"/>
+            <a:ext cx="365938" cy="95509"/>
+          </a:xfrm>
+          <a:prstGeom prst="rect">
+            <a:avLst/>
+          </a:prstGeom>
+          <a:noFill/>
+        </p:spPr>
+        <p:style>
+          <a:lnRef idx="2">
+            <a:schemeClr val="accent1">
+              <a:shade val="50000"/>
+            </a:schemeClr>
+          </a:lnRef>
+          <a:fillRef idx="1">
+            <a:schemeClr val="accent1"/>
+          </a:fillRef>
+          <a:effectRef idx="0">
+            <a:schemeClr val="accent1"/>
+          </a:effectRef>
+          <a:fontRef idx="minor">
+            <a:schemeClr val="lt1"/>
+          </a:fontRef>
+        </p:style>
+        <p:txBody>
+          <a:bodyPr rtlCol="0" anchor="ctr"/>
+          <a:lstStyle/>
+          <a:p>
+            <a:pPr algn="ctr"/>
+            <a:endParaRPr lang="en-US"/>
+          </a:p>
+        </p:txBody>
+      </p:sp>
+      <p:sp>
+        <p:nvSpPr>
+          <p:cNvPr id="250" name="TextBox 249"/>
+          <p:cNvSpPr txBox="1"/>
+          <p:nvPr/>
+        </p:nvSpPr>
+        <p:spPr>
+          <a:xfrm>
+            <a:off x="8711220" y="4654331"/>
+            <a:ext cx="551563" cy="153888"/>
+          </a:xfrm>
+          <a:prstGeom prst="rect">
+            <a:avLst/>
+          </a:prstGeom>
+          <a:noFill/>
+        </p:spPr>
+        <p:txBody>
+          <a:bodyPr wrap="square" rtlCol="0">
+            <a:spAutoFit/>
+          </a:bodyPr>
+          <a:lstStyle/>
+          <a:p>
+            <a:r>
+              <a:rPr lang="en-US" sz="400" dirty="0" smtClean="0"/>
+              <a:t>Question 2</a:t>
+            </a:r>
+            <a:endParaRPr lang="en-US" sz="400" dirty="0"/>
+          </a:p>
+        </p:txBody>
+      </p:sp>
+      <p:sp>
+        <p:nvSpPr>
+          <p:cNvPr id="251" name="Rectangle 250"/>
+          <p:cNvSpPr/>
+          <p:nvPr/>
+        </p:nvSpPr>
+        <p:spPr>
+          <a:xfrm>
+            <a:off x="8757990" y="4681307"/>
+            <a:ext cx="365938" cy="95509"/>
+          </a:xfrm>
+          <a:prstGeom prst="rect">
+            <a:avLst/>
+          </a:prstGeom>
+          <a:noFill/>
+        </p:spPr>
+        <p:style>
+          <a:lnRef idx="2">
+            <a:schemeClr val="accent1">
+              <a:shade val="50000"/>
+            </a:schemeClr>
+          </a:lnRef>
+          <a:fillRef idx="1">
+            <a:schemeClr val="accent1"/>
+          </a:fillRef>
+          <a:effectRef idx="0">
+            <a:schemeClr val="accent1"/>
+          </a:effectRef>
+          <a:fontRef idx="minor">
+            <a:schemeClr val="lt1"/>
+          </a:fontRef>
+        </p:style>
+        <p:txBody>
+          <a:bodyPr rtlCol="0" anchor="ctr"/>
+          <a:lstStyle/>
+          <a:p>
+            <a:pPr algn="ctr"/>
+            <a:endParaRPr lang="en-US"/>
+          </a:p>
+        </p:txBody>
+      </p:sp>
+      <p:sp>
+        <p:nvSpPr>
+          <p:cNvPr id="252" name="TextBox 251"/>
+          <p:cNvSpPr txBox="1"/>
+          <p:nvPr/>
+        </p:nvSpPr>
+        <p:spPr>
+          <a:xfrm>
+            <a:off x="8711220" y="4782635"/>
+            <a:ext cx="551563" cy="153888"/>
+          </a:xfrm>
+          <a:prstGeom prst="rect">
+            <a:avLst/>
+          </a:prstGeom>
+          <a:noFill/>
+        </p:spPr>
+        <p:txBody>
+          <a:bodyPr wrap="square" rtlCol="0">
+            <a:spAutoFit/>
+          </a:bodyPr>
+          <a:lstStyle/>
+          <a:p>
+            <a:r>
+              <a:rPr lang="en-US" sz="400" dirty="0" smtClean="0"/>
+              <a:t>Question 3</a:t>
+            </a:r>
+            <a:endParaRPr lang="en-US" sz="400" dirty="0"/>
+          </a:p>
+        </p:txBody>
+      </p:sp>
+      <p:sp>
+        <p:nvSpPr>
+          <p:cNvPr id="253" name="Rectangle 252"/>
+          <p:cNvSpPr/>
+          <p:nvPr/>
+        </p:nvSpPr>
+        <p:spPr>
+          <a:xfrm>
+            <a:off x="8757990" y="4809611"/>
+            <a:ext cx="365938" cy="95509"/>
+          </a:xfrm>
+          <a:prstGeom prst="rect">
+            <a:avLst/>
+          </a:prstGeom>
+          <a:noFill/>
+        </p:spPr>
+        <p:style>
+          <a:lnRef idx="2">
+            <a:schemeClr val="accent1">
+              <a:shade val="50000"/>
+            </a:schemeClr>
+          </a:lnRef>
+          <a:fillRef idx="1">
+            <a:schemeClr val="accent1"/>
+          </a:fillRef>
+          <a:effectRef idx="0">
+            <a:schemeClr val="accent1"/>
+          </a:effectRef>
+          <a:fontRef idx="minor">
+            <a:schemeClr val="lt1"/>
+          </a:fontRef>
+        </p:style>
+        <p:txBody>
+          <a:bodyPr rtlCol="0" anchor="ctr"/>
+          <a:lstStyle/>
+          <a:p>
+            <a:pPr algn="ctr"/>
+            <a:endParaRPr lang="en-US"/>
+          </a:p>
+        </p:txBody>
+      </p:sp>
+      <p:sp>
+        <p:nvSpPr>
+          <p:cNvPr id="254" name="TextBox 253"/>
+          <p:cNvSpPr txBox="1"/>
+          <p:nvPr/>
+        </p:nvSpPr>
+        <p:spPr>
+          <a:xfrm>
+            <a:off x="8711220" y="4917556"/>
+            <a:ext cx="551563" cy="153888"/>
+          </a:xfrm>
+          <a:prstGeom prst="rect">
+            <a:avLst/>
+          </a:prstGeom>
+          <a:noFill/>
+        </p:spPr>
+        <p:txBody>
+          <a:bodyPr wrap="square" rtlCol="0">
+            <a:spAutoFit/>
+          </a:bodyPr>
+          <a:lstStyle/>
+          <a:p>
+            <a:r>
+              <a:rPr lang="en-US" sz="400" dirty="0" smtClean="0"/>
+              <a:t>Question 4</a:t>
+            </a:r>
+            <a:endParaRPr lang="en-US" sz="400" dirty="0"/>
+          </a:p>
+        </p:txBody>
+      </p:sp>
+      <p:sp>
+        <p:nvSpPr>
+          <p:cNvPr id="257" name="Rectangle 256"/>
+          <p:cNvSpPr/>
+          <p:nvPr/>
+        </p:nvSpPr>
+        <p:spPr>
+          <a:xfrm>
+            <a:off x="8757990" y="4944532"/>
+            <a:ext cx="365938" cy="95509"/>
+          </a:xfrm>
+          <a:prstGeom prst="rect">
+            <a:avLst/>
+          </a:prstGeom>
+          <a:noFill/>
+        </p:spPr>
+        <p:style>
+          <a:lnRef idx="2">
+            <a:schemeClr val="accent1">
+              <a:shade val="50000"/>
+            </a:schemeClr>
+          </a:lnRef>
+          <a:fillRef idx="1">
+            <a:schemeClr val="accent1"/>
+          </a:fillRef>
+          <a:effectRef idx="0">
+            <a:schemeClr val="accent1"/>
+          </a:effectRef>
+          <a:fontRef idx="minor">
+            <a:schemeClr val="lt1"/>
+          </a:fontRef>
+        </p:style>
+        <p:txBody>
+          <a:bodyPr rtlCol="0" anchor="ctr"/>
+          <a:lstStyle/>
+          <a:p>
+            <a:pPr algn="ctr"/>
+            <a:endParaRPr lang="en-US"/>
+          </a:p>
+        </p:txBody>
+      </p:sp>
+      <p:sp>
+        <p:nvSpPr>
+          <p:cNvPr id="258" name="TextBox 257"/>
+          <p:cNvSpPr txBox="1"/>
+          <p:nvPr/>
+        </p:nvSpPr>
+        <p:spPr>
+          <a:xfrm>
+            <a:off x="8422943" y="4371653"/>
+            <a:ext cx="390339" cy="215444"/>
+          </a:xfrm>
+          <a:prstGeom prst="rect">
+            <a:avLst/>
+          </a:prstGeom>
+          <a:noFill/>
+        </p:spPr>
+        <p:txBody>
+          <a:bodyPr wrap="square" rtlCol="0">
+            <a:spAutoFit/>
+          </a:bodyPr>
+          <a:lstStyle/>
+          <a:p>
+            <a:r>
+              <a:rPr lang="en-US" sz="400" u="sng" dirty="0" smtClean="0"/>
+              <a:t>Answer Selected</a:t>
+            </a:r>
+            <a:endParaRPr lang="en-US" sz="400" u="sng" dirty="0"/>
+          </a:p>
+        </p:txBody>
+      </p:sp>
+      <p:sp>
+        <p:nvSpPr>
+          <p:cNvPr id="260" name="TextBox 259"/>
+          <p:cNvSpPr txBox="1"/>
+          <p:nvPr/>
+        </p:nvSpPr>
+        <p:spPr>
+          <a:xfrm>
+            <a:off x="8497279" y="4516035"/>
+            <a:ext cx="232676" cy="169277"/>
+          </a:xfrm>
+          <a:prstGeom prst="rect">
+            <a:avLst/>
+          </a:prstGeom>
+          <a:noFill/>
+        </p:spPr>
+        <p:txBody>
+          <a:bodyPr wrap="square" rtlCol="0">
+            <a:spAutoFit/>
+          </a:bodyPr>
+          <a:lstStyle/>
+          <a:p>
+            <a:r>
+              <a:rPr lang="en-US" sz="500" b="1" dirty="0"/>
+              <a:t>A</a:t>
+            </a:r>
+            <a:endParaRPr lang="en-US" sz="400" b="1" dirty="0" smtClean="0"/>
+          </a:p>
+        </p:txBody>
+      </p:sp>
+      <p:sp>
+        <p:nvSpPr>
+          <p:cNvPr id="267" name="TextBox 266"/>
+          <p:cNvSpPr txBox="1"/>
+          <p:nvPr/>
+        </p:nvSpPr>
+        <p:spPr>
+          <a:xfrm>
+            <a:off x="8498105" y="4644538"/>
+            <a:ext cx="232676" cy="169277"/>
+          </a:xfrm>
+          <a:prstGeom prst="rect">
+            <a:avLst/>
+          </a:prstGeom>
+          <a:noFill/>
+        </p:spPr>
+        <p:txBody>
+          <a:bodyPr wrap="square" rtlCol="0">
+            <a:spAutoFit/>
+          </a:bodyPr>
+          <a:lstStyle/>
+          <a:p>
+            <a:r>
+              <a:rPr lang="en-US" sz="500" b="1" dirty="0"/>
+              <a:t>A</a:t>
+            </a:r>
+            <a:endParaRPr lang="en-US" sz="400" b="1" dirty="0" smtClean="0"/>
+          </a:p>
+        </p:txBody>
+      </p:sp>
+      <p:sp>
+        <p:nvSpPr>
+          <p:cNvPr id="268" name="TextBox 267"/>
+          <p:cNvSpPr txBox="1"/>
+          <p:nvPr/>
+        </p:nvSpPr>
+        <p:spPr>
+          <a:xfrm>
+            <a:off x="8497279" y="4779715"/>
+            <a:ext cx="232676" cy="169277"/>
+          </a:xfrm>
+          <a:prstGeom prst="rect">
+            <a:avLst/>
+          </a:prstGeom>
+          <a:noFill/>
+        </p:spPr>
+        <p:txBody>
+          <a:bodyPr wrap="square" rtlCol="0">
+            <a:spAutoFit/>
+          </a:bodyPr>
+          <a:lstStyle/>
+          <a:p>
+            <a:r>
+              <a:rPr lang="en-US" sz="500" b="1" dirty="0" smtClean="0"/>
+              <a:t>D</a:t>
+            </a:r>
+            <a:endParaRPr lang="en-US" sz="400" b="1" dirty="0" smtClean="0"/>
+          </a:p>
+        </p:txBody>
+      </p:sp>
+      <p:sp>
+        <p:nvSpPr>
+          <p:cNvPr id="269" name="TextBox 268"/>
+          <p:cNvSpPr txBox="1"/>
+          <p:nvPr/>
+        </p:nvSpPr>
+        <p:spPr>
+          <a:xfrm>
+            <a:off x="8498105" y="4915310"/>
+            <a:ext cx="232676" cy="169277"/>
+          </a:xfrm>
+          <a:prstGeom prst="rect">
+            <a:avLst/>
+          </a:prstGeom>
+          <a:noFill/>
+        </p:spPr>
+        <p:txBody>
+          <a:bodyPr wrap="square" rtlCol="0">
+            <a:spAutoFit/>
+          </a:bodyPr>
+          <a:lstStyle/>
+          <a:p>
+            <a:r>
+              <a:rPr lang="en-US" sz="500" b="1" dirty="0" smtClean="0"/>
+              <a:t>_</a:t>
+            </a:r>
+            <a:endParaRPr lang="en-US" sz="400" b="1" dirty="0" smtClean="0"/>
+          </a:p>
+        </p:txBody>
+      </p:sp>
+      <p:sp>
+        <p:nvSpPr>
+          <p:cNvPr id="271" name="TextBox 270"/>
+          <p:cNvSpPr txBox="1"/>
+          <p:nvPr/>
+        </p:nvSpPr>
+        <p:spPr>
+          <a:xfrm>
+            <a:off x="8452976" y="5002031"/>
+            <a:ext cx="870223" cy="169277"/>
+          </a:xfrm>
+          <a:prstGeom prst="rect">
+            <a:avLst/>
+          </a:prstGeom>
+          <a:noFill/>
+        </p:spPr>
+        <p:txBody>
+          <a:bodyPr wrap="square" rtlCol="0">
+            <a:spAutoFit/>
+          </a:bodyPr>
+          <a:lstStyle/>
+          <a:p>
+            <a:r>
+              <a:rPr lang="en-US" sz="500" dirty="0" smtClean="0"/>
+              <a:t>Questions answered: </a:t>
+            </a:r>
+            <a:r>
+              <a:rPr lang="en-US" sz="500" u="sng" dirty="0"/>
+              <a:t>3</a:t>
+            </a:r>
+            <a:r>
+              <a:rPr lang="en-US" sz="500" dirty="0" smtClean="0"/>
+              <a:t>/4</a:t>
+            </a:r>
+            <a:endParaRPr lang="en-US" sz="500" dirty="0"/>
+          </a:p>
+        </p:txBody>
+      </p:sp>
+      <p:sp>
+        <p:nvSpPr>
+          <p:cNvPr id="273" name="Rectangle 272"/>
+          <p:cNvSpPr/>
+          <p:nvPr/>
+        </p:nvSpPr>
+        <p:spPr>
+          <a:xfrm>
+            <a:off x="8898926" y="5287747"/>
+            <a:ext cx="365938" cy="138857"/>
+          </a:xfrm>
+          <a:prstGeom prst="rect">
+            <a:avLst/>
+          </a:prstGeom>
+          <a:noFill/>
+        </p:spPr>
+        <p:style>
+          <a:lnRef idx="2">
+            <a:schemeClr val="accent1">
+              <a:shade val="50000"/>
+            </a:schemeClr>
+          </a:lnRef>
+          <a:fillRef idx="1">
+            <a:schemeClr val="accent1"/>
+          </a:fillRef>
+          <a:effectRef idx="0">
+            <a:schemeClr val="accent1"/>
+          </a:effectRef>
+          <a:fontRef idx="minor">
+            <a:schemeClr val="lt1"/>
+          </a:fontRef>
+        </p:style>
+        <p:txBody>
+          <a:bodyPr rtlCol="0" anchor="ctr"/>
+          <a:lstStyle/>
+          <a:p>
+            <a:pPr algn="ctr"/>
+            <a:endParaRPr lang="en-US"/>
+          </a:p>
+        </p:txBody>
+      </p:sp>
+      <p:sp>
+        <p:nvSpPr>
+          <p:cNvPr id="274" name="TextBox 273"/>
+          <p:cNvSpPr txBox="1"/>
+          <p:nvPr/>
+        </p:nvSpPr>
+        <p:spPr>
+          <a:xfrm>
+            <a:off x="8453669" y="5287747"/>
+            <a:ext cx="551563" cy="153888"/>
+          </a:xfrm>
+          <a:prstGeom prst="rect">
+            <a:avLst/>
+          </a:prstGeom>
+          <a:noFill/>
+        </p:spPr>
+        <p:txBody>
+          <a:bodyPr wrap="square" rtlCol="0">
+            <a:spAutoFit/>
+          </a:bodyPr>
+          <a:lstStyle/>
+          <a:p>
+            <a:r>
+              <a:rPr lang="en-US" sz="400" dirty="0" smtClean="0"/>
+              <a:t>Return to Quiz</a:t>
+            </a:r>
+            <a:endParaRPr lang="en-US" sz="400" dirty="0"/>
+          </a:p>
+        </p:txBody>
+      </p:sp>
+      <p:sp>
+        <p:nvSpPr>
+          <p:cNvPr id="275" name="Rectangle 274"/>
+          <p:cNvSpPr/>
+          <p:nvPr/>
+        </p:nvSpPr>
+        <p:spPr>
+          <a:xfrm>
+            <a:off x="8510178" y="5313450"/>
+            <a:ext cx="365938" cy="95509"/>
+          </a:xfrm>
+          <a:prstGeom prst="rect">
+            <a:avLst/>
+          </a:prstGeom>
+          <a:noFill/>
+        </p:spPr>
+        <p:style>
+          <a:lnRef idx="2">
+            <a:schemeClr val="accent1">
+              <a:shade val="50000"/>
+            </a:schemeClr>
+          </a:lnRef>
+          <a:fillRef idx="1">
+            <a:schemeClr val="accent1"/>
+          </a:fillRef>
+          <a:effectRef idx="0">
+            <a:schemeClr val="accent1"/>
+          </a:effectRef>
+          <a:fontRef idx="minor">
+            <a:schemeClr val="lt1"/>
+          </a:fontRef>
+        </p:style>
+        <p:txBody>
+          <a:bodyPr rtlCol="0" anchor="ctr"/>
+          <a:lstStyle/>
+          <a:p>
+            <a:pPr algn="ctr"/>
+            <a:endParaRPr lang="en-US"/>
+          </a:p>
+        </p:txBody>
+      </p:sp>
+      <p:sp>
+        <p:nvSpPr>
+          <p:cNvPr id="276" name="TextBox 275"/>
+          <p:cNvSpPr txBox="1"/>
+          <p:nvPr/>
+        </p:nvSpPr>
+        <p:spPr>
+          <a:xfrm>
+            <a:off x="8867446" y="5246478"/>
+            <a:ext cx="551563" cy="215444"/>
+          </a:xfrm>
+          <a:prstGeom prst="rect">
+            <a:avLst/>
+          </a:prstGeom>
+          <a:noFill/>
+        </p:spPr>
+        <p:txBody>
+          <a:bodyPr wrap="square" rtlCol="0">
+            <a:spAutoFit/>
+          </a:bodyPr>
+          <a:lstStyle/>
+          <a:p>
+            <a:r>
+              <a:rPr lang="en-US" sz="400" dirty="0" smtClean="0"/>
+              <a:t>Confirm Submission</a:t>
+            </a:r>
+            <a:endParaRPr lang="en-US" sz="400" dirty="0"/>
+          </a:p>
+        </p:txBody>
+      </p:sp>
+      <p:sp>
+        <p:nvSpPr>
+          <p:cNvPr id="277" name="TextBox 276"/>
+          <p:cNvSpPr txBox="1"/>
+          <p:nvPr/>
+        </p:nvSpPr>
+        <p:spPr>
+          <a:xfrm>
+            <a:off x="9628656" y="4511722"/>
+            <a:ext cx="703885" cy="553998"/>
+          </a:xfrm>
+          <a:prstGeom prst="rect">
+            <a:avLst/>
+          </a:prstGeom>
+          <a:noFill/>
+        </p:spPr>
+        <p:txBody>
+          <a:bodyPr wrap="square" rtlCol="0">
+            <a:spAutoFit/>
+          </a:bodyPr>
+          <a:lstStyle/>
+          <a:p>
+            <a:r>
+              <a:rPr lang="en-US" sz="500" b="1" dirty="0" smtClean="0"/>
+              <a:t>WARNING</a:t>
+            </a:r>
+            <a:r>
+              <a:rPr lang="en-US" sz="500" dirty="0" smtClean="0"/>
+              <a:t>: You will not receive credit for unanswered questions. Are you sure you want to submit?</a:t>
+            </a:r>
+            <a:endParaRPr lang="en-US" sz="500" dirty="0"/>
+          </a:p>
+        </p:txBody>
+      </p:sp>
+      <p:sp>
+        <p:nvSpPr>
+          <p:cNvPr id="278" name="Rectangle 277"/>
+          <p:cNvSpPr/>
+          <p:nvPr/>
+        </p:nvSpPr>
+        <p:spPr>
+          <a:xfrm>
+            <a:off x="9573152" y="4271544"/>
+            <a:ext cx="818148" cy="1195137"/>
+          </a:xfrm>
+          <a:prstGeom prst="rect">
+            <a:avLst/>
+          </a:prstGeom>
+          <a:noFill/>
+        </p:spPr>
+        <p:style>
+          <a:lnRef idx="2">
+            <a:schemeClr val="accent1">
+              <a:shade val="50000"/>
+            </a:schemeClr>
+          </a:lnRef>
+          <a:fillRef idx="1">
+            <a:schemeClr val="accent1"/>
+          </a:fillRef>
+          <a:effectRef idx="0">
+            <a:schemeClr val="accent1"/>
+          </a:effectRef>
+          <a:fontRef idx="minor">
+            <a:schemeClr val="lt1"/>
+          </a:fontRef>
+        </p:style>
+        <p:txBody>
+          <a:bodyPr rtlCol="0" anchor="ctr"/>
+          <a:lstStyle/>
+          <a:p>
+            <a:pPr algn="ctr"/>
+            <a:endParaRPr lang="en-US" dirty="0"/>
+          </a:p>
+        </p:txBody>
+      </p:sp>
+      <p:sp>
+        <p:nvSpPr>
+          <p:cNvPr id="279" name="TextBox 278"/>
+          <p:cNvSpPr txBox="1"/>
+          <p:nvPr/>
+        </p:nvSpPr>
+        <p:spPr>
+          <a:xfrm>
+            <a:off x="9728217" y="4270990"/>
+            <a:ext cx="521021" cy="169277"/>
+          </a:xfrm>
+          <a:prstGeom prst="rect">
+            <a:avLst/>
+          </a:prstGeom>
+          <a:noFill/>
+        </p:spPr>
+        <p:txBody>
+          <a:bodyPr wrap="square" rtlCol="0">
+            <a:spAutoFit/>
+          </a:bodyPr>
+          <a:lstStyle/>
+          <a:p>
+            <a:r>
+              <a:rPr lang="en-US" sz="500" dirty="0" smtClean="0"/>
+              <a:t>Submit Quiz</a:t>
+            </a:r>
+            <a:endParaRPr lang="en-US" sz="500" dirty="0"/>
+          </a:p>
+        </p:txBody>
+      </p:sp>
+      <p:cxnSp>
+        <p:nvCxnSpPr>
+          <p:cNvPr id="280" name="Straight Connector 279"/>
+          <p:cNvCxnSpPr/>
+          <p:nvPr/>
+        </p:nvCxnSpPr>
+        <p:spPr>
+          <a:xfrm>
+            <a:off x="9577148" y="4421636"/>
+            <a:ext cx="818148" cy="0"/>
+          </a:xfrm>
+          <a:prstGeom prst="line">
+            <a:avLst/>
+          </a:prstGeom>
+        </p:spPr>
+        <p:style>
+          <a:lnRef idx="1">
+            <a:schemeClr val="accent1"/>
+          </a:lnRef>
+          <a:fillRef idx="0">
+            <a:schemeClr val="accent1"/>
+          </a:fillRef>
+          <a:effectRef idx="0">
+            <a:schemeClr val="accent1"/>
+          </a:effectRef>
+          <a:fontRef idx="minor">
+            <a:schemeClr val="tx1"/>
+          </a:fontRef>
+        </p:style>
+      </p:cxnSp>
+      <p:sp>
+        <p:nvSpPr>
+          <p:cNvPr id="281" name="TextBox 280"/>
+          <p:cNvSpPr txBox="1"/>
+          <p:nvPr/>
+        </p:nvSpPr>
+        <p:spPr>
+          <a:xfrm>
+            <a:off x="9613443" y="5183022"/>
+            <a:ext cx="737565" cy="169277"/>
+          </a:xfrm>
+          <a:prstGeom prst="rect">
+            <a:avLst/>
+          </a:prstGeom>
+        </p:spPr>
+        <p:style>
+          <a:lnRef idx="2">
+            <a:schemeClr val="accent1"/>
+          </a:lnRef>
+          <a:fillRef idx="1">
+            <a:schemeClr val="lt1"/>
+          </a:fillRef>
+          <a:effectRef idx="0">
+            <a:schemeClr val="accent1"/>
+          </a:effectRef>
+          <a:fontRef idx="minor">
+            <a:schemeClr val="dk1"/>
+          </a:fontRef>
+        </p:style>
+        <p:txBody>
+          <a:bodyPr wrap="square" rtlCol="0">
+            <a:spAutoFit/>
+          </a:bodyPr>
+          <a:lstStyle/>
+          <a:p>
+            <a:r>
+              <a:rPr lang="en-US" sz="500" dirty="0" smtClean="0"/>
+              <a:t>Confirm Submission</a:t>
+            </a:r>
+            <a:endParaRPr lang="en-US" sz="500" dirty="0"/>
+          </a:p>
+        </p:txBody>
+      </p:sp>
+      <p:sp>
+        <p:nvSpPr>
+          <p:cNvPr id="284" name="TextBox 283"/>
+          <p:cNvSpPr txBox="1"/>
+          <p:nvPr/>
+        </p:nvSpPr>
+        <p:spPr>
+          <a:xfrm>
+            <a:off x="8452371" y="5085090"/>
+            <a:ext cx="792055" cy="246221"/>
+          </a:xfrm>
+          <a:prstGeom prst="rect">
+            <a:avLst/>
+          </a:prstGeom>
+          <a:noFill/>
+        </p:spPr>
+        <p:txBody>
+          <a:bodyPr wrap="square" rtlCol="0">
+            <a:spAutoFit/>
+          </a:bodyPr>
+          <a:lstStyle/>
+          <a:p>
+            <a:r>
+              <a:rPr lang="en-US" sz="500" b="1" dirty="0" smtClean="0"/>
+              <a:t>You have unanswered questions!</a:t>
+            </a:r>
+            <a:endParaRPr lang="en-US" sz="500" b="1" dirty="0"/>
+          </a:p>
+        </p:txBody>
+      </p:sp>
+      <p:cxnSp>
+        <p:nvCxnSpPr>
+          <p:cNvPr id="12" name="Curved Connector 11"/>
+          <p:cNvCxnSpPr>
+            <a:stCxn id="275" idx="1"/>
+            <a:endCxn id="394" idx="1"/>
+          </p:cNvCxnSpPr>
+          <p:nvPr/>
+        </p:nvCxnSpPr>
+        <p:spPr>
+          <a:xfrm rot="10800000">
+            <a:off x="8478256" y="3487269"/>
+            <a:ext cx="31923" cy="1873937"/>
+          </a:xfrm>
+          <a:prstGeom prst="curvedConnector3">
+            <a:avLst>
+              <a:gd name="adj1" fmla="val 501331"/>
+            </a:avLst>
+          </a:prstGeom>
+          <a:ln>
+            <a:tailEnd type="triangle"/>
+          </a:ln>
+        </p:spPr>
+        <p:style>
+          <a:lnRef idx="1">
+            <a:schemeClr val="accent1"/>
+          </a:lnRef>
+          <a:fillRef idx="0">
+            <a:schemeClr val="accent1"/>
+          </a:fillRef>
+          <a:effectRef idx="0">
+            <a:schemeClr val="accent1"/>
+          </a:effectRef>
+          <a:fontRef idx="minor">
+            <a:schemeClr val="tx1"/>
+          </a:fontRef>
+        </p:style>
+      </p:cxnSp>
+      <p:sp>
+        <p:nvSpPr>
+          <p:cNvPr id="285" name="Rectangle 284"/>
+          <p:cNvSpPr/>
+          <p:nvPr/>
+        </p:nvSpPr>
+        <p:spPr>
+          <a:xfrm>
+            <a:off x="10677634" y="4277473"/>
+            <a:ext cx="818148" cy="1195137"/>
+          </a:xfrm>
+          <a:prstGeom prst="rect">
+            <a:avLst/>
+          </a:prstGeom>
+          <a:solidFill>
+            <a:schemeClr val="bg1"/>
+          </a:solidFill>
+        </p:spPr>
+        <p:style>
+          <a:lnRef idx="2">
+            <a:schemeClr val="accent1">
+              <a:shade val="50000"/>
+            </a:schemeClr>
+          </a:lnRef>
+          <a:fillRef idx="1">
+            <a:schemeClr val="accent1"/>
+          </a:fillRef>
+          <a:effectRef idx="0">
+            <a:schemeClr val="accent1"/>
+          </a:effectRef>
+          <a:fontRef idx="minor">
+            <a:schemeClr val="lt1"/>
+          </a:fontRef>
+        </p:style>
+        <p:txBody>
+          <a:bodyPr rtlCol="0" anchor="ctr"/>
+          <a:lstStyle/>
+          <a:p>
+            <a:pPr algn="ctr"/>
+            <a:endParaRPr lang="en-US" dirty="0"/>
+          </a:p>
+        </p:txBody>
+      </p:sp>
+      <p:sp>
+        <p:nvSpPr>
+          <p:cNvPr id="286" name="TextBox 285"/>
+          <p:cNvSpPr txBox="1"/>
+          <p:nvPr/>
+        </p:nvSpPr>
+        <p:spPr>
+          <a:xfrm>
+            <a:off x="10748100" y="4271315"/>
+            <a:ext cx="685208" cy="169277"/>
+          </a:xfrm>
+          <a:prstGeom prst="rect">
+            <a:avLst/>
+          </a:prstGeom>
+          <a:noFill/>
+        </p:spPr>
+        <p:txBody>
+          <a:bodyPr wrap="square" rtlCol="0">
+            <a:spAutoFit/>
+          </a:bodyPr>
+          <a:lstStyle/>
+          <a:p>
+            <a:r>
+              <a:rPr lang="en-US" sz="500" dirty="0" smtClean="0"/>
+              <a:t>Quiz Confirmation</a:t>
+            </a:r>
+            <a:endParaRPr lang="en-US" sz="500" dirty="0"/>
+          </a:p>
+        </p:txBody>
+      </p:sp>
+      <p:cxnSp>
+        <p:nvCxnSpPr>
+          <p:cNvPr id="288" name="Straight Connector 287"/>
+          <p:cNvCxnSpPr/>
+          <p:nvPr/>
+        </p:nvCxnSpPr>
+        <p:spPr>
+          <a:xfrm>
+            <a:off x="10681630" y="4427565"/>
+            <a:ext cx="818148" cy="0"/>
+          </a:xfrm>
+          <a:prstGeom prst="line">
+            <a:avLst/>
+          </a:prstGeom>
+        </p:spPr>
+        <p:style>
+          <a:lnRef idx="1">
+            <a:schemeClr val="accent1"/>
+          </a:lnRef>
+          <a:fillRef idx="0">
+            <a:schemeClr val="accent1"/>
+          </a:fillRef>
+          <a:effectRef idx="0">
+            <a:schemeClr val="accent1"/>
+          </a:effectRef>
+          <a:fontRef idx="minor">
+            <a:schemeClr val="tx1"/>
+          </a:fontRef>
+        </p:style>
+      </p:cxnSp>
+      <p:sp>
+        <p:nvSpPr>
+          <p:cNvPr id="289" name="TextBox 288"/>
+          <p:cNvSpPr txBox="1"/>
+          <p:nvPr/>
+        </p:nvSpPr>
+        <p:spPr>
+          <a:xfrm>
+            <a:off x="10717925" y="5188951"/>
+            <a:ext cx="737565" cy="169277"/>
+          </a:xfrm>
+          <a:prstGeom prst="rect">
+            <a:avLst/>
+          </a:prstGeom>
+        </p:spPr>
+        <p:style>
+          <a:lnRef idx="2">
+            <a:schemeClr val="accent1"/>
+          </a:lnRef>
+          <a:fillRef idx="1">
+            <a:schemeClr val="lt1"/>
+          </a:fillRef>
+          <a:effectRef idx="0">
+            <a:schemeClr val="accent1"/>
+          </a:effectRef>
+          <a:fontRef idx="minor">
+            <a:schemeClr val="dk1"/>
+          </a:fontRef>
+        </p:style>
+        <p:txBody>
+          <a:bodyPr wrap="square" rtlCol="0">
+            <a:spAutoFit/>
+          </a:bodyPr>
+          <a:lstStyle/>
+          <a:p>
+            <a:r>
+              <a:rPr lang="en-US" sz="500" dirty="0" smtClean="0"/>
+              <a:t>Return to Dashboard</a:t>
+            </a:r>
+            <a:endParaRPr lang="en-US" sz="500" dirty="0"/>
+          </a:p>
+        </p:txBody>
+      </p:sp>
+      <p:sp>
+        <p:nvSpPr>
+          <p:cNvPr id="290" name="TextBox 289"/>
+          <p:cNvSpPr txBox="1"/>
+          <p:nvPr/>
+        </p:nvSpPr>
+        <p:spPr>
+          <a:xfrm>
+            <a:off x="10625239" y="4421074"/>
+            <a:ext cx="922935" cy="446276"/>
+          </a:xfrm>
+          <a:prstGeom prst="rect">
+            <a:avLst/>
+          </a:prstGeom>
+          <a:noFill/>
+          <a:ln w="3175">
+            <a:noFill/>
+          </a:ln>
+        </p:spPr>
+        <p:style>
+          <a:lnRef idx="2">
+            <a:schemeClr val="accent1"/>
+          </a:lnRef>
+          <a:fillRef idx="1">
+            <a:schemeClr val="lt1"/>
+          </a:fillRef>
+          <a:effectRef idx="0">
+            <a:schemeClr val="accent1"/>
+          </a:effectRef>
+          <a:fontRef idx="minor">
+            <a:schemeClr val="dk1"/>
+          </a:fontRef>
+        </p:style>
+        <p:txBody>
+          <a:bodyPr wrap="square" rtlCol="0">
+            <a:spAutoFit/>
+          </a:bodyPr>
+          <a:lstStyle/>
+          <a:p>
+            <a:pPr algn="ctr"/>
+            <a:r>
+              <a:rPr lang="en-US" sz="500" dirty="0" smtClean="0"/>
+              <a:t>Quiz Submitted Successfully!</a:t>
+            </a:r>
+          </a:p>
+          <a:p>
+            <a:pPr algn="ctr"/>
+            <a:endParaRPr lang="en-US" sz="400" dirty="0"/>
+          </a:p>
+          <a:p>
+            <a:pPr algn="ctr"/>
+            <a:r>
+              <a:rPr lang="en-US" sz="400" dirty="0" smtClean="0"/>
+              <a:t>Your quiz confirmation code is:</a:t>
+            </a:r>
+          </a:p>
+          <a:p>
+            <a:pPr algn="ctr"/>
+            <a:endParaRPr lang="en-US" sz="400" dirty="0"/>
+          </a:p>
+          <a:p>
+            <a:pPr algn="ctr"/>
+            <a:r>
+              <a:rPr lang="en-US" sz="600" b="1" u="sng" dirty="0" smtClean="0"/>
+              <a:t>example56conf78code</a:t>
+            </a:r>
+          </a:p>
+        </p:txBody>
+      </p:sp>
+      <p:sp>
+        <p:nvSpPr>
+          <p:cNvPr id="292" name="TextBox 291"/>
+          <p:cNvSpPr txBox="1"/>
+          <p:nvPr/>
+        </p:nvSpPr>
+        <p:spPr>
+          <a:xfrm>
+            <a:off x="10726462" y="4816176"/>
+            <a:ext cx="855885" cy="169277"/>
+          </a:xfrm>
+          <a:prstGeom prst="rect">
+            <a:avLst/>
+          </a:prstGeom>
+          <a:noFill/>
+        </p:spPr>
+        <p:txBody>
+          <a:bodyPr wrap="square" rtlCol="0">
+            <a:spAutoFit/>
+          </a:bodyPr>
+          <a:lstStyle/>
+          <a:p>
+            <a:r>
+              <a:rPr lang="en-US" sz="500" dirty="0" smtClean="0"/>
+              <a:t>Your Score: </a:t>
+            </a:r>
+            <a:r>
+              <a:rPr lang="en-US" sz="500" u="sng" dirty="0" smtClean="0"/>
+              <a:t>100</a:t>
+            </a:r>
+            <a:r>
+              <a:rPr lang="en-US" sz="500" dirty="0" smtClean="0"/>
+              <a:t>/100</a:t>
+            </a:r>
+            <a:endParaRPr lang="en-US" sz="500" dirty="0"/>
+          </a:p>
+        </p:txBody>
+      </p:sp>
+      <p:cxnSp>
+        <p:nvCxnSpPr>
+          <p:cNvPr id="21" name="Curved Connector 20"/>
+          <p:cNvCxnSpPr>
+            <a:stCxn id="273" idx="3"/>
+            <a:endCxn id="278" idx="1"/>
+          </p:cNvCxnSpPr>
+          <p:nvPr/>
+        </p:nvCxnSpPr>
+        <p:spPr>
+          <a:xfrm flipV="1">
+            <a:off x="9264864" y="4869113"/>
+            <a:ext cx="308288" cy="488063"/>
+          </a:xfrm>
+          <a:prstGeom prst="curvedConnector3">
+            <a:avLst/>
+          </a:prstGeom>
+          <a:ln>
+            <a:tailEnd type="triangle"/>
+          </a:ln>
+        </p:spPr>
+        <p:style>
+          <a:lnRef idx="1">
+            <a:schemeClr val="accent1"/>
+          </a:lnRef>
+          <a:fillRef idx="0">
+            <a:schemeClr val="accent1"/>
+          </a:fillRef>
+          <a:effectRef idx="0">
+            <a:schemeClr val="accent1"/>
+          </a:effectRef>
+          <a:fontRef idx="minor">
+            <a:schemeClr val="tx1"/>
+          </a:fontRef>
+        </p:style>
+      </p:cxnSp>
+      <p:cxnSp>
+        <p:nvCxnSpPr>
+          <p:cNvPr id="24" name="Curved Connector 23"/>
+          <p:cNvCxnSpPr>
+            <a:stCxn id="281" idx="3"/>
+            <a:endCxn id="285" idx="1"/>
+          </p:cNvCxnSpPr>
+          <p:nvPr/>
+        </p:nvCxnSpPr>
+        <p:spPr>
+          <a:xfrm flipV="1">
+            <a:off x="10351008" y="4875042"/>
+            <a:ext cx="326626" cy="392619"/>
+          </a:xfrm>
+          <a:prstGeom prst="curvedConnector3">
+            <a:avLst/>
+          </a:prstGeom>
+          <a:ln>
+            <a:tailEnd type="triangle"/>
+          </a:ln>
+        </p:spPr>
+        <p:style>
+          <a:lnRef idx="1">
+            <a:schemeClr val="accent1"/>
+          </a:lnRef>
+          <a:fillRef idx="0">
+            <a:schemeClr val="accent1"/>
+          </a:fillRef>
+          <a:effectRef idx="0">
+            <a:schemeClr val="accent1"/>
+          </a:effectRef>
+          <a:fontRef idx="minor">
+            <a:schemeClr val="tx1"/>
+          </a:fontRef>
+        </p:style>
+      </p:cxnSp>
+      <p:cxnSp>
+        <p:nvCxnSpPr>
+          <p:cNvPr id="29" name="Curved Connector 28"/>
+          <p:cNvCxnSpPr>
+            <a:stCxn id="281" idx="3"/>
+            <a:endCxn id="449" idx="1"/>
+          </p:cNvCxnSpPr>
+          <p:nvPr/>
+        </p:nvCxnSpPr>
+        <p:spPr>
+          <a:xfrm flipV="1">
+            <a:off x="10351008" y="3485778"/>
+            <a:ext cx="326626" cy="1781883"/>
+          </a:xfrm>
+          <a:prstGeom prst="curvedConnector3">
+            <a:avLst>
+              <a:gd name="adj1" fmla="val 50000"/>
+            </a:avLst>
+          </a:prstGeom>
+          <a:ln>
+            <a:tailEnd type="triangle"/>
+          </a:ln>
+        </p:spPr>
+        <p:style>
+          <a:lnRef idx="1">
+            <a:schemeClr val="accent1"/>
+          </a:lnRef>
+          <a:fillRef idx="0">
+            <a:schemeClr val="accent1"/>
+          </a:fillRef>
+          <a:effectRef idx="0">
+            <a:schemeClr val="accent1"/>
+          </a:effectRef>
+          <a:fontRef idx="minor">
+            <a:schemeClr val="tx1"/>
+          </a:fontRef>
+        </p:style>
+      </p:cxnSp>
+      <p:cxnSp>
+        <p:nvCxnSpPr>
+          <p:cNvPr id="33" name="Curved Connector 32"/>
+          <p:cNvCxnSpPr>
+            <a:stCxn id="446" idx="3"/>
+            <a:endCxn id="285" idx="1"/>
+          </p:cNvCxnSpPr>
+          <p:nvPr/>
+        </p:nvCxnSpPr>
+        <p:spPr>
+          <a:xfrm>
+            <a:off x="10369347" y="3980088"/>
+            <a:ext cx="308287" cy="894954"/>
+          </a:xfrm>
+          <a:prstGeom prst="curvedConnector3">
+            <a:avLst>
+              <a:gd name="adj1" fmla="val 58149"/>
+            </a:avLst>
+          </a:prstGeom>
+          <a:ln>
+            <a:tailEnd type="triangle"/>
+          </a:ln>
+        </p:spPr>
+        <p:style>
+          <a:lnRef idx="1">
+            <a:schemeClr val="accent1"/>
+          </a:lnRef>
+          <a:fillRef idx="0">
+            <a:schemeClr val="accent1"/>
+          </a:fillRef>
+          <a:effectRef idx="0">
+            <a:schemeClr val="accent1"/>
+          </a:effectRef>
+          <a:fontRef idx="minor">
+            <a:schemeClr val="tx1"/>
+          </a:fontRef>
+        </p:style>
+      </p:cxnSp>
+      <p:sp>
+        <p:nvSpPr>
+          <p:cNvPr id="349" name="TextBox 348"/>
+          <p:cNvSpPr txBox="1"/>
+          <p:nvPr/>
+        </p:nvSpPr>
+        <p:spPr>
+          <a:xfrm>
+            <a:off x="10716472" y="4971149"/>
+            <a:ext cx="737565" cy="169277"/>
+          </a:xfrm>
+          <a:prstGeom prst="rect">
+            <a:avLst/>
+          </a:prstGeom>
+        </p:spPr>
+        <p:style>
+          <a:lnRef idx="2">
+            <a:schemeClr val="accent1"/>
+          </a:lnRef>
+          <a:fillRef idx="1">
+            <a:schemeClr val="lt1"/>
+          </a:fillRef>
+          <a:effectRef idx="0">
+            <a:schemeClr val="accent1"/>
+          </a:effectRef>
+          <a:fontRef idx="minor">
+            <a:schemeClr val="dk1"/>
+          </a:fontRef>
+        </p:style>
+        <p:txBody>
+          <a:bodyPr wrap="square" rtlCol="0">
+            <a:spAutoFit/>
+          </a:bodyPr>
+          <a:lstStyle/>
+          <a:p>
+            <a:pPr algn="ctr"/>
+            <a:r>
+              <a:rPr lang="en-US" sz="500" dirty="0" smtClean="0"/>
+              <a:t>See Answer Key</a:t>
+            </a:r>
+            <a:endParaRPr lang="en-US" sz="500" dirty="0"/>
+          </a:p>
+        </p:txBody>
+      </p:sp>
+      <p:sp>
+        <p:nvSpPr>
+          <p:cNvPr id="354" name="Rectangle 353"/>
+          <p:cNvSpPr/>
+          <p:nvPr/>
+        </p:nvSpPr>
+        <p:spPr>
+          <a:xfrm>
+            <a:off x="9013862" y="5579226"/>
+            <a:ext cx="818148" cy="1195137"/>
+          </a:xfrm>
+          <a:prstGeom prst="rect">
+            <a:avLst/>
+          </a:prstGeom>
+          <a:solidFill>
+            <a:schemeClr val="bg1"/>
+          </a:solidFill>
+        </p:spPr>
+        <p:style>
+          <a:lnRef idx="2">
+            <a:schemeClr val="accent1">
+              <a:shade val="50000"/>
+            </a:schemeClr>
+          </a:lnRef>
+          <a:fillRef idx="1">
+            <a:schemeClr val="accent1"/>
+          </a:fillRef>
+          <a:effectRef idx="0">
+            <a:schemeClr val="accent1"/>
+          </a:effectRef>
+          <a:fontRef idx="minor">
+            <a:schemeClr val="lt1"/>
+          </a:fontRef>
+        </p:style>
+        <p:txBody>
+          <a:bodyPr rtlCol="0" anchor="ctr"/>
+          <a:lstStyle/>
+          <a:p>
+            <a:pPr algn="ctr"/>
+            <a:endParaRPr lang="en-US" dirty="0"/>
+          </a:p>
+        </p:txBody>
+      </p:sp>
+      <p:sp>
+        <p:nvSpPr>
+          <p:cNvPr id="356" name="TextBox 355"/>
+          <p:cNvSpPr txBox="1"/>
+          <p:nvPr/>
+        </p:nvSpPr>
+        <p:spPr>
+          <a:xfrm>
+            <a:off x="9166210" y="5579225"/>
+            <a:ext cx="631421" cy="169277"/>
+          </a:xfrm>
+          <a:prstGeom prst="rect">
+            <a:avLst/>
+          </a:prstGeom>
+          <a:noFill/>
+        </p:spPr>
+        <p:txBody>
+          <a:bodyPr wrap="square" rtlCol="0">
+            <a:spAutoFit/>
+          </a:bodyPr>
+          <a:lstStyle/>
+          <a:p>
+            <a:r>
+              <a:rPr lang="en-US" sz="500" dirty="0" smtClean="0"/>
+              <a:t>Answer Key</a:t>
+            </a:r>
+            <a:endParaRPr lang="en-US" sz="500" dirty="0"/>
+          </a:p>
+        </p:txBody>
+      </p:sp>
+      <p:cxnSp>
+        <p:nvCxnSpPr>
+          <p:cNvPr id="357" name="Straight Connector 356"/>
+          <p:cNvCxnSpPr/>
+          <p:nvPr/>
+        </p:nvCxnSpPr>
+        <p:spPr>
+          <a:xfrm>
+            <a:off x="9017858" y="5729318"/>
+            <a:ext cx="818148" cy="0"/>
+          </a:xfrm>
+          <a:prstGeom prst="line">
+            <a:avLst/>
+          </a:prstGeom>
+        </p:spPr>
+        <p:style>
+          <a:lnRef idx="1">
+            <a:schemeClr val="accent1"/>
+          </a:lnRef>
+          <a:fillRef idx="0">
+            <a:schemeClr val="accent1"/>
+          </a:fillRef>
+          <a:effectRef idx="0">
+            <a:schemeClr val="accent1"/>
+          </a:effectRef>
+          <a:fontRef idx="minor">
+            <a:schemeClr val="tx1"/>
+          </a:fontRef>
+        </p:style>
+      </p:cxnSp>
+      <p:sp>
+        <p:nvSpPr>
+          <p:cNvPr id="358" name="TextBox 357"/>
+          <p:cNvSpPr txBox="1"/>
+          <p:nvPr/>
+        </p:nvSpPr>
+        <p:spPr>
+          <a:xfrm>
+            <a:off x="9384117" y="5928090"/>
+            <a:ext cx="423627" cy="153888"/>
+          </a:xfrm>
+          <a:prstGeom prst="rect">
+            <a:avLst/>
+          </a:prstGeom>
+          <a:noFill/>
+        </p:spPr>
+        <p:txBody>
+          <a:bodyPr wrap="square" rtlCol="0">
+            <a:spAutoFit/>
+          </a:bodyPr>
+          <a:lstStyle/>
+          <a:p>
+            <a:r>
+              <a:rPr lang="en-US" sz="400" dirty="0" smtClean="0"/>
+              <a:t>Question 1</a:t>
+            </a:r>
+            <a:endParaRPr lang="en-US" sz="400" dirty="0"/>
+          </a:p>
+        </p:txBody>
+      </p:sp>
+      <p:sp>
+        <p:nvSpPr>
+          <p:cNvPr id="359" name="Rectangle 358"/>
+          <p:cNvSpPr/>
+          <p:nvPr/>
+        </p:nvSpPr>
+        <p:spPr>
+          <a:xfrm>
+            <a:off x="9430887" y="5955066"/>
+            <a:ext cx="365938" cy="95509"/>
+          </a:xfrm>
+          <a:prstGeom prst="rect">
+            <a:avLst/>
+          </a:prstGeom>
+          <a:noFill/>
+        </p:spPr>
+        <p:style>
+          <a:lnRef idx="2">
+            <a:schemeClr val="accent1">
+              <a:shade val="50000"/>
+            </a:schemeClr>
+          </a:lnRef>
+          <a:fillRef idx="1">
+            <a:schemeClr val="accent1"/>
+          </a:fillRef>
+          <a:effectRef idx="0">
+            <a:schemeClr val="accent1"/>
+          </a:effectRef>
+          <a:fontRef idx="minor">
+            <a:schemeClr val="lt1"/>
+          </a:fontRef>
+        </p:style>
+        <p:txBody>
+          <a:bodyPr rtlCol="0" anchor="ctr"/>
+          <a:lstStyle/>
+          <a:p>
+            <a:pPr algn="ctr"/>
+            <a:endParaRPr lang="en-US"/>
+          </a:p>
+        </p:txBody>
+      </p:sp>
+      <p:sp>
+        <p:nvSpPr>
+          <p:cNvPr id="360" name="TextBox 359"/>
+          <p:cNvSpPr txBox="1"/>
+          <p:nvPr/>
+        </p:nvSpPr>
+        <p:spPr>
+          <a:xfrm>
+            <a:off x="9384117" y="6057192"/>
+            <a:ext cx="423627" cy="153888"/>
+          </a:xfrm>
+          <a:prstGeom prst="rect">
+            <a:avLst/>
+          </a:prstGeom>
+          <a:noFill/>
+        </p:spPr>
+        <p:txBody>
+          <a:bodyPr wrap="square" rtlCol="0">
+            <a:spAutoFit/>
+          </a:bodyPr>
+          <a:lstStyle/>
+          <a:p>
+            <a:r>
+              <a:rPr lang="en-US" sz="400" dirty="0" smtClean="0"/>
+              <a:t>Question 2</a:t>
+            </a:r>
+            <a:endParaRPr lang="en-US" sz="400" dirty="0"/>
+          </a:p>
+        </p:txBody>
+      </p:sp>
+      <p:sp>
+        <p:nvSpPr>
+          <p:cNvPr id="361" name="Rectangle 360"/>
+          <p:cNvSpPr/>
+          <p:nvPr/>
+        </p:nvSpPr>
+        <p:spPr>
+          <a:xfrm>
+            <a:off x="9430887" y="6084168"/>
+            <a:ext cx="365938" cy="95509"/>
+          </a:xfrm>
+          <a:prstGeom prst="rect">
+            <a:avLst/>
+          </a:prstGeom>
+          <a:noFill/>
+        </p:spPr>
+        <p:style>
+          <a:lnRef idx="2">
+            <a:schemeClr val="accent1">
+              <a:shade val="50000"/>
+            </a:schemeClr>
+          </a:lnRef>
+          <a:fillRef idx="1">
+            <a:schemeClr val="accent1"/>
+          </a:fillRef>
+          <a:effectRef idx="0">
+            <a:schemeClr val="accent1"/>
+          </a:effectRef>
+          <a:fontRef idx="minor">
+            <a:schemeClr val="lt1"/>
+          </a:fontRef>
+        </p:style>
+        <p:txBody>
+          <a:bodyPr rtlCol="0" anchor="ctr"/>
+          <a:lstStyle/>
+          <a:p>
+            <a:pPr algn="ctr"/>
+            <a:endParaRPr lang="en-US"/>
+          </a:p>
+        </p:txBody>
+      </p:sp>
+      <p:sp>
+        <p:nvSpPr>
+          <p:cNvPr id="363" name="TextBox 362"/>
+          <p:cNvSpPr txBox="1"/>
+          <p:nvPr/>
+        </p:nvSpPr>
+        <p:spPr>
+          <a:xfrm>
+            <a:off x="9384117" y="6185496"/>
+            <a:ext cx="423627" cy="153888"/>
+          </a:xfrm>
+          <a:prstGeom prst="rect">
+            <a:avLst/>
+          </a:prstGeom>
+          <a:noFill/>
+        </p:spPr>
+        <p:txBody>
+          <a:bodyPr wrap="square" rtlCol="0">
+            <a:spAutoFit/>
+          </a:bodyPr>
+          <a:lstStyle/>
+          <a:p>
+            <a:r>
+              <a:rPr lang="en-US" sz="400" dirty="0" smtClean="0"/>
+              <a:t>Question 3</a:t>
+            </a:r>
+            <a:endParaRPr lang="en-US" sz="400" dirty="0"/>
+          </a:p>
+        </p:txBody>
+      </p:sp>
+      <p:sp>
+        <p:nvSpPr>
+          <p:cNvPr id="364" name="Rectangle 363"/>
+          <p:cNvSpPr/>
+          <p:nvPr/>
+        </p:nvSpPr>
+        <p:spPr>
+          <a:xfrm>
+            <a:off x="9430887" y="6212472"/>
+            <a:ext cx="365938" cy="95509"/>
+          </a:xfrm>
+          <a:prstGeom prst="rect">
+            <a:avLst/>
+          </a:prstGeom>
+          <a:noFill/>
+        </p:spPr>
+        <p:style>
+          <a:lnRef idx="2">
+            <a:schemeClr val="accent1">
+              <a:shade val="50000"/>
+            </a:schemeClr>
+          </a:lnRef>
+          <a:fillRef idx="1">
+            <a:schemeClr val="accent1"/>
+          </a:fillRef>
+          <a:effectRef idx="0">
+            <a:schemeClr val="accent1"/>
+          </a:effectRef>
+          <a:fontRef idx="minor">
+            <a:schemeClr val="lt1"/>
+          </a:fontRef>
+        </p:style>
+        <p:txBody>
+          <a:bodyPr rtlCol="0" anchor="ctr"/>
+          <a:lstStyle/>
+          <a:p>
+            <a:pPr algn="ctr"/>
+            <a:endParaRPr lang="en-US"/>
+          </a:p>
+        </p:txBody>
+      </p:sp>
+      <p:sp>
+        <p:nvSpPr>
+          <p:cNvPr id="366" name="TextBox 365"/>
+          <p:cNvSpPr txBox="1"/>
+          <p:nvPr/>
+        </p:nvSpPr>
+        <p:spPr>
+          <a:xfrm>
+            <a:off x="9384117" y="6320417"/>
+            <a:ext cx="423627" cy="153888"/>
+          </a:xfrm>
+          <a:prstGeom prst="rect">
+            <a:avLst/>
+          </a:prstGeom>
+          <a:noFill/>
+        </p:spPr>
+        <p:txBody>
+          <a:bodyPr wrap="square" rtlCol="0">
+            <a:spAutoFit/>
+          </a:bodyPr>
+          <a:lstStyle/>
+          <a:p>
+            <a:r>
+              <a:rPr lang="en-US" sz="400" dirty="0" smtClean="0"/>
+              <a:t>Question 4</a:t>
+            </a:r>
+            <a:endParaRPr lang="en-US" sz="400" dirty="0"/>
+          </a:p>
+        </p:txBody>
+      </p:sp>
+      <p:sp>
+        <p:nvSpPr>
+          <p:cNvPr id="367" name="Rectangle 366"/>
+          <p:cNvSpPr/>
+          <p:nvPr/>
+        </p:nvSpPr>
+        <p:spPr>
+          <a:xfrm>
+            <a:off x="9430887" y="6347393"/>
+            <a:ext cx="365938" cy="95509"/>
+          </a:xfrm>
+          <a:prstGeom prst="rect">
+            <a:avLst/>
+          </a:prstGeom>
+          <a:noFill/>
+        </p:spPr>
+        <p:style>
+          <a:lnRef idx="2">
+            <a:schemeClr val="accent1">
+              <a:shade val="50000"/>
+            </a:schemeClr>
+          </a:lnRef>
+          <a:fillRef idx="1">
+            <a:schemeClr val="accent1"/>
+          </a:fillRef>
+          <a:effectRef idx="0">
+            <a:schemeClr val="accent1"/>
+          </a:effectRef>
+          <a:fontRef idx="minor">
+            <a:schemeClr val="lt1"/>
+          </a:fontRef>
+        </p:style>
+        <p:txBody>
+          <a:bodyPr rtlCol="0" anchor="ctr"/>
+          <a:lstStyle/>
+          <a:p>
+            <a:pPr algn="ctr"/>
+            <a:endParaRPr lang="en-US"/>
+          </a:p>
+        </p:txBody>
+      </p:sp>
+      <p:sp>
+        <p:nvSpPr>
+          <p:cNvPr id="368" name="TextBox 367"/>
+          <p:cNvSpPr txBox="1"/>
+          <p:nvPr/>
+        </p:nvSpPr>
+        <p:spPr>
+          <a:xfrm>
+            <a:off x="8951587" y="5767056"/>
+            <a:ext cx="390339" cy="215444"/>
+          </a:xfrm>
+          <a:prstGeom prst="rect">
+            <a:avLst/>
+          </a:prstGeom>
+          <a:noFill/>
+        </p:spPr>
+        <p:txBody>
+          <a:bodyPr wrap="square" rtlCol="0">
+            <a:spAutoFit/>
+          </a:bodyPr>
+          <a:lstStyle/>
+          <a:p>
+            <a:r>
+              <a:rPr lang="en-US" sz="400" u="sng" dirty="0" smtClean="0"/>
+              <a:t>Answer Selected</a:t>
+            </a:r>
+            <a:endParaRPr lang="en-US" sz="400" u="sng" dirty="0"/>
+          </a:p>
+        </p:txBody>
+      </p:sp>
+      <p:sp>
+        <p:nvSpPr>
+          <p:cNvPr id="369" name="TextBox 368"/>
+          <p:cNvSpPr txBox="1"/>
+          <p:nvPr/>
+        </p:nvSpPr>
+        <p:spPr>
+          <a:xfrm>
+            <a:off x="9025923" y="5911438"/>
+            <a:ext cx="232676" cy="169277"/>
+          </a:xfrm>
+          <a:prstGeom prst="rect">
+            <a:avLst/>
+          </a:prstGeom>
+          <a:noFill/>
+        </p:spPr>
+        <p:txBody>
+          <a:bodyPr wrap="square" rtlCol="0">
+            <a:spAutoFit/>
+          </a:bodyPr>
+          <a:lstStyle/>
+          <a:p>
+            <a:r>
+              <a:rPr lang="en-US" sz="500" b="1" dirty="0"/>
+              <a:t>A</a:t>
+            </a:r>
+            <a:endParaRPr lang="en-US" sz="400" b="1" dirty="0" smtClean="0"/>
+          </a:p>
+        </p:txBody>
+      </p:sp>
+      <p:sp>
+        <p:nvSpPr>
+          <p:cNvPr id="370" name="TextBox 369"/>
+          <p:cNvSpPr txBox="1"/>
+          <p:nvPr/>
+        </p:nvSpPr>
+        <p:spPr>
+          <a:xfrm>
+            <a:off x="9026749" y="6039941"/>
+            <a:ext cx="232676" cy="169277"/>
+          </a:xfrm>
+          <a:prstGeom prst="rect">
+            <a:avLst/>
+          </a:prstGeom>
+          <a:noFill/>
+        </p:spPr>
+        <p:txBody>
+          <a:bodyPr wrap="square" rtlCol="0">
+            <a:spAutoFit/>
+          </a:bodyPr>
+          <a:lstStyle/>
+          <a:p>
+            <a:r>
+              <a:rPr lang="en-US" sz="500" b="1" dirty="0"/>
+              <a:t>A</a:t>
+            </a:r>
+            <a:endParaRPr lang="en-US" sz="400" b="1" dirty="0" smtClean="0"/>
+          </a:p>
+        </p:txBody>
+      </p:sp>
+      <p:sp>
+        <p:nvSpPr>
+          <p:cNvPr id="374" name="TextBox 373"/>
+          <p:cNvSpPr txBox="1"/>
+          <p:nvPr/>
+        </p:nvSpPr>
+        <p:spPr>
+          <a:xfrm>
+            <a:off x="9022836" y="6170107"/>
+            <a:ext cx="232676" cy="169277"/>
+          </a:xfrm>
+          <a:prstGeom prst="rect">
+            <a:avLst/>
+          </a:prstGeom>
+          <a:noFill/>
+        </p:spPr>
+        <p:txBody>
+          <a:bodyPr wrap="square" rtlCol="0">
+            <a:spAutoFit/>
+          </a:bodyPr>
+          <a:lstStyle/>
+          <a:p>
+            <a:r>
+              <a:rPr lang="en-US" sz="500" b="1" dirty="0" smtClean="0"/>
+              <a:t>D</a:t>
+            </a:r>
+            <a:endParaRPr lang="en-US" sz="400" b="1" dirty="0" smtClean="0"/>
+          </a:p>
+        </p:txBody>
+      </p:sp>
+      <p:sp>
+        <p:nvSpPr>
+          <p:cNvPr id="377" name="TextBox 376"/>
+          <p:cNvSpPr txBox="1"/>
+          <p:nvPr/>
+        </p:nvSpPr>
+        <p:spPr>
+          <a:xfrm>
+            <a:off x="9026749" y="6310713"/>
+            <a:ext cx="232676" cy="169277"/>
+          </a:xfrm>
+          <a:prstGeom prst="rect">
+            <a:avLst/>
+          </a:prstGeom>
+          <a:noFill/>
+        </p:spPr>
+        <p:txBody>
+          <a:bodyPr wrap="square" rtlCol="0">
+            <a:spAutoFit/>
+          </a:bodyPr>
+          <a:lstStyle/>
+          <a:p>
+            <a:r>
+              <a:rPr lang="en-US" sz="500" b="1" dirty="0" smtClean="0"/>
+              <a:t>B</a:t>
+            </a:r>
+            <a:endParaRPr lang="en-US" sz="400" b="1" dirty="0" smtClean="0"/>
+          </a:p>
+        </p:txBody>
+      </p:sp>
+      <p:sp>
+        <p:nvSpPr>
+          <p:cNvPr id="383" name="TextBox 382"/>
+          <p:cNvSpPr txBox="1"/>
+          <p:nvPr/>
+        </p:nvSpPr>
+        <p:spPr>
+          <a:xfrm>
+            <a:off x="9171213" y="5769934"/>
+            <a:ext cx="390339" cy="215444"/>
+          </a:xfrm>
+          <a:prstGeom prst="rect">
+            <a:avLst/>
+          </a:prstGeom>
+          <a:noFill/>
+        </p:spPr>
+        <p:txBody>
+          <a:bodyPr wrap="square" rtlCol="0">
+            <a:spAutoFit/>
+          </a:bodyPr>
+          <a:lstStyle/>
+          <a:p>
+            <a:r>
+              <a:rPr lang="en-US" sz="400" u="sng" dirty="0" smtClean="0"/>
+              <a:t>Correc</a:t>
+            </a:r>
+            <a:r>
+              <a:rPr lang="en-US" sz="400" u="sng" dirty="0" smtClean="0"/>
+              <a:t>t Answer</a:t>
+            </a:r>
+            <a:endParaRPr lang="en-US" sz="400" u="sng" dirty="0"/>
+          </a:p>
+        </p:txBody>
+      </p:sp>
+      <p:sp>
+        <p:nvSpPr>
+          <p:cNvPr id="384" name="TextBox 383"/>
+          <p:cNvSpPr txBox="1"/>
+          <p:nvPr/>
+        </p:nvSpPr>
+        <p:spPr>
+          <a:xfrm>
+            <a:off x="9232430" y="5909530"/>
+            <a:ext cx="232676" cy="169277"/>
+          </a:xfrm>
+          <a:prstGeom prst="rect">
+            <a:avLst/>
+          </a:prstGeom>
+          <a:noFill/>
+        </p:spPr>
+        <p:txBody>
+          <a:bodyPr wrap="square" rtlCol="0">
+            <a:spAutoFit/>
+          </a:bodyPr>
+          <a:lstStyle/>
+          <a:p>
+            <a:r>
+              <a:rPr lang="en-US" sz="500" b="1" dirty="0"/>
+              <a:t>A</a:t>
+            </a:r>
+            <a:endParaRPr lang="en-US" sz="400" b="1" dirty="0" smtClean="0"/>
+          </a:p>
+        </p:txBody>
+      </p:sp>
+      <p:sp>
+        <p:nvSpPr>
+          <p:cNvPr id="385" name="TextBox 384"/>
+          <p:cNvSpPr txBox="1"/>
+          <p:nvPr/>
+        </p:nvSpPr>
+        <p:spPr>
+          <a:xfrm>
+            <a:off x="9233256" y="6038033"/>
+            <a:ext cx="232676" cy="169277"/>
+          </a:xfrm>
+          <a:prstGeom prst="rect">
+            <a:avLst/>
+          </a:prstGeom>
+          <a:noFill/>
+        </p:spPr>
+        <p:txBody>
+          <a:bodyPr wrap="square" rtlCol="0">
+            <a:spAutoFit/>
+          </a:bodyPr>
+          <a:lstStyle/>
+          <a:p>
+            <a:r>
+              <a:rPr lang="en-US" sz="500" b="1" dirty="0"/>
+              <a:t>A</a:t>
+            </a:r>
+            <a:endParaRPr lang="en-US" sz="400" b="1" dirty="0" smtClean="0"/>
+          </a:p>
+        </p:txBody>
+      </p:sp>
+      <p:sp>
+        <p:nvSpPr>
+          <p:cNvPr id="386" name="TextBox 385"/>
+          <p:cNvSpPr txBox="1"/>
+          <p:nvPr/>
+        </p:nvSpPr>
+        <p:spPr>
+          <a:xfrm>
+            <a:off x="9232430" y="6173210"/>
+            <a:ext cx="232676" cy="169277"/>
+          </a:xfrm>
+          <a:prstGeom prst="rect">
+            <a:avLst/>
+          </a:prstGeom>
+          <a:noFill/>
+        </p:spPr>
+        <p:txBody>
+          <a:bodyPr wrap="square" rtlCol="0">
+            <a:spAutoFit/>
+          </a:bodyPr>
+          <a:lstStyle/>
+          <a:p>
+            <a:r>
+              <a:rPr lang="en-US" sz="500" b="1" dirty="0" smtClean="0"/>
+              <a:t>D</a:t>
+            </a:r>
+            <a:endParaRPr lang="en-US" sz="400" b="1" dirty="0" smtClean="0"/>
+          </a:p>
+        </p:txBody>
+      </p:sp>
+      <p:sp>
+        <p:nvSpPr>
+          <p:cNvPr id="387" name="TextBox 386"/>
+          <p:cNvSpPr txBox="1"/>
+          <p:nvPr/>
+        </p:nvSpPr>
+        <p:spPr>
+          <a:xfrm>
+            <a:off x="9233256" y="6308805"/>
+            <a:ext cx="232676" cy="169277"/>
+          </a:xfrm>
+          <a:prstGeom prst="rect">
+            <a:avLst/>
+          </a:prstGeom>
+          <a:noFill/>
+        </p:spPr>
+        <p:txBody>
+          <a:bodyPr wrap="square" rtlCol="0">
+            <a:spAutoFit/>
+          </a:bodyPr>
+          <a:lstStyle/>
+          <a:p>
+            <a:r>
+              <a:rPr lang="en-US" sz="500" b="1" dirty="0" smtClean="0"/>
+              <a:t>B</a:t>
+            </a:r>
+            <a:endParaRPr lang="en-US" sz="400" b="1" dirty="0" smtClean="0"/>
+          </a:p>
+        </p:txBody>
+      </p:sp>
+      <p:sp>
+        <p:nvSpPr>
+          <p:cNvPr id="411" name="TextBox 410"/>
+          <p:cNvSpPr txBox="1"/>
+          <p:nvPr/>
+        </p:nvSpPr>
+        <p:spPr>
+          <a:xfrm>
+            <a:off x="9034007" y="6564770"/>
+            <a:ext cx="777857" cy="169277"/>
+          </a:xfrm>
+          <a:prstGeom prst="rect">
+            <a:avLst/>
+          </a:prstGeom>
+        </p:spPr>
+        <p:style>
+          <a:lnRef idx="2">
+            <a:schemeClr val="accent1"/>
+          </a:lnRef>
+          <a:fillRef idx="1">
+            <a:schemeClr val="lt1"/>
+          </a:fillRef>
+          <a:effectRef idx="0">
+            <a:schemeClr val="accent1"/>
+          </a:effectRef>
+          <a:fontRef idx="minor">
+            <a:schemeClr val="dk1"/>
+          </a:fontRef>
+        </p:style>
+        <p:txBody>
+          <a:bodyPr wrap="square" rtlCol="0">
+            <a:spAutoFit/>
+          </a:bodyPr>
+          <a:lstStyle/>
+          <a:p>
+            <a:r>
+              <a:rPr lang="en-US" sz="500" dirty="0" smtClean="0"/>
+              <a:t>Return to </a:t>
+            </a:r>
+            <a:r>
+              <a:rPr lang="en-US" sz="500" dirty="0" smtClean="0"/>
+              <a:t>Quiz Details</a:t>
+            </a:r>
+            <a:endParaRPr lang="en-US" sz="500" dirty="0"/>
+          </a:p>
+        </p:txBody>
+      </p:sp>
+      <p:sp>
+        <p:nvSpPr>
+          <p:cNvPr id="412" name="TextBox 411"/>
+          <p:cNvSpPr txBox="1"/>
+          <p:nvPr/>
+        </p:nvSpPr>
+        <p:spPr>
+          <a:xfrm>
+            <a:off x="7434082" y="5228811"/>
+            <a:ext cx="737565" cy="169277"/>
+          </a:xfrm>
+          <a:prstGeom prst="rect">
+            <a:avLst/>
+          </a:prstGeom>
+        </p:spPr>
+        <p:style>
+          <a:lnRef idx="2">
+            <a:schemeClr val="accent1"/>
+          </a:lnRef>
+          <a:fillRef idx="1">
+            <a:schemeClr val="lt1"/>
+          </a:fillRef>
+          <a:effectRef idx="0">
+            <a:schemeClr val="accent1"/>
+          </a:effectRef>
+          <a:fontRef idx="minor">
+            <a:schemeClr val="dk1"/>
+          </a:fontRef>
+        </p:style>
+        <p:txBody>
+          <a:bodyPr wrap="square" rtlCol="0">
+            <a:spAutoFit/>
+          </a:bodyPr>
+          <a:lstStyle/>
+          <a:p>
+            <a:pPr algn="ctr"/>
+            <a:r>
+              <a:rPr lang="en-US" sz="500" dirty="0" smtClean="0"/>
+              <a:t>See Answer Key</a:t>
+            </a:r>
+            <a:endParaRPr lang="en-US" sz="500" dirty="0"/>
+          </a:p>
+        </p:txBody>
+      </p:sp>
+      <p:cxnSp>
+        <p:nvCxnSpPr>
+          <p:cNvPr id="70" name="Curved Connector 69"/>
+          <p:cNvCxnSpPr>
+            <a:stCxn id="349" idx="3"/>
+            <a:endCxn id="354" idx="3"/>
+          </p:cNvCxnSpPr>
+          <p:nvPr/>
+        </p:nvCxnSpPr>
+        <p:spPr>
+          <a:xfrm flipH="1">
+            <a:off x="9832010" y="5055788"/>
+            <a:ext cx="1622027" cy="1121007"/>
+          </a:xfrm>
+          <a:prstGeom prst="curvedConnector3">
+            <a:avLst>
+              <a:gd name="adj1" fmla="val -19382"/>
+            </a:avLst>
+          </a:prstGeom>
+          <a:ln>
+            <a:tailEnd type="triangle"/>
+          </a:ln>
+        </p:spPr>
+        <p:style>
+          <a:lnRef idx="1">
+            <a:schemeClr val="accent1"/>
+          </a:lnRef>
+          <a:fillRef idx="0">
+            <a:schemeClr val="accent1"/>
+          </a:fillRef>
+          <a:effectRef idx="0">
+            <a:schemeClr val="accent1"/>
+          </a:effectRef>
+          <a:fontRef idx="minor">
+            <a:schemeClr val="tx1"/>
+          </a:fontRef>
+        </p:style>
+      </p:cxnSp>
+      <p:cxnSp>
+        <p:nvCxnSpPr>
+          <p:cNvPr id="75" name="Curved Connector 74"/>
+          <p:cNvCxnSpPr>
+            <a:stCxn id="412" idx="3"/>
+            <a:endCxn id="354" idx="1"/>
+          </p:cNvCxnSpPr>
+          <p:nvPr/>
+        </p:nvCxnSpPr>
+        <p:spPr>
+          <a:xfrm>
+            <a:off x="8171647" y="5313450"/>
+            <a:ext cx="842215" cy="863345"/>
+          </a:xfrm>
+          <a:prstGeom prst="curvedConnector3">
+            <a:avLst>
+              <a:gd name="adj1" fmla="val 33036"/>
+            </a:avLst>
+          </a:prstGeom>
+          <a:ln>
+            <a:tailEnd type="triangle"/>
+          </a:ln>
+        </p:spPr>
+        <p:style>
+          <a:lnRef idx="1">
+            <a:schemeClr val="accent1"/>
+          </a:lnRef>
+          <a:fillRef idx="0">
+            <a:schemeClr val="accent1"/>
+          </a:fillRef>
+          <a:effectRef idx="0">
+            <a:schemeClr val="accent1"/>
+          </a:effectRef>
+          <a:fontRef idx="minor">
+            <a:schemeClr val="tx1"/>
+          </a:fontRef>
+        </p:style>
+      </p:cxnSp>
+      <p:cxnSp>
+        <p:nvCxnSpPr>
+          <p:cNvPr id="80" name="Curved Connector 79"/>
+          <p:cNvCxnSpPr>
+            <a:stCxn id="411" idx="1"/>
+            <a:endCxn id="371" idx="2"/>
+          </p:cNvCxnSpPr>
+          <p:nvPr/>
+        </p:nvCxnSpPr>
+        <p:spPr>
+          <a:xfrm rot="10800000">
+            <a:off x="7801445" y="5461923"/>
+            <a:ext cx="1232562" cy="1187487"/>
+          </a:xfrm>
+          <a:prstGeom prst="curvedConnector2">
+            <a:avLst/>
+          </a:prstGeom>
+          <a:ln>
+            <a:tailEnd type="triangle"/>
+          </a:ln>
+        </p:spPr>
+        <p:style>
+          <a:lnRef idx="1">
+            <a:schemeClr val="accent1"/>
+          </a:lnRef>
+          <a:fillRef idx="0">
+            <a:schemeClr val="accent1"/>
+          </a:fillRef>
+          <a:effectRef idx="0">
+            <a:schemeClr val="accent1"/>
+          </a:effectRef>
+          <a:fontRef idx="minor">
+            <a:schemeClr val="tx1"/>
+          </a:fontRef>
+        </p:style>
+      </p:cxnSp>
+      <p:sp>
+        <p:nvSpPr>
+          <p:cNvPr id="413" name="Rectangle 412"/>
+          <p:cNvSpPr/>
+          <p:nvPr/>
+        </p:nvSpPr>
+        <p:spPr>
+          <a:xfrm>
+            <a:off x="4751476" y="5334280"/>
+            <a:ext cx="307225" cy="76944"/>
+          </a:xfrm>
+          <a:prstGeom prst="rect">
+            <a:avLst/>
+          </a:prstGeom>
+          <a:noFill/>
+          <a:ln w="3175"/>
+        </p:spPr>
+        <p:style>
+          <a:lnRef idx="2">
+            <a:schemeClr val="accent1">
+              <a:shade val="50000"/>
+            </a:schemeClr>
+          </a:lnRef>
+          <a:fillRef idx="1">
+            <a:schemeClr val="accent1"/>
+          </a:fillRef>
+          <a:effectRef idx="0">
+            <a:schemeClr val="accent1"/>
+          </a:effectRef>
+          <a:fontRef idx="minor">
+            <a:schemeClr val="lt1"/>
+          </a:fontRef>
+        </p:style>
+        <p:txBody>
+          <a:bodyPr rtlCol="0" anchor="ctr"/>
+          <a:lstStyle/>
+          <a:p>
+            <a:pPr algn="ctr"/>
+            <a:endParaRPr lang="en-US"/>
+          </a:p>
+        </p:txBody>
+      </p:sp>
+      <p:sp>
+        <p:nvSpPr>
+          <p:cNvPr id="414" name="Oval 413"/>
+          <p:cNvSpPr/>
+          <p:nvPr/>
+        </p:nvSpPr>
+        <p:spPr>
+          <a:xfrm>
+            <a:off x="4676132" y="5353009"/>
+            <a:ext cx="45719" cy="45719"/>
+          </a:xfrm>
+          <a:prstGeom prst="ellipse">
+            <a:avLst/>
+          </a:prstGeom>
+          <a:noFill/>
+          <a:ln w="6350"/>
+        </p:spPr>
+        <p:style>
+          <a:lnRef idx="2">
+            <a:schemeClr val="accent1">
+              <a:shade val="50000"/>
+            </a:schemeClr>
+          </a:lnRef>
+          <a:fillRef idx="1">
+            <a:schemeClr val="accent1"/>
+          </a:fillRef>
+          <a:effectRef idx="0">
+            <a:schemeClr val="accent1"/>
+          </a:effectRef>
+          <a:fontRef idx="minor">
+            <a:schemeClr val="lt1"/>
+          </a:fontRef>
+        </p:style>
+        <p:txBody>
+          <a:bodyPr rtlCol="0" anchor="ctr"/>
+          <a:lstStyle/>
+          <a:p>
+            <a:pPr algn="ctr"/>
+            <a:endParaRPr lang="en-US"/>
+          </a:p>
+        </p:txBody>
+      </p:sp>
+      <p:sp>
+        <p:nvSpPr>
+          <p:cNvPr id="415" name="TextBox 414"/>
+          <p:cNvSpPr txBox="1"/>
+          <p:nvPr/>
+        </p:nvSpPr>
+        <p:spPr>
+          <a:xfrm>
+            <a:off x="4659927" y="5185798"/>
+            <a:ext cx="445956" cy="153888"/>
+          </a:xfrm>
+          <a:prstGeom prst="rect">
+            <a:avLst/>
+          </a:prstGeom>
+          <a:noFill/>
+        </p:spPr>
+        <p:txBody>
+          <a:bodyPr wrap="none" rtlCol="0">
+            <a:spAutoFit/>
+          </a:bodyPr>
+          <a:lstStyle/>
+          <a:p>
+            <a:r>
+              <a:rPr lang="en-US" sz="400" dirty="0" smtClean="0"/>
+              <a:t>Immediately</a:t>
+            </a:r>
+            <a:endParaRPr lang="en-US" sz="400" dirty="0"/>
+          </a:p>
+        </p:txBody>
+      </p:sp>
+      <p:sp>
+        <p:nvSpPr>
+          <p:cNvPr id="416" name="TextBox 415"/>
+          <p:cNvSpPr txBox="1"/>
+          <p:nvPr/>
+        </p:nvSpPr>
+        <p:spPr>
+          <a:xfrm>
+            <a:off x="4683504" y="5295808"/>
+            <a:ext cx="409086" cy="153888"/>
+          </a:xfrm>
+          <a:prstGeom prst="rect">
+            <a:avLst/>
+          </a:prstGeom>
+          <a:noFill/>
+        </p:spPr>
+        <p:txBody>
+          <a:bodyPr wrap="none" rtlCol="0">
+            <a:spAutoFit/>
+          </a:bodyPr>
+          <a:lstStyle/>
+          <a:p>
+            <a:r>
+              <a:rPr lang="en-US" sz="400" dirty="0" smtClean="0"/>
+              <a:t>Enter Date</a:t>
+            </a:r>
+            <a:endParaRPr lang="en-US" sz="400" dirty="0"/>
+          </a:p>
+        </p:txBody>
+      </p:sp>
+      <p:sp>
+        <p:nvSpPr>
+          <p:cNvPr id="417" name="Oval 416"/>
+          <p:cNvSpPr/>
+          <p:nvPr/>
+        </p:nvSpPr>
+        <p:spPr>
+          <a:xfrm>
+            <a:off x="4676132" y="5243427"/>
+            <a:ext cx="45719" cy="45719"/>
+          </a:xfrm>
+          <a:prstGeom prst="ellipse">
+            <a:avLst/>
+          </a:prstGeom>
+          <a:noFill/>
+          <a:ln w="6350"/>
+        </p:spPr>
+        <p:style>
+          <a:lnRef idx="2">
+            <a:schemeClr val="accent1">
+              <a:shade val="50000"/>
+            </a:schemeClr>
+          </a:lnRef>
+          <a:fillRef idx="1">
+            <a:schemeClr val="accent1"/>
+          </a:fillRef>
+          <a:effectRef idx="0">
+            <a:schemeClr val="accent1"/>
+          </a:effectRef>
+          <a:fontRef idx="minor">
+            <a:schemeClr val="lt1"/>
+          </a:fontRef>
+        </p:style>
+        <p:txBody>
+          <a:bodyPr rtlCol="0" anchor="ctr"/>
+          <a:lstStyle/>
+          <a:p>
+            <a:pPr algn="ctr"/>
+            <a:endParaRPr lang="en-US"/>
+          </a:p>
+        </p:txBody>
+      </p:sp>
+      <p:sp>
+        <p:nvSpPr>
+          <p:cNvPr id="423" name="TextBox 422"/>
+          <p:cNvSpPr txBox="1"/>
+          <p:nvPr/>
+        </p:nvSpPr>
+        <p:spPr>
+          <a:xfrm>
+            <a:off x="4484255" y="5484275"/>
+            <a:ext cx="549103" cy="153888"/>
+          </a:xfrm>
+          <a:prstGeom prst="rect">
+            <a:avLst/>
+          </a:prstGeom>
+          <a:noFill/>
+        </p:spPr>
+        <p:txBody>
+          <a:bodyPr wrap="square" rtlCol="0">
+            <a:spAutoFit/>
+          </a:bodyPr>
+          <a:lstStyle/>
+          <a:p>
+            <a:r>
+              <a:rPr lang="en-US" sz="400" dirty="0" smtClean="0"/>
+              <a:t>Add Questions</a:t>
+            </a:r>
+            <a:endParaRPr lang="en-US" sz="400" dirty="0"/>
+          </a:p>
+        </p:txBody>
+      </p:sp>
+      <p:sp>
+        <p:nvSpPr>
+          <p:cNvPr id="424" name="Rectangle 423"/>
+          <p:cNvSpPr/>
+          <p:nvPr/>
+        </p:nvSpPr>
+        <p:spPr>
+          <a:xfrm>
+            <a:off x="4553995" y="5509556"/>
+            <a:ext cx="365938" cy="95509"/>
+          </a:xfrm>
+          <a:prstGeom prst="rect">
+            <a:avLst/>
+          </a:prstGeom>
+          <a:noFill/>
+        </p:spPr>
+        <p:style>
+          <a:lnRef idx="2">
+            <a:schemeClr val="accent1">
+              <a:shade val="50000"/>
+            </a:schemeClr>
+          </a:lnRef>
+          <a:fillRef idx="1">
+            <a:schemeClr val="accent1"/>
+          </a:fillRef>
+          <a:effectRef idx="0">
+            <a:schemeClr val="accent1"/>
+          </a:effectRef>
+          <a:fontRef idx="minor">
+            <a:schemeClr val="lt1"/>
+          </a:fontRef>
+        </p:style>
+        <p:txBody>
+          <a:bodyPr rtlCol="0" anchor="ctr"/>
+          <a:lstStyle/>
+          <a:p>
+            <a:pPr algn="ctr"/>
+            <a:endParaRPr lang="en-US"/>
+          </a:p>
+        </p:txBody>
+      </p:sp>
+      <p:sp>
+        <p:nvSpPr>
+          <p:cNvPr id="425" name="TextBox 424"/>
+          <p:cNvSpPr txBox="1"/>
+          <p:nvPr/>
+        </p:nvSpPr>
+        <p:spPr>
+          <a:xfrm>
+            <a:off x="4252449" y="5184128"/>
+            <a:ext cx="505267" cy="153888"/>
+          </a:xfrm>
+          <a:prstGeom prst="rect">
+            <a:avLst/>
+          </a:prstGeom>
+          <a:noFill/>
+        </p:spPr>
+        <p:txBody>
+          <a:bodyPr wrap="none" rtlCol="0">
+            <a:spAutoFit/>
+          </a:bodyPr>
+          <a:lstStyle/>
+          <a:p>
+            <a:r>
+              <a:rPr lang="en-US" sz="400" dirty="0" smtClean="0"/>
+              <a:t>Show Answers:</a:t>
+            </a:r>
+            <a:endParaRPr lang="en-US" sz="400" dirty="0"/>
+          </a:p>
+        </p:txBody>
+      </p:sp>
+      <p:sp>
+        <p:nvSpPr>
+          <p:cNvPr id="429" name="Rectangle 428"/>
+          <p:cNvSpPr/>
+          <p:nvPr/>
+        </p:nvSpPr>
+        <p:spPr>
+          <a:xfrm>
+            <a:off x="2865510" y="3767675"/>
+            <a:ext cx="307225" cy="76944"/>
+          </a:xfrm>
+          <a:prstGeom prst="rect">
+            <a:avLst/>
+          </a:prstGeom>
+          <a:noFill/>
+          <a:ln w="3175"/>
+        </p:spPr>
+        <p:style>
+          <a:lnRef idx="2">
+            <a:schemeClr val="accent1">
+              <a:shade val="50000"/>
+            </a:schemeClr>
+          </a:lnRef>
+          <a:fillRef idx="1">
+            <a:schemeClr val="accent1"/>
+          </a:fillRef>
+          <a:effectRef idx="0">
+            <a:schemeClr val="accent1"/>
+          </a:effectRef>
+          <a:fontRef idx="minor">
+            <a:schemeClr val="lt1"/>
+          </a:fontRef>
+        </p:style>
+        <p:txBody>
+          <a:bodyPr rtlCol="0" anchor="ctr"/>
+          <a:lstStyle/>
+          <a:p>
+            <a:pPr algn="ctr"/>
+            <a:endParaRPr lang="en-US"/>
+          </a:p>
+        </p:txBody>
+      </p:sp>
+      <p:sp>
+        <p:nvSpPr>
+          <p:cNvPr id="430" name="Oval 429"/>
+          <p:cNvSpPr/>
+          <p:nvPr/>
+        </p:nvSpPr>
+        <p:spPr>
+          <a:xfrm>
+            <a:off x="2790166" y="3786404"/>
+            <a:ext cx="45719" cy="45719"/>
+          </a:xfrm>
+          <a:prstGeom prst="ellipse">
+            <a:avLst/>
+          </a:prstGeom>
+          <a:noFill/>
+          <a:ln w="6350"/>
+        </p:spPr>
+        <p:style>
+          <a:lnRef idx="2">
+            <a:schemeClr val="accent1">
+              <a:shade val="50000"/>
+            </a:schemeClr>
+          </a:lnRef>
+          <a:fillRef idx="1">
+            <a:schemeClr val="accent1"/>
+          </a:fillRef>
+          <a:effectRef idx="0">
+            <a:schemeClr val="accent1"/>
+          </a:effectRef>
+          <a:fontRef idx="minor">
+            <a:schemeClr val="lt1"/>
+          </a:fontRef>
+        </p:style>
+        <p:txBody>
+          <a:bodyPr rtlCol="0" anchor="ctr"/>
+          <a:lstStyle/>
+          <a:p>
+            <a:pPr algn="ctr"/>
+            <a:endParaRPr lang="en-US"/>
+          </a:p>
+        </p:txBody>
+      </p:sp>
+      <p:sp>
+        <p:nvSpPr>
+          <p:cNvPr id="454" name="TextBox 453"/>
+          <p:cNvSpPr txBox="1"/>
+          <p:nvPr/>
+        </p:nvSpPr>
+        <p:spPr>
+          <a:xfrm>
+            <a:off x="2773961" y="3619193"/>
+            <a:ext cx="445956" cy="153888"/>
+          </a:xfrm>
+          <a:prstGeom prst="rect">
+            <a:avLst/>
+          </a:prstGeom>
+          <a:noFill/>
+        </p:spPr>
+        <p:txBody>
+          <a:bodyPr wrap="none" rtlCol="0">
+            <a:spAutoFit/>
+          </a:bodyPr>
+          <a:lstStyle/>
+          <a:p>
+            <a:r>
+              <a:rPr lang="en-US" sz="400" dirty="0" smtClean="0"/>
+              <a:t>Immediately</a:t>
+            </a:r>
+            <a:endParaRPr lang="en-US" sz="400" dirty="0"/>
+          </a:p>
+        </p:txBody>
+      </p:sp>
+      <p:sp>
+        <p:nvSpPr>
+          <p:cNvPr id="456" name="TextBox 455"/>
+          <p:cNvSpPr txBox="1"/>
+          <p:nvPr/>
+        </p:nvSpPr>
+        <p:spPr>
+          <a:xfrm>
+            <a:off x="2797538" y="3729203"/>
+            <a:ext cx="409086" cy="153888"/>
+          </a:xfrm>
+          <a:prstGeom prst="rect">
+            <a:avLst/>
+          </a:prstGeom>
+          <a:noFill/>
+        </p:spPr>
+        <p:txBody>
+          <a:bodyPr wrap="none" rtlCol="0">
+            <a:spAutoFit/>
+          </a:bodyPr>
+          <a:lstStyle/>
+          <a:p>
+            <a:r>
+              <a:rPr lang="en-US" sz="400" dirty="0" smtClean="0"/>
+              <a:t>Enter Date</a:t>
+            </a:r>
+            <a:endParaRPr lang="en-US" sz="400" dirty="0"/>
+          </a:p>
+        </p:txBody>
+      </p:sp>
+      <p:sp>
+        <p:nvSpPr>
+          <p:cNvPr id="457" name="Oval 456"/>
+          <p:cNvSpPr/>
+          <p:nvPr/>
+        </p:nvSpPr>
+        <p:spPr>
+          <a:xfrm>
+            <a:off x="2790166" y="3676822"/>
+            <a:ext cx="45719" cy="45719"/>
+          </a:xfrm>
+          <a:prstGeom prst="ellipse">
+            <a:avLst/>
+          </a:prstGeom>
+          <a:noFill/>
+          <a:ln w="6350"/>
+        </p:spPr>
+        <p:style>
+          <a:lnRef idx="2">
+            <a:schemeClr val="accent1">
+              <a:shade val="50000"/>
+            </a:schemeClr>
+          </a:lnRef>
+          <a:fillRef idx="1">
+            <a:schemeClr val="accent1"/>
+          </a:fillRef>
+          <a:effectRef idx="0">
+            <a:schemeClr val="accent1"/>
+          </a:effectRef>
+          <a:fontRef idx="minor">
+            <a:schemeClr val="lt1"/>
+          </a:fontRef>
+        </p:style>
+        <p:txBody>
+          <a:bodyPr rtlCol="0" anchor="ctr"/>
+          <a:lstStyle/>
+          <a:p>
+            <a:pPr algn="ctr"/>
+            <a:endParaRPr lang="en-US"/>
+          </a:p>
+        </p:txBody>
+      </p:sp>
+      <p:sp>
+        <p:nvSpPr>
+          <p:cNvPr id="458" name="TextBox 457"/>
+          <p:cNvSpPr txBox="1"/>
+          <p:nvPr/>
+        </p:nvSpPr>
+        <p:spPr>
+          <a:xfrm>
+            <a:off x="2366483" y="3617523"/>
+            <a:ext cx="505267" cy="153888"/>
+          </a:xfrm>
+          <a:prstGeom prst="rect">
+            <a:avLst/>
+          </a:prstGeom>
+          <a:noFill/>
+        </p:spPr>
+        <p:txBody>
+          <a:bodyPr wrap="none" rtlCol="0">
+            <a:spAutoFit/>
+          </a:bodyPr>
+          <a:lstStyle/>
+          <a:p>
+            <a:r>
+              <a:rPr lang="en-US" sz="400" dirty="0" smtClean="0"/>
+              <a:t>Show Answers:</a:t>
+            </a:r>
+            <a:endParaRPr lang="en-US" sz="400" dirty="0"/>
+          </a:p>
+        </p:txBody>
+      </p:sp>
+      <p:sp>
+        <p:nvSpPr>
+          <p:cNvPr id="459" name="TextBox 458"/>
+          <p:cNvSpPr txBox="1"/>
+          <p:nvPr/>
+        </p:nvSpPr>
+        <p:spPr>
+          <a:xfrm>
+            <a:off x="3338407" y="5354706"/>
+            <a:ext cx="631904" cy="153888"/>
+          </a:xfrm>
+          <a:prstGeom prst="rect">
+            <a:avLst/>
+          </a:prstGeom>
+          <a:noFill/>
+        </p:spPr>
+        <p:txBody>
+          <a:bodyPr wrap="none" rtlCol="0">
+            <a:spAutoFit/>
+          </a:bodyPr>
+          <a:lstStyle/>
+          <a:p>
+            <a:r>
+              <a:rPr lang="en-US" sz="400" dirty="0" smtClean="0"/>
+              <a:t>Add/Remove Choices</a:t>
+            </a:r>
+            <a:endParaRPr lang="en-US" sz="400" dirty="0"/>
+          </a:p>
+        </p:txBody>
+      </p:sp>
+      <p:sp>
+        <p:nvSpPr>
+          <p:cNvPr id="120" name="Plus 119"/>
+          <p:cNvSpPr/>
+          <p:nvPr/>
+        </p:nvSpPr>
+        <p:spPr>
+          <a:xfrm>
+            <a:off x="3879609" y="5403883"/>
+            <a:ext cx="52903" cy="55533"/>
+          </a:xfrm>
+          <a:prstGeom prst="mathPlus">
+            <a:avLst/>
+          </a:prstGeom>
+          <a:noFill/>
+          <a:ln w="6350"/>
+        </p:spPr>
+        <p:style>
+          <a:lnRef idx="2">
+            <a:schemeClr val="accent1">
+              <a:shade val="50000"/>
+            </a:schemeClr>
+          </a:lnRef>
+          <a:fillRef idx="1">
+            <a:schemeClr val="accent1"/>
+          </a:fillRef>
+          <a:effectRef idx="0">
+            <a:schemeClr val="accent1"/>
+          </a:effectRef>
+          <a:fontRef idx="minor">
+            <a:schemeClr val="lt1"/>
+          </a:fontRef>
+        </p:style>
+        <p:txBody>
+          <a:bodyPr rtlCol="0" anchor="ctr"/>
+          <a:lstStyle/>
+          <a:p>
+            <a:pPr algn="ctr"/>
+            <a:endParaRPr lang="en-US"/>
+          </a:p>
+        </p:txBody>
+      </p:sp>
+      <p:sp>
+        <p:nvSpPr>
+          <p:cNvPr id="122" name="Minus 121"/>
+          <p:cNvSpPr/>
+          <p:nvPr/>
+        </p:nvSpPr>
+        <p:spPr>
+          <a:xfrm>
+            <a:off x="3355940" y="5412377"/>
+            <a:ext cx="57040" cy="45719"/>
+          </a:xfrm>
+          <a:prstGeom prst="mathMinus">
+            <a:avLst/>
+          </a:prstGeom>
+          <a:noFill/>
+          <a:ln w="6350"/>
+        </p:spPr>
+        <p:style>
+          <a:lnRef idx="2">
+            <a:schemeClr val="accent1">
+              <a:shade val="50000"/>
+            </a:schemeClr>
+          </a:lnRef>
+          <a:fillRef idx="1">
+            <a:schemeClr val="accent1"/>
+          </a:fillRef>
+          <a:effectRef idx="0">
+            <a:schemeClr val="accent1"/>
+          </a:effectRef>
+          <a:fontRef idx="minor">
+            <a:schemeClr val="lt1"/>
+          </a:fontRef>
+        </p:style>
+        <p:txBody>
+          <a:bodyPr rtlCol="0" anchor="ctr"/>
+          <a:lstStyle/>
+          <a:p>
+            <a:pPr algn="ctr"/>
+            <a:endParaRPr lang="en-US"/>
+          </a:p>
+        </p:txBody>
+      </p:sp>
+      <p:sp>
+        <p:nvSpPr>
+          <p:cNvPr id="460" name="TextBox 459"/>
+          <p:cNvSpPr txBox="1"/>
+          <p:nvPr/>
+        </p:nvSpPr>
+        <p:spPr>
+          <a:xfrm>
+            <a:off x="1502956" y="3793952"/>
+            <a:ext cx="631904" cy="153888"/>
+          </a:xfrm>
+          <a:prstGeom prst="rect">
+            <a:avLst/>
+          </a:prstGeom>
+          <a:noFill/>
+        </p:spPr>
+        <p:txBody>
+          <a:bodyPr wrap="none" rtlCol="0">
+            <a:spAutoFit/>
+          </a:bodyPr>
+          <a:lstStyle/>
+          <a:p>
+            <a:r>
+              <a:rPr lang="en-US" sz="400" dirty="0" smtClean="0"/>
+              <a:t>Add/Remove Choices</a:t>
+            </a:r>
+            <a:endParaRPr lang="en-US" sz="400" dirty="0"/>
+          </a:p>
+        </p:txBody>
+      </p:sp>
+      <p:sp>
+        <p:nvSpPr>
+          <p:cNvPr id="461" name="Plus 460"/>
+          <p:cNvSpPr/>
+          <p:nvPr/>
+        </p:nvSpPr>
+        <p:spPr>
+          <a:xfrm>
+            <a:off x="2044158" y="3843129"/>
+            <a:ext cx="52903" cy="55533"/>
+          </a:xfrm>
+          <a:prstGeom prst="mathPlus">
+            <a:avLst/>
+          </a:prstGeom>
+          <a:noFill/>
+          <a:ln w="6350"/>
+        </p:spPr>
+        <p:style>
+          <a:lnRef idx="2">
+            <a:schemeClr val="accent1">
+              <a:shade val="50000"/>
+            </a:schemeClr>
+          </a:lnRef>
+          <a:fillRef idx="1">
+            <a:schemeClr val="accent1"/>
+          </a:fillRef>
+          <a:effectRef idx="0">
+            <a:schemeClr val="accent1"/>
+          </a:effectRef>
+          <a:fontRef idx="minor">
+            <a:schemeClr val="lt1"/>
+          </a:fontRef>
+        </p:style>
+        <p:txBody>
+          <a:bodyPr rtlCol="0" anchor="ctr"/>
+          <a:lstStyle/>
+          <a:p>
+            <a:pPr algn="ctr"/>
+            <a:endParaRPr lang="en-US"/>
+          </a:p>
+        </p:txBody>
+      </p:sp>
+      <p:sp>
+        <p:nvSpPr>
+          <p:cNvPr id="462" name="Minus 461"/>
+          <p:cNvSpPr/>
+          <p:nvPr/>
+        </p:nvSpPr>
+        <p:spPr>
+          <a:xfrm>
+            <a:off x="1520489" y="3851623"/>
+            <a:ext cx="57040" cy="45719"/>
+          </a:xfrm>
+          <a:prstGeom prst="mathMinus">
+            <a:avLst/>
+          </a:prstGeom>
+          <a:noFill/>
+          <a:ln w="6350"/>
+        </p:spPr>
+        <p:style>
+          <a:lnRef idx="2">
+            <a:schemeClr val="accent1">
+              <a:shade val="50000"/>
+            </a:schemeClr>
+          </a:lnRef>
+          <a:fillRef idx="1">
+            <a:schemeClr val="accent1"/>
+          </a:fillRef>
+          <a:effectRef idx="0">
+            <a:schemeClr val="accent1"/>
+          </a:effectRef>
+          <a:fontRef idx="minor">
+            <a:schemeClr val="lt1"/>
+          </a:fontRef>
+        </p:style>
+        <p:txBody>
+          <a:bodyPr rtlCol="0" anchor="ctr"/>
+          <a:lstStyle/>
+          <a:p>
+            <a:pPr algn="ctr"/>
+            <a:endParaRPr lang="en-US"/>
+          </a:p>
+        </p:txBody>
+      </p:sp>
+      <p:sp>
+        <p:nvSpPr>
+          <p:cNvPr id="464" name="TextBox 463"/>
+          <p:cNvSpPr txBox="1"/>
+          <p:nvPr/>
+        </p:nvSpPr>
+        <p:spPr>
+          <a:xfrm>
+            <a:off x="3550174" y="3600574"/>
+            <a:ext cx="496173" cy="164660"/>
+          </a:xfrm>
+          <a:prstGeom prst="rect">
+            <a:avLst/>
+          </a:prstGeom>
+        </p:spPr>
+        <p:style>
+          <a:lnRef idx="2">
+            <a:schemeClr val="accent1"/>
+          </a:lnRef>
+          <a:fillRef idx="1">
+            <a:schemeClr val="lt1"/>
+          </a:fillRef>
+          <a:effectRef idx="0">
+            <a:schemeClr val="accent1"/>
+          </a:effectRef>
+          <a:fontRef idx="minor">
+            <a:schemeClr val="dk1"/>
+          </a:fontRef>
+        </p:style>
+        <p:txBody>
+          <a:bodyPr wrap="square" rtlCol="0">
+            <a:spAutoFit/>
+          </a:bodyPr>
+          <a:lstStyle/>
+          <a:p>
+            <a:r>
+              <a:rPr lang="en-US" sz="470" dirty="0" smtClean="0"/>
+              <a:t>View Grades</a:t>
+            </a:r>
+            <a:endParaRPr lang="en-US" sz="470" dirty="0"/>
+          </a:p>
+        </p:txBody>
+      </p:sp>
+      <p:sp>
+        <p:nvSpPr>
+          <p:cNvPr id="466" name="Rectangle 465"/>
+          <p:cNvSpPr/>
+          <p:nvPr/>
+        </p:nvSpPr>
+        <p:spPr>
+          <a:xfrm>
+            <a:off x="2398182" y="1542114"/>
+            <a:ext cx="818148" cy="1195137"/>
+          </a:xfrm>
+          <a:prstGeom prst="rect">
+            <a:avLst/>
+          </a:prstGeom>
+          <a:solidFill>
+            <a:schemeClr val="bg1"/>
+          </a:solidFill>
+        </p:spPr>
+        <p:style>
+          <a:lnRef idx="2">
+            <a:schemeClr val="accent1">
+              <a:shade val="50000"/>
+            </a:schemeClr>
+          </a:lnRef>
+          <a:fillRef idx="1">
+            <a:schemeClr val="accent1"/>
+          </a:fillRef>
+          <a:effectRef idx="0">
+            <a:schemeClr val="accent1"/>
+          </a:effectRef>
+          <a:fontRef idx="minor">
+            <a:schemeClr val="lt1"/>
+          </a:fontRef>
+        </p:style>
+        <p:txBody>
+          <a:bodyPr rtlCol="0" anchor="ctr"/>
+          <a:lstStyle/>
+          <a:p>
+            <a:pPr algn="ctr"/>
+            <a:endParaRPr lang="en-US" dirty="0"/>
+          </a:p>
+        </p:txBody>
+      </p:sp>
+      <p:sp>
+        <p:nvSpPr>
+          <p:cNvPr id="468" name="TextBox 467"/>
+          <p:cNvSpPr txBox="1"/>
+          <p:nvPr/>
+        </p:nvSpPr>
+        <p:spPr>
+          <a:xfrm>
+            <a:off x="2520174" y="1542425"/>
+            <a:ext cx="631421" cy="169277"/>
+          </a:xfrm>
+          <a:prstGeom prst="rect">
+            <a:avLst/>
+          </a:prstGeom>
+          <a:noFill/>
+        </p:spPr>
+        <p:txBody>
+          <a:bodyPr wrap="square" rtlCol="0">
+            <a:spAutoFit/>
+          </a:bodyPr>
+          <a:lstStyle/>
+          <a:p>
+            <a:r>
+              <a:rPr lang="en-US" sz="500" dirty="0" smtClean="0"/>
+              <a:t>Student Grades</a:t>
+            </a:r>
+            <a:endParaRPr lang="en-US" sz="500" dirty="0"/>
+          </a:p>
+        </p:txBody>
+      </p:sp>
+      <p:cxnSp>
+        <p:nvCxnSpPr>
+          <p:cNvPr id="470" name="Straight Connector 469"/>
+          <p:cNvCxnSpPr/>
+          <p:nvPr/>
+        </p:nvCxnSpPr>
+        <p:spPr>
+          <a:xfrm>
+            <a:off x="2402178" y="1692206"/>
+            <a:ext cx="818148" cy="0"/>
+          </a:xfrm>
+          <a:prstGeom prst="line">
+            <a:avLst/>
+          </a:prstGeom>
+        </p:spPr>
+        <p:style>
+          <a:lnRef idx="1">
+            <a:schemeClr val="accent1"/>
+          </a:lnRef>
+          <a:fillRef idx="0">
+            <a:schemeClr val="accent1"/>
+          </a:fillRef>
+          <a:effectRef idx="0">
+            <a:schemeClr val="accent1"/>
+          </a:effectRef>
+          <a:fontRef idx="minor">
+            <a:schemeClr val="tx1"/>
+          </a:fontRef>
+        </p:style>
+      </p:cxnSp>
+      <p:sp>
+        <p:nvSpPr>
+          <p:cNvPr id="471" name="TextBox 470"/>
+          <p:cNvSpPr txBox="1"/>
+          <p:nvPr/>
+        </p:nvSpPr>
+        <p:spPr>
+          <a:xfrm>
+            <a:off x="2394232" y="1873493"/>
+            <a:ext cx="423627" cy="153888"/>
+          </a:xfrm>
+          <a:prstGeom prst="rect">
+            <a:avLst/>
+          </a:prstGeom>
+          <a:noFill/>
+        </p:spPr>
+        <p:txBody>
+          <a:bodyPr wrap="square" rtlCol="0">
+            <a:spAutoFit/>
+          </a:bodyPr>
+          <a:lstStyle/>
+          <a:p>
+            <a:pPr algn="ctr"/>
+            <a:r>
+              <a:rPr lang="en-US" sz="400" dirty="0" smtClean="0"/>
+              <a:t>Student </a:t>
+            </a:r>
+            <a:r>
+              <a:rPr lang="en-US" sz="400" dirty="0" smtClean="0"/>
+              <a:t>1</a:t>
+            </a:r>
+            <a:endParaRPr lang="en-US" sz="400" dirty="0"/>
+          </a:p>
+        </p:txBody>
+      </p:sp>
+      <p:sp>
+        <p:nvSpPr>
+          <p:cNvPr id="472" name="Rectangle 471"/>
+          <p:cNvSpPr/>
+          <p:nvPr/>
+        </p:nvSpPr>
+        <p:spPr>
+          <a:xfrm>
+            <a:off x="2441002" y="1900469"/>
+            <a:ext cx="365938" cy="95509"/>
+          </a:xfrm>
+          <a:prstGeom prst="rect">
+            <a:avLst/>
+          </a:prstGeom>
+          <a:noFill/>
+        </p:spPr>
+        <p:style>
+          <a:lnRef idx="2">
+            <a:schemeClr val="accent1">
+              <a:shade val="50000"/>
+            </a:schemeClr>
+          </a:lnRef>
+          <a:fillRef idx="1">
+            <a:schemeClr val="accent1"/>
+          </a:fillRef>
+          <a:effectRef idx="0">
+            <a:schemeClr val="accent1"/>
+          </a:effectRef>
+          <a:fontRef idx="minor">
+            <a:schemeClr val="lt1"/>
+          </a:fontRef>
+        </p:style>
+        <p:txBody>
+          <a:bodyPr rtlCol="0" anchor="ctr"/>
+          <a:lstStyle/>
+          <a:p>
+            <a:pPr algn="ctr"/>
+            <a:endParaRPr lang="en-US"/>
+          </a:p>
+        </p:txBody>
+      </p:sp>
+      <p:sp>
+        <p:nvSpPr>
+          <p:cNvPr id="473" name="TextBox 472"/>
+          <p:cNvSpPr txBox="1"/>
+          <p:nvPr/>
+        </p:nvSpPr>
+        <p:spPr>
+          <a:xfrm>
+            <a:off x="2394232" y="2002595"/>
+            <a:ext cx="423627" cy="153888"/>
+          </a:xfrm>
+          <a:prstGeom prst="rect">
+            <a:avLst/>
+          </a:prstGeom>
+          <a:noFill/>
+        </p:spPr>
+        <p:txBody>
+          <a:bodyPr wrap="square" rtlCol="0">
+            <a:spAutoFit/>
+          </a:bodyPr>
+          <a:lstStyle/>
+          <a:p>
+            <a:pPr algn="ctr"/>
+            <a:r>
+              <a:rPr lang="en-US" sz="400" dirty="0" smtClean="0"/>
+              <a:t>Student </a:t>
+            </a:r>
+            <a:r>
+              <a:rPr lang="en-US" sz="400" dirty="0" smtClean="0"/>
+              <a:t>2</a:t>
+            </a:r>
+            <a:endParaRPr lang="en-US" sz="400" dirty="0"/>
+          </a:p>
+        </p:txBody>
+      </p:sp>
+      <p:sp>
+        <p:nvSpPr>
+          <p:cNvPr id="474" name="Rectangle 473"/>
+          <p:cNvSpPr/>
+          <p:nvPr/>
+        </p:nvSpPr>
+        <p:spPr>
+          <a:xfrm>
+            <a:off x="2441002" y="2029571"/>
+            <a:ext cx="365938" cy="95509"/>
+          </a:xfrm>
+          <a:prstGeom prst="rect">
+            <a:avLst/>
+          </a:prstGeom>
+          <a:noFill/>
+        </p:spPr>
+        <p:style>
+          <a:lnRef idx="2">
+            <a:schemeClr val="accent1">
+              <a:shade val="50000"/>
+            </a:schemeClr>
+          </a:lnRef>
+          <a:fillRef idx="1">
+            <a:schemeClr val="accent1"/>
+          </a:fillRef>
+          <a:effectRef idx="0">
+            <a:schemeClr val="accent1"/>
+          </a:effectRef>
+          <a:fontRef idx="minor">
+            <a:schemeClr val="lt1"/>
+          </a:fontRef>
+        </p:style>
+        <p:txBody>
+          <a:bodyPr rtlCol="0" anchor="ctr"/>
+          <a:lstStyle/>
+          <a:p>
+            <a:pPr algn="ctr"/>
+            <a:endParaRPr lang="en-US"/>
+          </a:p>
+        </p:txBody>
+      </p:sp>
+      <p:sp>
+        <p:nvSpPr>
+          <p:cNvPr id="475" name="TextBox 474"/>
+          <p:cNvSpPr txBox="1"/>
+          <p:nvPr/>
+        </p:nvSpPr>
+        <p:spPr>
+          <a:xfrm>
+            <a:off x="2394232" y="2130899"/>
+            <a:ext cx="423627" cy="153888"/>
+          </a:xfrm>
+          <a:prstGeom prst="rect">
+            <a:avLst/>
+          </a:prstGeom>
+          <a:noFill/>
+        </p:spPr>
+        <p:txBody>
+          <a:bodyPr wrap="square" rtlCol="0">
+            <a:spAutoFit/>
+          </a:bodyPr>
+          <a:lstStyle/>
+          <a:p>
+            <a:pPr algn="ctr"/>
+            <a:r>
+              <a:rPr lang="en-US" sz="400" dirty="0" smtClean="0"/>
+              <a:t>Student </a:t>
+            </a:r>
+            <a:r>
+              <a:rPr lang="en-US" sz="400" dirty="0" smtClean="0"/>
+              <a:t>3</a:t>
+            </a:r>
+            <a:endParaRPr lang="en-US" sz="400" dirty="0"/>
+          </a:p>
+        </p:txBody>
+      </p:sp>
+      <p:sp>
+        <p:nvSpPr>
+          <p:cNvPr id="477" name="Rectangle 476"/>
+          <p:cNvSpPr/>
+          <p:nvPr/>
+        </p:nvSpPr>
+        <p:spPr>
+          <a:xfrm>
+            <a:off x="2441002" y="2157875"/>
+            <a:ext cx="365938" cy="95509"/>
+          </a:xfrm>
+          <a:prstGeom prst="rect">
+            <a:avLst/>
+          </a:prstGeom>
+          <a:noFill/>
+        </p:spPr>
+        <p:style>
+          <a:lnRef idx="2">
+            <a:schemeClr val="accent1">
+              <a:shade val="50000"/>
+            </a:schemeClr>
+          </a:lnRef>
+          <a:fillRef idx="1">
+            <a:schemeClr val="accent1"/>
+          </a:fillRef>
+          <a:effectRef idx="0">
+            <a:schemeClr val="accent1"/>
+          </a:effectRef>
+          <a:fontRef idx="minor">
+            <a:schemeClr val="lt1"/>
+          </a:fontRef>
+        </p:style>
+        <p:txBody>
+          <a:bodyPr rtlCol="0" anchor="ctr"/>
+          <a:lstStyle/>
+          <a:p>
+            <a:pPr algn="ctr"/>
+            <a:endParaRPr lang="en-US"/>
+          </a:p>
+        </p:txBody>
+      </p:sp>
+      <p:sp>
+        <p:nvSpPr>
+          <p:cNvPr id="478" name="TextBox 477"/>
+          <p:cNvSpPr txBox="1"/>
+          <p:nvPr/>
+        </p:nvSpPr>
+        <p:spPr>
+          <a:xfrm>
+            <a:off x="2394232" y="2265820"/>
+            <a:ext cx="423627" cy="153888"/>
+          </a:xfrm>
+          <a:prstGeom prst="rect">
+            <a:avLst/>
+          </a:prstGeom>
+          <a:noFill/>
+        </p:spPr>
+        <p:txBody>
+          <a:bodyPr wrap="square" rtlCol="0">
+            <a:spAutoFit/>
+          </a:bodyPr>
+          <a:lstStyle/>
+          <a:p>
+            <a:pPr algn="ctr"/>
+            <a:r>
+              <a:rPr lang="en-US" sz="400" dirty="0" smtClean="0"/>
+              <a:t>Student </a:t>
+            </a:r>
+            <a:r>
+              <a:rPr lang="en-US" sz="400" dirty="0" smtClean="0"/>
+              <a:t>4</a:t>
+            </a:r>
+            <a:endParaRPr lang="en-US" sz="400" dirty="0"/>
+          </a:p>
+        </p:txBody>
+      </p:sp>
+      <p:sp>
+        <p:nvSpPr>
+          <p:cNvPr id="479" name="Rectangle 478"/>
+          <p:cNvSpPr/>
+          <p:nvPr/>
+        </p:nvSpPr>
+        <p:spPr>
+          <a:xfrm>
+            <a:off x="2441002" y="2292796"/>
+            <a:ext cx="365938" cy="95509"/>
+          </a:xfrm>
+          <a:prstGeom prst="rect">
+            <a:avLst/>
+          </a:prstGeom>
+          <a:noFill/>
+        </p:spPr>
+        <p:style>
+          <a:lnRef idx="2">
+            <a:schemeClr val="accent1">
+              <a:shade val="50000"/>
+            </a:schemeClr>
+          </a:lnRef>
+          <a:fillRef idx="1">
+            <a:schemeClr val="accent1"/>
+          </a:fillRef>
+          <a:effectRef idx="0">
+            <a:schemeClr val="accent1"/>
+          </a:effectRef>
+          <a:fontRef idx="minor">
+            <a:schemeClr val="lt1"/>
+          </a:fontRef>
+        </p:style>
+        <p:txBody>
+          <a:bodyPr rtlCol="0" anchor="ctr"/>
+          <a:lstStyle/>
+          <a:p>
+            <a:pPr algn="ctr"/>
+            <a:endParaRPr lang="en-US"/>
+          </a:p>
+        </p:txBody>
+      </p:sp>
+      <p:sp>
+        <p:nvSpPr>
+          <p:cNvPr id="480" name="TextBox 479"/>
+          <p:cNvSpPr txBox="1"/>
+          <p:nvPr/>
+        </p:nvSpPr>
+        <p:spPr>
+          <a:xfrm>
+            <a:off x="2385446" y="1765720"/>
+            <a:ext cx="536816" cy="153888"/>
+          </a:xfrm>
+          <a:prstGeom prst="rect">
+            <a:avLst/>
+          </a:prstGeom>
+          <a:noFill/>
+        </p:spPr>
+        <p:txBody>
+          <a:bodyPr wrap="square" rtlCol="0">
+            <a:spAutoFit/>
+          </a:bodyPr>
+          <a:lstStyle/>
+          <a:p>
+            <a:r>
+              <a:rPr lang="en-US" sz="400" u="sng" dirty="0" smtClean="0"/>
+              <a:t>Student Name</a:t>
+            </a:r>
+            <a:endParaRPr lang="en-US" sz="400" u="sng" dirty="0"/>
+          </a:p>
+        </p:txBody>
+      </p:sp>
+      <p:sp>
+        <p:nvSpPr>
+          <p:cNvPr id="486" name="TextBox 485"/>
+          <p:cNvSpPr txBox="1"/>
+          <p:nvPr/>
+        </p:nvSpPr>
+        <p:spPr>
+          <a:xfrm>
+            <a:off x="2901052" y="1765112"/>
+            <a:ext cx="390339" cy="153888"/>
+          </a:xfrm>
+          <a:prstGeom prst="rect">
+            <a:avLst/>
+          </a:prstGeom>
+          <a:noFill/>
+        </p:spPr>
+        <p:txBody>
+          <a:bodyPr wrap="square" rtlCol="0">
+            <a:spAutoFit/>
+          </a:bodyPr>
+          <a:lstStyle/>
+          <a:p>
+            <a:r>
+              <a:rPr lang="en-US" sz="400" u="sng" dirty="0" smtClean="0"/>
+              <a:t>Score</a:t>
+            </a:r>
+            <a:endParaRPr lang="en-US" sz="400" u="sng" dirty="0"/>
+          </a:p>
+        </p:txBody>
+      </p:sp>
+      <p:sp>
+        <p:nvSpPr>
+          <p:cNvPr id="487" name="TextBox 486"/>
+          <p:cNvSpPr txBox="1"/>
+          <p:nvPr/>
+        </p:nvSpPr>
+        <p:spPr>
+          <a:xfrm>
+            <a:off x="2890607" y="1859820"/>
+            <a:ext cx="318177" cy="169277"/>
+          </a:xfrm>
+          <a:prstGeom prst="rect">
+            <a:avLst/>
+          </a:prstGeom>
+          <a:noFill/>
+        </p:spPr>
+        <p:txBody>
+          <a:bodyPr wrap="square" rtlCol="0">
+            <a:spAutoFit/>
+          </a:bodyPr>
+          <a:lstStyle/>
+          <a:p>
+            <a:pPr algn="ctr"/>
+            <a:r>
+              <a:rPr lang="en-US" sz="500" b="1" dirty="0" smtClean="0"/>
+              <a:t>100</a:t>
+            </a:r>
+            <a:endParaRPr lang="en-US" sz="400" b="1" dirty="0" smtClean="0"/>
+          </a:p>
+        </p:txBody>
+      </p:sp>
+      <p:sp>
+        <p:nvSpPr>
+          <p:cNvPr id="488" name="TextBox 487"/>
+          <p:cNvSpPr txBox="1"/>
+          <p:nvPr/>
+        </p:nvSpPr>
+        <p:spPr>
+          <a:xfrm>
+            <a:off x="2891434" y="1988323"/>
+            <a:ext cx="317350" cy="169277"/>
+          </a:xfrm>
+          <a:prstGeom prst="rect">
+            <a:avLst/>
+          </a:prstGeom>
+          <a:noFill/>
+        </p:spPr>
+        <p:txBody>
+          <a:bodyPr wrap="square" rtlCol="0">
+            <a:spAutoFit/>
+          </a:bodyPr>
+          <a:lstStyle/>
+          <a:p>
+            <a:pPr algn="ctr"/>
+            <a:r>
+              <a:rPr lang="en-US" sz="500" b="1" dirty="0" smtClean="0"/>
+              <a:t>95</a:t>
+            </a:r>
+            <a:endParaRPr lang="en-US" sz="400" b="1" dirty="0" smtClean="0"/>
+          </a:p>
+        </p:txBody>
+      </p:sp>
+      <p:sp>
+        <p:nvSpPr>
+          <p:cNvPr id="489" name="TextBox 488"/>
+          <p:cNvSpPr txBox="1"/>
+          <p:nvPr/>
+        </p:nvSpPr>
+        <p:spPr>
+          <a:xfrm>
+            <a:off x="2890608" y="2123500"/>
+            <a:ext cx="301588" cy="169277"/>
+          </a:xfrm>
+          <a:prstGeom prst="rect">
+            <a:avLst/>
+          </a:prstGeom>
+          <a:noFill/>
+        </p:spPr>
+        <p:txBody>
+          <a:bodyPr wrap="square" rtlCol="0">
+            <a:spAutoFit/>
+          </a:bodyPr>
+          <a:lstStyle/>
+          <a:p>
+            <a:pPr algn="ctr"/>
+            <a:r>
+              <a:rPr lang="en-US" sz="500" b="1" dirty="0" smtClean="0"/>
+              <a:t>100</a:t>
+            </a:r>
+            <a:endParaRPr lang="en-US" sz="400" b="1" dirty="0" smtClean="0"/>
+          </a:p>
+        </p:txBody>
+      </p:sp>
+      <p:sp>
+        <p:nvSpPr>
+          <p:cNvPr id="490" name="TextBox 489"/>
+          <p:cNvSpPr txBox="1"/>
+          <p:nvPr/>
+        </p:nvSpPr>
+        <p:spPr>
+          <a:xfrm>
+            <a:off x="2905208" y="2259766"/>
+            <a:ext cx="280572" cy="169277"/>
+          </a:xfrm>
+          <a:prstGeom prst="rect">
+            <a:avLst/>
+          </a:prstGeom>
+          <a:noFill/>
+        </p:spPr>
+        <p:txBody>
+          <a:bodyPr wrap="square" rtlCol="0">
+            <a:spAutoFit/>
+          </a:bodyPr>
+          <a:lstStyle/>
+          <a:p>
+            <a:pPr algn="ctr"/>
+            <a:r>
+              <a:rPr lang="en-US" sz="500" b="1" dirty="0" smtClean="0"/>
+              <a:t>80</a:t>
+            </a:r>
+            <a:endParaRPr lang="en-US" sz="400" b="1" dirty="0" smtClean="0"/>
+          </a:p>
+        </p:txBody>
+      </p:sp>
+      <p:sp>
+        <p:nvSpPr>
+          <p:cNvPr id="491" name="TextBox 490"/>
+          <p:cNvSpPr txBox="1"/>
+          <p:nvPr/>
+        </p:nvSpPr>
+        <p:spPr>
+          <a:xfrm>
+            <a:off x="2418327" y="2527658"/>
+            <a:ext cx="777857" cy="169277"/>
+          </a:xfrm>
+          <a:prstGeom prst="rect">
+            <a:avLst/>
+          </a:prstGeom>
+        </p:spPr>
+        <p:style>
+          <a:lnRef idx="2">
+            <a:schemeClr val="accent1"/>
+          </a:lnRef>
+          <a:fillRef idx="1">
+            <a:schemeClr val="lt1"/>
+          </a:fillRef>
+          <a:effectRef idx="0">
+            <a:schemeClr val="accent1"/>
+          </a:effectRef>
+          <a:fontRef idx="minor">
+            <a:schemeClr val="dk1"/>
+          </a:fontRef>
+        </p:style>
+        <p:txBody>
+          <a:bodyPr wrap="square" rtlCol="0">
+            <a:spAutoFit/>
+          </a:bodyPr>
+          <a:lstStyle/>
+          <a:p>
+            <a:r>
+              <a:rPr lang="en-US" sz="500" dirty="0" smtClean="0"/>
+              <a:t>Return to </a:t>
+            </a:r>
+            <a:r>
+              <a:rPr lang="en-US" sz="500" dirty="0" smtClean="0"/>
+              <a:t>Quiz Details</a:t>
+            </a:r>
+            <a:endParaRPr lang="en-US" sz="500" dirty="0"/>
+          </a:p>
+        </p:txBody>
+      </p:sp>
+      <p:cxnSp>
+        <p:nvCxnSpPr>
+          <p:cNvPr id="128" name="Curved Connector 127"/>
+          <p:cNvCxnSpPr>
+            <a:stCxn id="464" idx="1"/>
+            <a:endCxn id="466" idx="3"/>
+          </p:cNvCxnSpPr>
+          <p:nvPr/>
+        </p:nvCxnSpPr>
+        <p:spPr>
+          <a:xfrm rot="10800000">
+            <a:off x="3216330" y="2139684"/>
+            <a:ext cx="333844" cy="1543221"/>
+          </a:xfrm>
+          <a:prstGeom prst="curvedConnector3">
+            <a:avLst>
+              <a:gd name="adj1" fmla="val 64266"/>
+            </a:avLst>
+          </a:prstGeom>
+          <a:ln>
+            <a:tailEnd type="triangle"/>
+          </a:ln>
+        </p:spPr>
+        <p:style>
+          <a:lnRef idx="1">
+            <a:schemeClr val="accent1"/>
+          </a:lnRef>
+          <a:fillRef idx="0">
+            <a:schemeClr val="accent1"/>
+          </a:fillRef>
+          <a:effectRef idx="0">
+            <a:schemeClr val="accent1"/>
+          </a:effectRef>
+          <a:fontRef idx="minor">
+            <a:schemeClr val="tx1"/>
+          </a:fontRef>
+        </p:style>
+      </p:cxnSp>
+      <p:cxnSp>
+        <p:nvCxnSpPr>
+          <p:cNvPr id="134" name="Curved Connector 133"/>
+          <p:cNvCxnSpPr>
+            <a:stCxn id="491" idx="3"/>
+            <a:endCxn id="306" idx="0"/>
+          </p:cNvCxnSpPr>
+          <p:nvPr/>
+        </p:nvCxnSpPr>
+        <p:spPr>
+          <a:xfrm>
+            <a:off x="3196184" y="2612297"/>
+            <a:ext cx="594288" cy="266932"/>
+          </a:xfrm>
+          <a:prstGeom prst="curvedConnector2">
+            <a:avLst/>
           </a:prstGeom>
           <a:ln>
             <a:tailEnd type="triangle"/>

--- a/Storyboard.pptx
+++ b/Storyboard.pptx
@@ -199,7 +199,7 @@
           <a:p>
             <a:fld id="{EBBC5091-0236-457B-A40E-F3FEAB024243}" type="datetimeFigureOut">
               <a:rPr lang="en-US" smtClean="0"/>
-              <a:t>2/24/2018</a:t>
+              <a:t>2/25/2018</a:t>
             </a:fld>
             <a:endParaRPr lang="en-US"/>
           </a:p>
@@ -680,7 +680,7 @@
           <a:p>
             <a:fld id="{B49214F2-79A4-4F5D-80CF-7CDFA110A4E0}" type="datetimeFigureOut">
               <a:rPr lang="en-US" smtClean="0"/>
-              <a:t>2/24/2018</a:t>
+              <a:t>2/25/2018</a:t>
             </a:fld>
             <a:endParaRPr lang="en-US"/>
           </a:p>
@@ -848,7 +848,7 @@
           <a:p>
             <a:fld id="{B49214F2-79A4-4F5D-80CF-7CDFA110A4E0}" type="datetimeFigureOut">
               <a:rPr lang="en-US" smtClean="0"/>
-              <a:t>2/24/2018</a:t>
+              <a:t>2/25/2018</a:t>
             </a:fld>
             <a:endParaRPr lang="en-US"/>
           </a:p>
@@ -1026,7 +1026,7 @@
           <a:p>
             <a:fld id="{B49214F2-79A4-4F5D-80CF-7CDFA110A4E0}" type="datetimeFigureOut">
               <a:rPr lang="en-US" smtClean="0"/>
-              <a:t>2/24/2018</a:t>
+              <a:t>2/25/2018</a:t>
             </a:fld>
             <a:endParaRPr lang="en-US"/>
           </a:p>
@@ -1194,7 +1194,7 @@
           <a:p>
             <a:fld id="{B49214F2-79A4-4F5D-80CF-7CDFA110A4E0}" type="datetimeFigureOut">
               <a:rPr lang="en-US" smtClean="0"/>
-              <a:t>2/24/2018</a:t>
+              <a:t>2/25/2018</a:t>
             </a:fld>
             <a:endParaRPr lang="en-US"/>
           </a:p>
@@ -1439,7 +1439,7 @@
           <a:p>
             <a:fld id="{B49214F2-79A4-4F5D-80CF-7CDFA110A4E0}" type="datetimeFigureOut">
               <a:rPr lang="en-US" smtClean="0"/>
-              <a:t>2/24/2018</a:t>
+              <a:t>2/25/2018</a:t>
             </a:fld>
             <a:endParaRPr lang="en-US"/>
           </a:p>
@@ -1668,7 +1668,7 @@
           <a:p>
             <a:fld id="{B49214F2-79A4-4F5D-80CF-7CDFA110A4E0}" type="datetimeFigureOut">
               <a:rPr lang="en-US" smtClean="0"/>
-              <a:t>2/24/2018</a:t>
+              <a:t>2/25/2018</a:t>
             </a:fld>
             <a:endParaRPr lang="en-US"/>
           </a:p>
@@ -2032,7 +2032,7 @@
           <a:p>
             <a:fld id="{B49214F2-79A4-4F5D-80CF-7CDFA110A4E0}" type="datetimeFigureOut">
               <a:rPr lang="en-US" smtClean="0"/>
-              <a:t>2/24/2018</a:t>
+              <a:t>2/25/2018</a:t>
             </a:fld>
             <a:endParaRPr lang="en-US"/>
           </a:p>
@@ -2149,7 +2149,7 @@
           <a:p>
             <a:fld id="{B49214F2-79A4-4F5D-80CF-7CDFA110A4E0}" type="datetimeFigureOut">
               <a:rPr lang="en-US" smtClean="0"/>
-              <a:t>2/24/2018</a:t>
+              <a:t>2/25/2018</a:t>
             </a:fld>
             <a:endParaRPr lang="en-US"/>
           </a:p>
@@ -2244,7 +2244,7 @@
           <a:p>
             <a:fld id="{B49214F2-79A4-4F5D-80CF-7CDFA110A4E0}" type="datetimeFigureOut">
               <a:rPr lang="en-US" smtClean="0"/>
-              <a:t>2/24/2018</a:t>
+              <a:t>2/25/2018</a:t>
             </a:fld>
             <a:endParaRPr lang="en-US"/>
           </a:p>
@@ -2519,7 +2519,7 @@
           <a:p>
             <a:fld id="{B49214F2-79A4-4F5D-80CF-7CDFA110A4E0}" type="datetimeFigureOut">
               <a:rPr lang="en-US" smtClean="0"/>
-              <a:t>2/24/2018</a:t>
+              <a:t>2/25/2018</a:t>
             </a:fld>
             <a:endParaRPr lang="en-US"/>
           </a:p>
@@ -2771,7 +2771,7 @@
           <a:p>
             <a:fld id="{B49214F2-79A4-4F5D-80CF-7CDFA110A4E0}" type="datetimeFigureOut">
               <a:rPr lang="en-US" smtClean="0"/>
-              <a:t>2/24/2018</a:t>
+              <a:t>2/25/2018</a:t>
             </a:fld>
             <a:endParaRPr lang="en-US"/>
           </a:p>
@@ -2982,7 +2982,7 @@
           <a:p>
             <a:fld id="{B49214F2-79A4-4F5D-80CF-7CDFA110A4E0}" type="datetimeFigureOut">
               <a:rPr lang="en-US" smtClean="0"/>
-              <a:t>2/24/2018</a:t>
+              <a:t>2/25/2018</a:t>
             </a:fld>
             <a:endParaRPr lang="en-US"/>
           </a:p>
@@ -7683,11 +7683,7 @@
           <a:p>
             <a:r>
               <a:rPr lang="en-US" sz="400" dirty="0" smtClean="0"/>
-              <a:t>Number of Questions: </a:t>
-            </a:r>
-            <a:r>
-              <a:rPr lang="en-US" sz="400" dirty="0" smtClean="0"/>
-              <a:t>20</a:t>
+              <a:t>Number of Questions: 20</a:t>
             </a:r>
           </a:p>
           <a:p>
@@ -7695,7 +7691,6 @@
               <a:rPr lang="en-US" sz="400" dirty="0" smtClean="0"/>
               <a:t>Class: Example Class 1</a:t>
             </a:r>
-            <a:endParaRPr lang="en-US" sz="400" dirty="0" smtClean="0"/>
           </a:p>
         </p:txBody>
       </p:sp>
@@ -11704,17 +11699,8 @@
           <a:p>
             <a:r>
               <a:rPr lang="en-US" sz="400" dirty="0" smtClean="0"/>
-              <a:t>Average time </a:t>
-            </a:r>
-            <a:r>
-              <a:rPr lang="en-US" sz="400" dirty="0" smtClean="0"/>
-              <a:t>to answer</a:t>
-            </a:r>
-            <a:r>
-              <a:rPr lang="en-US" sz="400" dirty="0" smtClean="0"/>
-              <a:t>:</a:t>
-            </a:r>
-            <a:endParaRPr lang="en-US" sz="400" dirty="0" smtClean="0"/>
+              <a:t>Average time to answer:</a:t>
+            </a:r>
           </a:p>
           <a:p>
             <a:r>
@@ -13750,16 +13736,21 @@
               <a:t>Kevin </a:t>
             </a:r>
             <a:r>
-              <a:rPr lang="en-US" sz="600" dirty="0" err="1" smtClean="0"/>
-              <a:t>Yangs</a:t>
+              <a:rPr lang="en-US" sz="600" dirty="0" smtClean="0"/>
+              <a:t>Yang</a:t>
             </a:r>
             <a:endParaRPr lang="en-US" sz="600" dirty="0" smtClean="0"/>
           </a:p>
           <a:p>
             <a:r>
               <a:rPr lang="en-US" sz="600" dirty="0" smtClean="0"/>
-              <a:t>Tamara Pena</a:t>
-            </a:r>
+              <a:t>Tamara </a:t>
+            </a:r>
+            <a:r>
+              <a:rPr lang="en-US" sz="600" dirty="0" smtClean="0"/>
+              <a:t>Pena</a:t>
+            </a:r>
+            <a:endParaRPr lang="en-US" sz="600" dirty="0" smtClean="0"/>
           </a:p>
           <a:p>
             <a:r>
@@ -13790,13 +13781,8 @@
           <a:p>
             <a:r>
               <a:rPr lang="en-US" sz="600" dirty="0" smtClean="0"/>
-              <a:t>Don’t stea</a:t>
-            </a:r>
-            <a:r>
-              <a:rPr lang="en-US" sz="600" dirty="0" smtClean="0"/>
-              <a:t>l please</a:t>
-            </a:r>
-            <a:endParaRPr lang="en-US" sz="600" dirty="0" smtClean="0"/>
+              <a:t>Don’t steal please</a:t>
+            </a:r>
           </a:p>
         </p:txBody>
       </p:sp>
@@ -14576,7 +14562,7 @@
           </a:xfrm>
           <a:prstGeom prst="curvedConnector3">
             <a:avLst>
-              <a:gd name="adj1" fmla="val 50000"/>
+              <a:gd name="adj1" fmla="val 20422"/>
             </a:avLst>
           </a:prstGeom>
           <a:ln>
@@ -14738,6 +14724,205 @@
           </a:fontRef>
         </p:style>
       </p:cxnSp>
+      <p:sp>
+        <p:nvSpPr>
+          <p:cNvPr id="251" name="TextBox 250"/>
+          <p:cNvSpPr txBox="1"/>
+          <p:nvPr/>
+        </p:nvSpPr>
+        <p:spPr>
+          <a:xfrm>
+            <a:off x="2338877" y="1064504"/>
+            <a:ext cx="619563" cy="184666"/>
+          </a:xfrm>
+          <a:prstGeom prst="rect">
+            <a:avLst/>
+          </a:prstGeom>
+        </p:spPr>
+        <p:style>
+          <a:lnRef idx="2">
+            <a:schemeClr val="accent1"/>
+          </a:lnRef>
+          <a:fillRef idx="1">
+            <a:schemeClr val="lt1"/>
+          </a:fillRef>
+          <a:effectRef idx="0">
+            <a:schemeClr val="accent1"/>
+          </a:effectRef>
+          <a:fontRef idx="minor">
+            <a:schemeClr val="dk1"/>
+          </a:fontRef>
+        </p:style>
+        <p:txBody>
+          <a:bodyPr wrap="square" rtlCol="0">
+            <a:spAutoFit/>
+          </a:bodyPr>
+          <a:lstStyle/>
+          <a:p>
+            <a:r>
+              <a:rPr lang="en-US" sz="600" dirty="0" smtClean="0"/>
+              <a:t>Set font size</a:t>
+            </a:r>
+            <a:endParaRPr lang="en-US" sz="600" dirty="0"/>
+          </a:p>
+        </p:txBody>
+      </p:sp>
+      <p:sp>
+        <p:nvSpPr>
+          <p:cNvPr id="3" name="Rectangle 2"/>
+          <p:cNvSpPr/>
+          <p:nvPr/>
+        </p:nvSpPr>
+        <p:spPr>
+          <a:xfrm>
+            <a:off x="6271194" y="4088567"/>
+            <a:ext cx="302903" cy="61331"/>
+          </a:xfrm>
+          <a:prstGeom prst="rect">
+            <a:avLst/>
+          </a:prstGeom>
+          <a:solidFill>
+            <a:schemeClr val="bg1"/>
+          </a:solidFill>
+          <a:ln w="3175">
+            <a:solidFill>
+              <a:schemeClr val="accent1"/>
+            </a:solidFill>
+          </a:ln>
+        </p:spPr>
+        <p:style>
+          <a:lnRef idx="2">
+            <a:schemeClr val="accent1">
+              <a:shade val="50000"/>
+            </a:schemeClr>
+          </a:lnRef>
+          <a:fillRef idx="1">
+            <a:schemeClr val="accent1"/>
+          </a:fillRef>
+          <a:effectRef idx="0">
+            <a:schemeClr val="accent1"/>
+          </a:effectRef>
+          <a:fontRef idx="minor">
+            <a:schemeClr val="lt1"/>
+          </a:fontRef>
+        </p:style>
+        <p:txBody>
+          <a:bodyPr rtlCol="0" anchor="ctr"/>
+          <a:lstStyle/>
+          <a:p>
+            <a:pPr algn="ctr"/>
+            <a:endParaRPr lang="en-US"/>
+          </a:p>
+        </p:txBody>
+      </p:sp>
+      <p:sp>
+        <p:nvSpPr>
+          <p:cNvPr id="55" name="TextBox 54"/>
+          <p:cNvSpPr txBox="1"/>
+          <p:nvPr/>
+        </p:nvSpPr>
+        <p:spPr>
+          <a:xfrm>
+            <a:off x="6253621" y="4046843"/>
+            <a:ext cx="332881" cy="138499"/>
+          </a:xfrm>
+          <a:prstGeom prst="rect">
+            <a:avLst/>
+          </a:prstGeom>
+          <a:noFill/>
+        </p:spPr>
+        <p:txBody>
+          <a:bodyPr wrap="square" rtlCol="0">
+            <a:spAutoFit/>
+          </a:bodyPr>
+          <a:lstStyle/>
+          <a:p>
+            <a:r>
+              <a:rPr lang="en-US" sz="300" dirty="0" smtClean="0"/>
+              <a:t>Set active</a:t>
+            </a:r>
+            <a:endParaRPr lang="en-US" sz="300" dirty="0"/>
+          </a:p>
+        </p:txBody>
+      </p:sp>
+      <p:sp>
+        <p:nvSpPr>
+          <p:cNvPr id="255" name="Rectangle 254"/>
+          <p:cNvSpPr/>
+          <p:nvPr/>
+        </p:nvSpPr>
+        <p:spPr>
+          <a:xfrm>
+            <a:off x="6269226" y="4186353"/>
+            <a:ext cx="302903" cy="61331"/>
+          </a:xfrm>
+          <a:prstGeom prst="rect">
+            <a:avLst/>
+          </a:prstGeom>
+          <a:solidFill>
+            <a:schemeClr val="bg1"/>
+          </a:solidFill>
+          <a:ln w="3175">
+            <a:solidFill>
+              <a:schemeClr val="accent1"/>
+            </a:solidFill>
+          </a:ln>
+        </p:spPr>
+        <p:style>
+          <a:lnRef idx="2">
+            <a:schemeClr val="accent1">
+              <a:shade val="50000"/>
+            </a:schemeClr>
+          </a:lnRef>
+          <a:fillRef idx="1">
+            <a:schemeClr val="accent1"/>
+          </a:fillRef>
+          <a:effectRef idx="0">
+            <a:schemeClr val="accent1"/>
+          </a:effectRef>
+          <a:fontRef idx="minor">
+            <a:schemeClr val="lt1"/>
+          </a:fontRef>
+        </p:style>
+        <p:txBody>
+          <a:bodyPr rtlCol="0" anchor="ctr"/>
+          <a:lstStyle/>
+          <a:p>
+            <a:pPr algn="ctr"/>
+            <a:endParaRPr lang="en-US"/>
+          </a:p>
+        </p:txBody>
+      </p:sp>
+      <p:sp>
+        <p:nvSpPr>
+          <p:cNvPr id="259" name="TextBox 258"/>
+          <p:cNvSpPr txBox="1"/>
+          <p:nvPr/>
+        </p:nvSpPr>
+        <p:spPr>
+          <a:xfrm>
+            <a:off x="6253621" y="4146575"/>
+            <a:ext cx="397052" cy="138499"/>
+          </a:xfrm>
+          <a:prstGeom prst="rect">
+            <a:avLst/>
+          </a:prstGeom>
+          <a:noFill/>
+        </p:spPr>
+        <p:txBody>
+          <a:bodyPr wrap="square" rtlCol="0">
+            <a:spAutoFit/>
+          </a:bodyPr>
+          <a:lstStyle/>
+          <a:p>
+            <a:r>
+              <a:rPr lang="en-US" sz="300" dirty="0" smtClean="0"/>
+              <a:t>Set inactive</a:t>
+            </a:r>
+            <a:endParaRPr lang="en-US" sz="300" dirty="0"/>
+          </a:p>
+        </p:txBody>
+      </p:sp>
     </p:spTree>
     <p:extLst>
       <p:ext uri="{BB962C8B-B14F-4D97-AF65-F5344CB8AC3E}">
@@ -15356,13 +15541,8 @@
           <a:p>
             <a:r>
               <a:rPr lang="en-US" sz="400" dirty="0" smtClean="0"/>
-              <a:t>Time Limit: </a:t>
-            </a:r>
-            <a:r>
-              <a:rPr lang="en-US" sz="400" dirty="0" smtClean="0"/>
-              <a:t>10 minutes</a:t>
-            </a:r>
-            <a:endParaRPr lang="en-US" sz="400" dirty="0" smtClean="0"/>
+              <a:t>Time Limit: 10 minutes</a:t>
+            </a:r>
           </a:p>
           <a:p>
             <a:r>
@@ -15585,13 +15765,8 @@
           <a:p>
             <a:r>
               <a:rPr lang="en-US" sz="400" dirty="0" smtClean="0"/>
-              <a:t>Time Limit: </a:t>
-            </a:r>
-            <a:r>
-              <a:rPr lang="en-US" sz="400" dirty="0" smtClean="0"/>
-              <a:t>10 minutes</a:t>
-            </a:r>
-            <a:endParaRPr lang="en-US" sz="400" dirty="0" smtClean="0"/>
+              <a:t>Time Limit: 10 minutes</a:t>
+            </a:r>
           </a:p>
           <a:p>
             <a:r>
@@ -21252,13 +21427,8 @@
           <a:p>
             <a:r>
               <a:rPr lang="en-US" sz="600" dirty="0" smtClean="0"/>
-              <a:t>Don’t stea</a:t>
-            </a:r>
-            <a:r>
-              <a:rPr lang="en-US" sz="600" dirty="0" smtClean="0"/>
-              <a:t>l please</a:t>
-            </a:r>
-            <a:endParaRPr lang="en-US" sz="600" dirty="0" smtClean="0"/>
+              <a:t>Don’t steal please</a:t>
+            </a:r>
           </a:p>
         </p:txBody>
       </p:sp>
